--- a/DataCom/H1_Inleiding/Inleiding.pptx
+++ b/DataCom/H1_Inleiding/Inleiding.pptx
@@ -5,7 +5,7 @@
     <p:sldMasterId id="2147483648" r:id="rId1"/>
   </p:sldMasterIdLst>
   <p:notesMasterIdLst>
-    <p:notesMasterId r:id="rId51"/>
+    <p:notesMasterId r:id="rId50"/>
   </p:notesMasterIdLst>
   <p:sldIdLst>
     <p:sldId id="256" r:id="rId2"/>
@@ -46,17 +46,16 @@
     <p:sldId id="291" r:id="rId37"/>
     <p:sldId id="292" r:id="rId38"/>
     <p:sldId id="293" r:id="rId39"/>
-    <p:sldId id="294" r:id="rId40"/>
-    <p:sldId id="295" r:id="rId41"/>
-    <p:sldId id="297" r:id="rId42"/>
-    <p:sldId id="298" r:id="rId43"/>
-    <p:sldId id="296" r:id="rId44"/>
-    <p:sldId id="299" r:id="rId45"/>
-    <p:sldId id="300" r:id="rId46"/>
-    <p:sldId id="301" r:id="rId47"/>
-    <p:sldId id="302" r:id="rId48"/>
-    <p:sldId id="303" r:id="rId49"/>
-    <p:sldId id="304" r:id="rId50"/>
+    <p:sldId id="295" r:id="rId40"/>
+    <p:sldId id="297" r:id="rId41"/>
+    <p:sldId id="298" r:id="rId42"/>
+    <p:sldId id="296" r:id="rId43"/>
+    <p:sldId id="299" r:id="rId44"/>
+    <p:sldId id="300" r:id="rId45"/>
+    <p:sldId id="301" r:id="rId46"/>
+    <p:sldId id="302" r:id="rId47"/>
+    <p:sldId id="303" r:id="rId48"/>
+    <p:sldId id="304" r:id="rId49"/>
   </p:sldIdLst>
   <p:sldSz cx="12192000" cy="6858000"/>
   <p:notesSz cx="6858000" cy="9144000"/>
@@ -6004,7 +6003,7 @@
           <a:p>
             <a:fld id="{F1C4B951-E8D2-4B97-9F97-5905D42B68F0}" type="datetimeFigureOut">
               <a:rPr lang="LID4096" smtClean="0"/>
-              <a:t>09/03/2025</a:t>
+              <a:t>11/17/2025</a:t>
             </a:fld>
             <a:endParaRPr lang="LID4096"/>
           </a:p>
@@ -6317,269 +6316,29 @@
           <a:lstStyle/>
           <a:p>
             <a:r>
-              <a:rPr lang="en-US" dirty="0"/>
-              <a:t>Packet switching =&gt; </a:t>
-            </a:r>
-            <a:r>
-              <a:rPr lang="en-US" dirty="0" err="1"/>
-              <a:t>bericht</a:t>
-            </a:r>
-            <a:r>
-              <a:rPr lang="en-US" dirty="0"/>
-              <a:t> </a:t>
-            </a:r>
-            <a:r>
-              <a:rPr lang="en-US" dirty="0" err="1"/>
-              <a:t>opgedeeld</a:t>
-            </a:r>
-            <a:r>
-              <a:rPr lang="en-US" dirty="0"/>
-              <a:t> in </a:t>
-            </a:r>
-            <a:r>
-              <a:rPr lang="en-US" dirty="0" err="1"/>
-              <a:t>pakketjes</a:t>
-            </a:r>
-            <a:r>
-              <a:rPr lang="en-US" dirty="0"/>
-              <a:t> </a:t>
-            </a:r>
-            <a:r>
-              <a:rPr lang="en-US" dirty="0" err="1"/>
-              <a:t>en</a:t>
-            </a:r>
-            <a:r>
-              <a:rPr lang="en-US" dirty="0"/>
-              <a:t> over </a:t>
-            </a:r>
-            <a:r>
-              <a:rPr lang="en-US" dirty="0" err="1"/>
-              <a:t>verschillende</a:t>
-            </a:r>
-            <a:r>
-              <a:rPr lang="en-US" dirty="0"/>
-              <a:t> </a:t>
-            </a:r>
-            <a:r>
-              <a:rPr lang="en-US" dirty="0" err="1"/>
-              <a:t>lijnen</a:t>
-            </a:r>
-            <a:r>
-              <a:rPr lang="en-US" dirty="0"/>
-              <a:t> </a:t>
-            </a:r>
-            <a:r>
-              <a:rPr lang="en-US" dirty="0" err="1"/>
-              <a:t>verstuurd</a:t>
-            </a:r>
-            <a:r>
-              <a:rPr lang="en-US" dirty="0"/>
-              <a:t>. (</a:t>
-            </a:r>
-            <a:r>
-              <a:rPr lang="en-US" dirty="0" err="1"/>
-              <a:t>vb</a:t>
-            </a:r>
-            <a:r>
-              <a:rPr lang="en-US" dirty="0"/>
-              <a:t>: Het laden van </a:t>
-            </a:r>
-            <a:r>
-              <a:rPr lang="en-US" dirty="0" err="1"/>
-              <a:t>een</a:t>
-            </a:r>
-            <a:r>
-              <a:rPr lang="en-US" dirty="0"/>
-              <a:t> website)</a:t>
-            </a:r>
-          </a:p>
-          <a:p>
-            <a:r>
-              <a:rPr lang="en-US" dirty="0"/>
-              <a:t>Circuit switching =&gt; 1 </a:t>
-            </a:r>
-            <a:r>
-              <a:rPr lang="en-US" dirty="0" err="1"/>
-              <a:t>lijn</a:t>
-            </a:r>
-            <a:r>
-              <a:rPr lang="en-US" dirty="0"/>
-              <a:t> </a:t>
-            </a:r>
-            <a:r>
-              <a:rPr lang="en-US" dirty="0" err="1"/>
-              <a:t>wordt</a:t>
-            </a:r>
-            <a:r>
-              <a:rPr lang="en-US" dirty="0"/>
-              <a:t> </a:t>
-            </a:r>
-            <a:r>
-              <a:rPr lang="en-US" dirty="0" err="1"/>
-              <a:t>volledig</a:t>
-            </a:r>
-            <a:r>
-              <a:rPr lang="en-US" dirty="0"/>
-              <a:t> </a:t>
-            </a:r>
-            <a:r>
-              <a:rPr lang="en-US" dirty="0" err="1"/>
-              <a:t>ter</a:t>
-            </a:r>
-            <a:r>
-              <a:rPr lang="en-US" dirty="0"/>
-              <a:t> </a:t>
-            </a:r>
-            <a:r>
-              <a:rPr lang="en-US" dirty="0" err="1"/>
-              <a:t>beschikking</a:t>
-            </a:r>
-            <a:r>
-              <a:rPr lang="en-US" dirty="0"/>
-              <a:t> </a:t>
-            </a:r>
-            <a:r>
-              <a:rPr lang="en-US" dirty="0" err="1"/>
-              <a:t>gesteld</a:t>
-            </a:r>
-            <a:r>
-              <a:rPr lang="en-US" dirty="0"/>
-              <a:t> </a:t>
-            </a:r>
-            <a:r>
-              <a:rPr lang="en-US" dirty="0" err="1"/>
-              <a:t>voor</a:t>
-            </a:r>
-            <a:r>
-              <a:rPr lang="en-US" dirty="0"/>
-              <a:t> het </a:t>
-            </a:r>
-            <a:r>
-              <a:rPr lang="en-US" dirty="0" err="1"/>
-              <a:t>bericht</a:t>
-            </a:r>
-            <a:r>
-              <a:rPr lang="en-US" dirty="0"/>
-              <a:t> </a:t>
-            </a:r>
-            <a:r>
-              <a:rPr lang="en-US" dirty="0" err="1"/>
-              <a:t>en</a:t>
-            </a:r>
-            <a:r>
-              <a:rPr lang="en-US" dirty="0"/>
-              <a:t> </a:t>
-            </a:r>
-            <a:r>
-              <a:rPr lang="en-US" dirty="0" err="1"/>
-              <a:t>wordt</a:t>
-            </a:r>
-            <a:r>
-              <a:rPr lang="en-US" dirty="0"/>
-              <a:t> </a:t>
-            </a:r>
-            <a:r>
-              <a:rPr lang="en-US" dirty="0" err="1"/>
-              <a:t>continu</a:t>
-            </a:r>
-            <a:r>
-              <a:rPr lang="en-US" dirty="0"/>
-              <a:t> </a:t>
-            </a:r>
-            <a:r>
-              <a:rPr lang="en-US" dirty="0" err="1"/>
-              <a:t>doorgsetuurd</a:t>
-            </a:r>
-            <a:r>
-              <a:rPr lang="en-US" dirty="0"/>
-              <a:t> (</a:t>
-            </a:r>
-            <a:r>
-              <a:rPr lang="en-US" dirty="0" err="1"/>
-              <a:t>vb</a:t>
-            </a:r>
-            <a:r>
-              <a:rPr lang="en-US" dirty="0"/>
-              <a:t>: </a:t>
-            </a:r>
-            <a:r>
-              <a:rPr lang="en-US" dirty="0" err="1"/>
-              <a:t>telefoneren</a:t>
-            </a:r>
-            <a:r>
-              <a:rPr lang="en-US" dirty="0"/>
-              <a:t>)</a:t>
-            </a:r>
-          </a:p>
-          <a:p>
-            <a:r>
-              <a:rPr lang="en-US" dirty="0"/>
-              <a:t>Message switching =&gt; Het </a:t>
-            </a:r>
-            <a:r>
-              <a:rPr lang="en-US" dirty="0" err="1"/>
-              <a:t>bericht</a:t>
-            </a:r>
-            <a:r>
-              <a:rPr lang="en-US" dirty="0"/>
-              <a:t> </a:t>
-            </a:r>
-            <a:r>
-              <a:rPr lang="en-US" dirty="0" err="1"/>
-              <a:t>wordt</a:t>
-            </a:r>
-            <a:r>
-              <a:rPr lang="en-US" dirty="0"/>
-              <a:t> in 1 </a:t>
-            </a:r>
-            <a:r>
-              <a:rPr lang="en-US" dirty="0" err="1"/>
-              <a:t>geheel</a:t>
-            </a:r>
-            <a:r>
-              <a:rPr lang="en-US" dirty="0"/>
-              <a:t> </a:t>
-            </a:r>
-            <a:r>
-              <a:rPr lang="en-US" dirty="0" err="1"/>
-              <a:t>volledig</a:t>
-            </a:r>
-            <a:r>
-              <a:rPr lang="en-US" dirty="0"/>
-              <a:t> </a:t>
-            </a:r>
-            <a:r>
-              <a:rPr lang="en-US" dirty="0" err="1"/>
-              <a:t>doorgestuurd</a:t>
-            </a:r>
-            <a:r>
-              <a:rPr lang="en-US" dirty="0"/>
-              <a:t> </a:t>
-            </a:r>
-            <a:r>
-              <a:rPr lang="en-US" dirty="0" err="1"/>
-              <a:t>naar</a:t>
-            </a:r>
-            <a:r>
-              <a:rPr lang="en-US" dirty="0"/>
-              <a:t> de </a:t>
-            </a:r>
-            <a:r>
-              <a:rPr lang="en-US" dirty="0" err="1"/>
-              <a:t>ontvanger</a:t>
-            </a:r>
-            <a:r>
-              <a:rPr lang="en-US" dirty="0"/>
-              <a:t> (</a:t>
-            </a:r>
-            <a:r>
-              <a:rPr lang="en-US" dirty="0" err="1"/>
-              <a:t>vb</a:t>
-            </a:r>
-            <a:r>
-              <a:rPr lang="en-US" dirty="0"/>
-              <a:t>: mail)</a:t>
-            </a:r>
+              <a:rPr lang="nl-BE" dirty="0"/>
+              <a:t>Elke communicatie verloopt steeds volgens dit schema.</a:t>
+            </a:r>
+          </a:p>
+          <a:p>
+            <a:endParaRPr lang="nl-BE" dirty="0"/>
+          </a:p>
+          <a:p>
+            <a:r>
+              <a:rPr lang="nl-BE" dirty="0"/>
+              <a:t>Als A en B mensen zijn, dan is het communicatiekanaal de gemeenschappelijke taal. </a:t>
+            </a:r>
+          </a:p>
+          <a:p>
+            <a:endParaRPr lang="nl-BE" dirty="0"/>
+          </a:p>
+          <a:p>
+            <a:r>
+              <a:rPr lang="nl-BE" dirty="0"/>
+              <a:t>Als A een computer is en B is een printer, dan is het communicatiekanaal een printerkabel</a:t>
+            </a:r>
+          </a:p>
+          <a:p>
             <a:endParaRPr lang="LID4096" dirty="0"/>
           </a:p>
         </p:txBody>
@@ -6601,7 +6360,7 @@
           <a:p>
             <a:fld id="{FD30C18C-AB1C-483C-BCB0-2CDFB8E5FF32}" type="slidenum">
               <a:rPr lang="LID4096" smtClean="0"/>
-              <a:t>28</a:t>
+              <a:t>5</a:t>
             </a:fld>
             <a:endParaRPr lang="LID4096"/>
           </a:p>
@@ -6610,7 +6369,1183 @@
     </p:spTree>
     <p:extLst>
       <p:ext uri="{BB962C8B-B14F-4D97-AF65-F5344CB8AC3E}">
-        <p14:creationId xmlns:p14="http://schemas.microsoft.com/office/powerpoint/2010/main" val="2353327618"/>
+        <p14:creationId xmlns:p14="http://schemas.microsoft.com/office/powerpoint/2010/main" val="3876497667"/>
+      </p:ext>
+    </p:extLst>
+  </p:cSld>
+  <p:clrMapOvr>
+    <a:masterClrMapping/>
+  </p:clrMapOvr>
+</p:notes>
+</file>
+
+<file path=ppt/notesSlides/notesSlide10.xml><?xml version="1.0" encoding="utf-8"?>
+<p:notes xmlns:a="http://schemas.openxmlformats.org/drawingml/2006/main" xmlns:r="http://schemas.openxmlformats.org/officeDocument/2006/relationships" xmlns:p="http://schemas.openxmlformats.org/presentationml/2006/main">
+  <p:cSld>
+    <p:spTree>
+      <p:nvGrpSpPr>
+        <p:cNvPr id="1" name=""/>
+        <p:cNvGrpSpPr/>
+        <p:nvPr/>
+      </p:nvGrpSpPr>
+      <p:grpSpPr>
+        <a:xfrm>
+          <a:off x="0" y="0"/>
+          <a:ext cx="0" cy="0"/>
+          <a:chOff x="0" y="0"/>
+          <a:chExt cx="0" cy="0"/>
+        </a:xfrm>
+      </p:grpSpPr>
+      <p:sp>
+        <p:nvSpPr>
+          <p:cNvPr id="2" name="Slide Image Placeholder 1"/>
+          <p:cNvSpPr>
+            <a:spLocks noGrp="1" noRot="1" noChangeAspect="1"/>
+          </p:cNvSpPr>
+          <p:nvPr>
+            <p:ph type="sldImg"/>
+          </p:nvPr>
+        </p:nvSpPr>
+        <p:spPr/>
+      </p:sp>
+      <p:sp>
+        <p:nvSpPr>
+          <p:cNvPr id="3" name="Notes Placeholder 2"/>
+          <p:cNvSpPr>
+            <a:spLocks noGrp="1"/>
+          </p:cNvSpPr>
+          <p:nvPr>
+            <p:ph type="body" idx="1"/>
+          </p:nvPr>
+        </p:nvSpPr>
+        <p:spPr/>
+        <p:txBody>
+          <a:bodyPr/>
+          <a:lstStyle/>
+          <a:p>
+            <a:r>
+              <a:rPr lang="en-US" dirty="0" err="1"/>
+              <a:t>Wanneer</a:t>
+            </a:r>
+            <a:r>
+              <a:rPr lang="en-US" dirty="0"/>
+              <a:t> we </a:t>
+            </a:r>
+            <a:r>
+              <a:rPr lang="en-US" dirty="0" err="1"/>
+              <a:t>spreken</a:t>
+            </a:r>
+            <a:r>
+              <a:rPr lang="en-US" dirty="0"/>
+              <a:t> over het </a:t>
+            </a:r>
+            <a:r>
+              <a:rPr lang="en-US" dirty="0" err="1"/>
+              <a:t>versturen</a:t>
+            </a:r>
+            <a:r>
+              <a:rPr lang="en-US" dirty="0"/>
+              <a:t> van </a:t>
+            </a:r>
+            <a:r>
+              <a:rPr lang="en-US" dirty="0" err="1"/>
+              <a:t>boodschappen</a:t>
+            </a:r>
+            <a:r>
+              <a:rPr lang="en-US" dirty="0"/>
+              <a:t> </a:t>
+            </a:r>
+            <a:r>
+              <a:rPr lang="en-US" dirty="0" err="1"/>
+              <a:t>tussen</a:t>
+            </a:r>
+            <a:r>
+              <a:rPr lang="en-US" dirty="0"/>
+              <a:t> </a:t>
+            </a:r>
+            <a:r>
+              <a:rPr lang="en-US" dirty="0" err="1"/>
+              <a:t>verschillende</a:t>
+            </a:r>
+            <a:r>
+              <a:rPr lang="en-US" dirty="0"/>
+              <a:t> endpoints </a:t>
+            </a:r>
+            <a:r>
+              <a:rPr lang="en-US" dirty="0" err="1"/>
+              <a:t>spreken</a:t>
+            </a:r>
+            <a:r>
+              <a:rPr lang="en-US" dirty="0"/>
+              <a:t> we over casting</a:t>
+            </a:r>
+            <a:endParaRPr lang="LID4096" dirty="0"/>
+          </a:p>
+        </p:txBody>
+      </p:sp>
+      <p:sp>
+        <p:nvSpPr>
+          <p:cNvPr id="4" name="Slide Number Placeholder 3"/>
+          <p:cNvSpPr>
+            <a:spLocks noGrp="1"/>
+          </p:cNvSpPr>
+          <p:nvPr>
+            <p:ph type="sldNum" sz="quarter" idx="5"/>
+          </p:nvPr>
+        </p:nvSpPr>
+        <p:spPr/>
+        <p:txBody>
+          <a:bodyPr/>
+          <a:lstStyle/>
+          <a:p>
+            <a:fld id="{FD30C18C-AB1C-483C-BCB0-2CDFB8E5FF32}" type="slidenum">
+              <a:rPr lang="LID4096" smtClean="0"/>
+              <a:t>15</a:t>
+            </a:fld>
+            <a:endParaRPr lang="LID4096"/>
+          </a:p>
+        </p:txBody>
+      </p:sp>
+    </p:spTree>
+    <p:extLst>
+      <p:ext uri="{BB962C8B-B14F-4D97-AF65-F5344CB8AC3E}">
+        <p14:creationId xmlns:p14="http://schemas.microsoft.com/office/powerpoint/2010/main" val="431757169"/>
+      </p:ext>
+    </p:extLst>
+  </p:cSld>
+  <p:clrMapOvr>
+    <a:masterClrMapping/>
+  </p:clrMapOvr>
+</p:notes>
+</file>
+
+<file path=ppt/notesSlides/notesSlide11.xml><?xml version="1.0" encoding="utf-8"?>
+<p:notes xmlns:a="http://schemas.openxmlformats.org/drawingml/2006/main" xmlns:r="http://schemas.openxmlformats.org/officeDocument/2006/relationships" xmlns:p="http://schemas.openxmlformats.org/presentationml/2006/main">
+  <p:cSld>
+    <p:spTree>
+      <p:nvGrpSpPr>
+        <p:cNvPr id="1" name=""/>
+        <p:cNvGrpSpPr/>
+        <p:nvPr/>
+      </p:nvGrpSpPr>
+      <p:grpSpPr>
+        <a:xfrm>
+          <a:off x="0" y="0"/>
+          <a:ext cx="0" cy="0"/>
+          <a:chOff x="0" y="0"/>
+          <a:chExt cx="0" cy="0"/>
+        </a:xfrm>
+      </p:grpSpPr>
+      <p:sp>
+        <p:nvSpPr>
+          <p:cNvPr id="2" name="Slide Image Placeholder 1"/>
+          <p:cNvSpPr>
+            <a:spLocks noGrp="1" noRot="1" noChangeAspect="1"/>
+          </p:cNvSpPr>
+          <p:nvPr>
+            <p:ph type="sldImg"/>
+          </p:nvPr>
+        </p:nvSpPr>
+        <p:spPr/>
+      </p:sp>
+      <p:sp>
+        <p:nvSpPr>
+          <p:cNvPr id="3" name="Notes Placeholder 2"/>
+          <p:cNvSpPr>
+            <a:spLocks noGrp="1"/>
+          </p:cNvSpPr>
+          <p:nvPr>
+            <p:ph type="body" idx="1"/>
+          </p:nvPr>
+        </p:nvSpPr>
+        <p:spPr/>
+        <p:txBody>
+          <a:bodyPr/>
+          <a:lstStyle/>
+          <a:p>
+            <a:pPr marL="0" marR="0" lvl="0" indent="0" algn="l" defTabSz="914400" rtl="0" eaLnBrk="1" fontAlgn="auto" latinLnBrk="0" hangingPunct="1">
+              <a:lnSpc>
+                <a:spcPct val="100000"/>
+              </a:lnSpc>
+              <a:spcBef>
+                <a:spcPts val="0"/>
+              </a:spcBef>
+              <a:spcAft>
+                <a:spcPts val="0"/>
+              </a:spcAft>
+              <a:buClrTx/>
+              <a:buSzTx/>
+              <a:buFontTx/>
+              <a:buNone/>
+              <a:tabLst/>
+              <a:defRPr/>
+            </a:pPr>
+            <a:r>
+              <a:rPr lang="nl-BE" dirty="0"/>
+              <a:t>Een bericht dat wordt verzonden van een computer in een netwerk naar een andere computer, heet een unicast-bericht</a:t>
+            </a:r>
+            <a:endParaRPr lang="LID4096" dirty="0"/>
+          </a:p>
+        </p:txBody>
+      </p:sp>
+      <p:sp>
+        <p:nvSpPr>
+          <p:cNvPr id="4" name="Slide Number Placeholder 3"/>
+          <p:cNvSpPr>
+            <a:spLocks noGrp="1"/>
+          </p:cNvSpPr>
+          <p:nvPr>
+            <p:ph type="sldNum" sz="quarter" idx="5"/>
+          </p:nvPr>
+        </p:nvSpPr>
+        <p:spPr/>
+        <p:txBody>
+          <a:bodyPr/>
+          <a:lstStyle/>
+          <a:p>
+            <a:fld id="{FD30C18C-AB1C-483C-BCB0-2CDFB8E5FF32}" type="slidenum">
+              <a:rPr lang="LID4096" smtClean="0"/>
+              <a:t>16</a:t>
+            </a:fld>
+            <a:endParaRPr lang="LID4096"/>
+          </a:p>
+        </p:txBody>
+      </p:sp>
+    </p:spTree>
+    <p:extLst>
+      <p:ext uri="{BB962C8B-B14F-4D97-AF65-F5344CB8AC3E}">
+        <p14:creationId xmlns:p14="http://schemas.microsoft.com/office/powerpoint/2010/main" val="78263466"/>
+      </p:ext>
+    </p:extLst>
+  </p:cSld>
+  <p:clrMapOvr>
+    <a:masterClrMapping/>
+  </p:clrMapOvr>
+</p:notes>
+</file>
+
+<file path=ppt/notesSlides/notesSlide12.xml><?xml version="1.0" encoding="utf-8"?>
+<p:notes xmlns:a="http://schemas.openxmlformats.org/drawingml/2006/main" xmlns:r="http://schemas.openxmlformats.org/officeDocument/2006/relationships" xmlns:p="http://schemas.openxmlformats.org/presentationml/2006/main">
+  <p:cSld>
+    <p:spTree>
+      <p:nvGrpSpPr>
+        <p:cNvPr id="1" name=""/>
+        <p:cNvGrpSpPr/>
+        <p:nvPr/>
+      </p:nvGrpSpPr>
+      <p:grpSpPr>
+        <a:xfrm>
+          <a:off x="0" y="0"/>
+          <a:ext cx="0" cy="0"/>
+          <a:chOff x="0" y="0"/>
+          <a:chExt cx="0" cy="0"/>
+        </a:xfrm>
+      </p:grpSpPr>
+      <p:sp>
+        <p:nvSpPr>
+          <p:cNvPr id="2" name="Slide Image Placeholder 1"/>
+          <p:cNvSpPr>
+            <a:spLocks noGrp="1" noRot="1" noChangeAspect="1"/>
+          </p:cNvSpPr>
+          <p:nvPr>
+            <p:ph type="sldImg"/>
+          </p:nvPr>
+        </p:nvSpPr>
+        <p:spPr/>
+      </p:sp>
+      <p:sp>
+        <p:nvSpPr>
+          <p:cNvPr id="3" name="Notes Placeholder 2"/>
+          <p:cNvSpPr>
+            <a:spLocks noGrp="1"/>
+          </p:cNvSpPr>
+          <p:nvPr>
+            <p:ph type="body" idx="1"/>
+          </p:nvPr>
+        </p:nvSpPr>
+        <p:spPr/>
+        <p:txBody>
+          <a:bodyPr/>
+          <a:lstStyle/>
+          <a:p>
+            <a:r>
+              <a:rPr lang="en-US" dirty="0"/>
+              <a:t>Een </a:t>
+            </a:r>
+            <a:r>
+              <a:rPr lang="en-US" dirty="0" err="1"/>
+              <a:t>voorbeeld</a:t>
+            </a:r>
+            <a:r>
+              <a:rPr lang="en-US" dirty="0"/>
+              <a:t> </a:t>
+            </a:r>
+            <a:r>
+              <a:rPr lang="en-US" dirty="0" err="1"/>
+              <a:t>hiervan</a:t>
+            </a:r>
+            <a:r>
+              <a:rPr lang="en-US" dirty="0"/>
+              <a:t> is </a:t>
+            </a:r>
+            <a:r>
+              <a:rPr lang="en-US" dirty="0" err="1"/>
+              <a:t>een</a:t>
+            </a:r>
+            <a:r>
+              <a:rPr lang="en-US" dirty="0"/>
+              <a:t> </a:t>
+            </a:r>
+            <a:r>
+              <a:rPr lang="en-US" dirty="0" err="1"/>
+              <a:t>bestandsoverzetting</a:t>
+            </a:r>
+            <a:endParaRPr lang="LID4096" dirty="0"/>
+          </a:p>
+        </p:txBody>
+      </p:sp>
+      <p:sp>
+        <p:nvSpPr>
+          <p:cNvPr id="4" name="Slide Number Placeholder 3"/>
+          <p:cNvSpPr>
+            <a:spLocks noGrp="1"/>
+          </p:cNvSpPr>
+          <p:nvPr>
+            <p:ph type="sldNum" sz="quarter" idx="5"/>
+          </p:nvPr>
+        </p:nvSpPr>
+        <p:spPr/>
+        <p:txBody>
+          <a:bodyPr/>
+          <a:lstStyle/>
+          <a:p>
+            <a:fld id="{FD30C18C-AB1C-483C-BCB0-2CDFB8E5FF32}" type="slidenum">
+              <a:rPr lang="LID4096" smtClean="0"/>
+              <a:t>17</a:t>
+            </a:fld>
+            <a:endParaRPr lang="LID4096"/>
+          </a:p>
+        </p:txBody>
+      </p:sp>
+    </p:spTree>
+    <p:extLst>
+      <p:ext uri="{BB962C8B-B14F-4D97-AF65-F5344CB8AC3E}">
+        <p14:creationId xmlns:p14="http://schemas.microsoft.com/office/powerpoint/2010/main" val="3300933110"/>
+      </p:ext>
+    </p:extLst>
+  </p:cSld>
+  <p:clrMapOvr>
+    <a:masterClrMapping/>
+  </p:clrMapOvr>
+</p:notes>
+</file>
+
+<file path=ppt/notesSlides/notesSlide13.xml><?xml version="1.0" encoding="utf-8"?>
+<p:notes xmlns:a="http://schemas.openxmlformats.org/drawingml/2006/main" xmlns:r="http://schemas.openxmlformats.org/officeDocument/2006/relationships" xmlns:p="http://schemas.openxmlformats.org/presentationml/2006/main">
+  <p:cSld>
+    <p:spTree>
+      <p:nvGrpSpPr>
+        <p:cNvPr id="1" name=""/>
+        <p:cNvGrpSpPr/>
+        <p:nvPr/>
+      </p:nvGrpSpPr>
+      <p:grpSpPr>
+        <a:xfrm>
+          <a:off x="0" y="0"/>
+          <a:ext cx="0" cy="0"/>
+          <a:chOff x="0" y="0"/>
+          <a:chExt cx="0" cy="0"/>
+        </a:xfrm>
+      </p:grpSpPr>
+      <p:sp>
+        <p:nvSpPr>
+          <p:cNvPr id="2" name="Slide Image Placeholder 1"/>
+          <p:cNvSpPr>
+            <a:spLocks noGrp="1" noRot="1" noChangeAspect="1"/>
+          </p:cNvSpPr>
+          <p:nvPr>
+            <p:ph type="sldImg"/>
+          </p:nvPr>
+        </p:nvSpPr>
+        <p:spPr/>
+      </p:sp>
+      <p:sp>
+        <p:nvSpPr>
+          <p:cNvPr id="3" name="Notes Placeholder 2"/>
+          <p:cNvSpPr>
+            <a:spLocks noGrp="1"/>
+          </p:cNvSpPr>
+          <p:nvPr>
+            <p:ph type="body" idx="1"/>
+          </p:nvPr>
+        </p:nvSpPr>
+        <p:spPr/>
+        <p:txBody>
+          <a:bodyPr/>
+          <a:lstStyle/>
+          <a:p>
+            <a:pPr marL="0" marR="0" lvl="0" indent="0" algn="l" defTabSz="914400" rtl="0" eaLnBrk="1" fontAlgn="auto" latinLnBrk="0" hangingPunct="1">
+              <a:lnSpc>
+                <a:spcPct val="100000"/>
+              </a:lnSpc>
+              <a:spcBef>
+                <a:spcPts val="0"/>
+              </a:spcBef>
+              <a:spcAft>
+                <a:spcPts val="0"/>
+              </a:spcAft>
+              <a:buClrTx/>
+              <a:buSzTx/>
+              <a:buFontTx/>
+              <a:buNone/>
+              <a:tabLst/>
+              <a:defRPr/>
+            </a:pPr>
+            <a:r>
+              <a:rPr lang="nl-BE" dirty="0"/>
+              <a:t>Een bericht dat wordt verzonden van een computer in een netwerk naar verschillende andere computers tegelijk, heet een multicast-bericht.</a:t>
+            </a:r>
+            <a:endParaRPr lang="LID4096" dirty="0"/>
+          </a:p>
+        </p:txBody>
+      </p:sp>
+      <p:sp>
+        <p:nvSpPr>
+          <p:cNvPr id="4" name="Slide Number Placeholder 3"/>
+          <p:cNvSpPr>
+            <a:spLocks noGrp="1"/>
+          </p:cNvSpPr>
+          <p:nvPr>
+            <p:ph type="sldNum" sz="quarter" idx="5"/>
+          </p:nvPr>
+        </p:nvSpPr>
+        <p:spPr/>
+        <p:txBody>
+          <a:bodyPr/>
+          <a:lstStyle/>
+          <a:p>
+            <a:fld id="{FD30C18C-AB1C-483C-BCB0-2CDFB8E5FF32}" type="slidenum">
+              <a:rPr lang="LID4096" smtClean="0"/>
+              <a:t>18</a:t>
+            </a:fld>
+            <a:endParaRPr lang="LID4096"/>
+          </a:p>
+        </p:txBody>
+      </p:sp>
+    </p:spTree>
+    <p:extLst>
+      <p:ext uri="{BB962C8B-B14F-4D97-AF65-F5344CB8AC3E}">
+        <p14:creationId xmlns:p14="http://schemas.microsoft.com/office/powerpoint/2010/main" val="675035258"/>
+      </p:ext>
+    </p:extLst>
+  </p:cSld>
+  <p:clrMapOvr>
+    <a:masterClrMapping/>
+  </p:clrMapOvr>
+</p:notes>
+</file>
+
+<file path=ppt/notesSlides/notesSlide14.xml><?xml version="1.0" encoding="utf-8"?>
+<p:notes xmlns:a="http://schemas.openxmlformats.org/drawingml/2006/main" xmlns:r="http://schemas.openxmlformats.org/officeDocument/2006/relationships" xmlns:p="http://schemas.openxmlformats.org/presentationml/2006/main">
+  <p:cSld>
+    <p:spTree>
+      <p:nvGrpSpPr>
+        <p:cNvPr id="1" name=""/>
+        <p:cNvGrpSpPr/>
+        <p:nvPr/>
+      </p:nvGrpSpPr>
+      <p:grpSpPr>
+        <a:xfrm>
+          <a:off x="0" y="0"/>
+          <a:ext cx="0" cy="0"/>
+          <a:chOff x="0" y="0"/>
+          <a:chExt cx="0" cy="0"/>
+        </a:xfrm>
+      </p:grpSpPr>
+      <p:sp>
+        <p:nvSpPr>
+          <p:cNvPr id="2" name="Slide Image Placeholder 1"/>
+          <p:cNvSpPr>
+            <a:spLocks noGrp="1" noRot="1" noChangeAspect="1"/>
+          </p:cNvSpPr>
+          <p:nvPr>
+            <p:ph type="sldImg"/>
+          </p:nvPr>
+        </p:nvSpPr>
+        <p:spPr/>
+      </p:sp>
+      <p:sp>
+        <p:nvSpPr>
+          <p:cNvPr id="3" name="Notes Placeholder 2"/>
+          <p:cNvSpPr>
+            <a:spLocks noGrp="1"/>
+          </p:cNvSpPr>
+          <p:nvPr>
+            <p:ph type="body" idx="1"/>
+          </p:nvPr>
+        </p:nvSpPr>
+        <p:spPr/>
+        <p:txBody>
+          <a:bodyPr/>
+          <a:lstStyle/>
+          <a:p>
+            <a:pPr marL="0" marR="0" lvl="0" indent="0" algn="l" defTabSz="914400" rtl="0" eaLnBrk="1" fontAlgn="auto" latinLnBrk="0" hangingPunct="1">
+              <a:lnSpc>
+                <a:spcPct val="100000"/>
+              </a:lnSpc>
+              <a:spcBef>
+                <a:spcPts val="0"/>
+              </a:spcBef>
+              <a:spcAft>
+                <a:spcPts val="0"/>
+              </a:spcAft>
+              <a:buClrTx/>
+              <a:buSzTx/>
+              <a:buFontTx/>
+              <a:buNone/>
+              <a:tabLst/>
+              <a:defRPr/>
+            </a:pPr>
+            <a:r>
+              <a:rPr lang="nl-BE" dirty="0"/>
+              <a:t> Dat gebeurt bijvoorbeeld wanneer er op verschillende computers tegelijk dezelfde livestream wordt bekeken.</a:t>
+            </a:r>
+          </a:p>
+          <a:p>
+            <a:endParaRPr lang="LID4096" dirty="0"/>
+          </a:p>
+        </p:txBody>
+      </p:sp>
+      <p:sp>
+        <p:nvSpPr>
+          <p:cNvPr id="4" name="Slide Number Placeholder 3"/>
+          <p:cNvSpPr>
+            <a:spLocks noGrp="1"/>
+          </p:cNvSpPr>
+          <p:nvPr>
+            <p:ph type="sldNum" sz="quarter" idx="5"/>
+          </p:nvPr>
+        </p:nvSpPr>
+        <p:spPr/>
+        <p:txBody>
+          <a:bodyPr/>
+          <a:lstStyle/>
+          <a:p>
+            <a:fld id="{FD30C18C-AB1C-483C-BCB0-2CDFB8E5FF32}" type="slidenum">
+              <a:rPr lang="LID4096" smtClean="0"/>
+              <a:t>19</a:t>
+            </a:fld>
+            <a:endParaRPr lang="LID4096"/>
+          </a:p>
+        </p:txBody>
+      </p:sp>
+    </p:spTree>
+    <p:extLst>
+      <p:ext uri="{BB962C8B-B14F-4D97-AF65-F5344CB8AC3E}">
+        <p14:creationId xmlns:p14="http://schemas.microsoft.com/office/powerpoint/2010/main" val="1658555252"/>
+      </p:ext>
+    </p:extLst>
+  </p:cSld>
+  <p:clrMapOvr>
+    <a:masterClrMapping/>
+  </p:clrMapOvr>
+</p:notes>
+</file>
+
+<file path=ppt/notesSlides/notesSlide15.xml><?xml version="1.0" encoding="utf-8"?>
+<p:notes xmlns:a="http://schemas.openxmlformats.org/drawingml/2006/main" xmlns:r="http://schemas.openxmlformats.org/officeDocument/2006/relationships" xmlns:p="http://schemas.openxmlformats.org/presentationml/2006/main">
+  <p:cSld>
+    <p:spTree>
+      <p:nvGrpSpPr>
+        <p:cNvPr id="1" name=""/>
+        <p:cNvGrpSpPr/>
+        <p:nvPr/>
+      </p:nvGrpSpPr>
+      <p:grpSpPr>
+        <a:xfrm>
+          <a:off x="0" y="0"/>
+          <a:ext cx="0" cy="0"/>
+          <a:chOff x="0" y="0"/>
+          <a:chExt cx="0" cy="0"/>
+        </a:xfrm>
+      </p:grpSpPr>
+      <p:sp>
+        <p:nvSpPr>
+          <p:cNvPr id="2" name="Slide Image Placeholder 1"/>
+          <p:cNvSpPr>
+            <a:spLocks noGrp="1" noRot="1" noChangeAspect="1"/>
+          </p:cNvSpPr>
+          <p:nvPr>
+            <p:ph type="sldImg"/>
+          </p:nvPr>
+        </p:nvSpPr>
+        <p:spPr/>
+      </p:sp>
+      <p:sp>
+        <p:nvSpPr>
+          <p:cNvPr id="3" name="Notes Placeholder 2"/>
+          <p:cNvSpPr>
+            <a:spLocks noGrp="1"/>
+          </p:cNvSpPr>
+          <p:nvPr>
+            <p:ph type="body" idx="1"/>
+          </p:nvPr>
+        </p:nvSpPr>
+        <p:spPr/>
+        <p:txBody>
+          <a:bodyPr/>
+          <a:lstStyle/>
+          <a:p>
+            <a:pPr marL="0" marR="0" lvl="0" indent="0" algn="l" defTabSz="914400" rtl="0" eaLnBrk="1" fontAlgn="auto" latinLnBrk="0" hangingPunct="1">
+              <a:lnSpc>
+                <a:spcPct val="100000"/>
+              </a:lnSpc>
+              <a:spcBef>
+                <a:spcPts val="0"/>
+              </a:spcBef>
+              <a:spcAft>
+                <a:spcPts val="0"/>
+              </a:spcAft>
+              <a:buClrTx/>
+              <a:buSzTx/>
+              <a:buFontTx/>
+              <a:buNone/>
+              <a:tabLst/>
+              <a:defRPr/>
+            </a:pPr>
+            <a:r>
+              <a:rPr lang="nl-BE" dirty="0"/>
+              <a:t>Als een bericht wordt verzonden van een computer in een netwerk naar alle andere computers tegelijk, dan is dat een broadcast-bericht. Dat doen computers bijvoorbeeld wanneer ze zich aanmelden op een netwerk en op zoek gaan naar een server die hen een IP-adres kan geven.</a:t>
+            </a:r>
+          </a:p>
+          <a:p>
+            <a:endParaRPr lang="LID4096" dirty="0"/>
+          </a:p>
+        </p:txBody>
+      </p:sp>
+      <p:sp>
+        <p:nvSpPr>
+          <p:cNvPr id="4" name="Slide Number Placeholder 3"/>
+          <p:cNvSpPr>
+            <a:spLocks noGrp="1"/>
+          </p:cNvSpPr>
+          <p:nvPr>
+            <p:ph type="sldNum" sz="quarter" idx="5"/>
+          </p:nvPr>
+        </p:nvSpPr>
+        <p:spPr/>
+        <p:txBody>
+          <a:bodyPr/>
+          <a:lstStyle/>
+          <a:p>
+            <a:fld id="{FD30C18C-AB1C-483C-BCB0-2CDFB8E5FF32}" type="slidenum">
+              <a:rPr lang="LID4096" smtClean="0"/>
+              <a:t>20</a:t>
+            </a:fld>
+            <a:endParaRPr lang="LID4096"/>
+          </a:p>
+        </p:txBody>
+      </p:sp>
+    </p:spTree>
+    <p:extLst>
+      <p:ext uri="{BB962C8B-B14F-4D97-AF65-F5344CB8AC3E}">
+        <p14:creationId xmlns:p14="http://schemas.microsoft.com/office/powerpoint/2010/main" val="610100603"/>
+      </p:ext>
+    </p:extLst>
+  </p:cSld>
+  <p:clrMapOvr>
+    <a:masterClrMapping/>
+  </p:clrMapOvr>
+</p:notes>
+</file>
+
+<file path=ppt/notesSlides/notesSlide16.xml><?xml version="1.0" encoding="utf-8"?>
+<p:notes xmlns:a="http://schemas.openxmlformats.org/drawingml/2006/main" xmlns:r="http://schemas.openxmlformats.org/officeDocument/2006/relationships" xmlns:p="http://schemas.openxmlformats.org/presentationml/2006/main">
+  <p:cSld>
+    <p:spTree>
+      <p:nvGrpSpPr>
+        <p:cNvPr id="1" name=""/>
+        <p:cNvGrpSpPr/>
+        <p:nvPr/>
+      </p:nvGrpSpPr>
+      <p:grpSpPr>
+        <a:xfrm>
+          <a:off x="0" y="0"/>
+          <a:ext cx="0" cy="0"/>
+          <a:chOff x="0" y="0"/>
+          <a:chExt cx="0" cy="0"/>
+        </a:xfrm>
+      </p:grpSpPr>
+      <p:sp>
+        <p:nvSpPr>
+          <p:cNvPr id="2" name="Slide Image Placeholder 1"/>
+          <p:cNvSpPr>
+            <a:spLocks noGrp="1" noRot="1" noChangeAspect="1"/>
+          </p:cNvSpPr>
+          <p:nvPr>
+            <p:ph type="sldImg"/>
+          </p:nvPr>
+        </p:nvSpPr>
+        <p:spPr/>
+      </p:sp>
+      <p:sp>
+        <p:nvSpPr>
+          <p:cNvPr id="3" name="Notes Placeholder 2"/>
+          <p:cNvSpPr>
+            <a:spLocks noGrp="1"/>
+          </p:cNvSpPr>
+          <p:nvPr>
+            <p:ph type="body" idx="1"/>
+          </p:nvPr>
+        </p:nvSpPr>
+        <p:spPr/>
+        <p:txBody>
+          <a:bodyPr/>
+          <a:lstStyle/>
+          <a:p>
+            <a:r>
+              <a:rPr lang="en-US" dirty="0"/>
+              <a:t>Een </a:t>
+            </a:r>
+            <a:r>
+              <a:rPr lang="en-US" dirty="0" err="1"/>
+              <a:t>voorbeeld</a:t>
+            </a:r>
+            <a:r>
+              <a:rPr lang="en-US" dirty="0"/>
+              <a:t> </a:t>
+            </a:r>
+            <a:r>
+              <a:rPr lang="en-US" dirty="0" err="1"/>
+              <a:t>hiervan</a:t>
+            </a:r>
+            <a:r>
+              <a:rPr lang="en-US" dirty="0"/>
+              <a:t> is </a:t>
+            </a:r>
+            <a:r>
+              <a:rPr lang="en-US" dirty="0" err="1"/>
+              <a:t>een</a:t>
+            </a:r>
+            <a:r>
+              <a:rPr lang="en-US" dirty="0"/>
+              <a:t> </a:t>
+            </a:r>
+            <a:r>
+              <a:rPr lang="en-US" dirty="0" err="1"/>
+              <a:t>nieuwsbericht</a:t>
+            </a:r>
+            <a:r>
+              <a:rPr lang="en-US" dirty="0"/>
+              <a:t> die </a:t>
+            </a:r>
+            <a:r>
+              <a:rPr lang="en-US" dirty="0" err="1"/>
+              <a:t>gestreamd</a:t>
+            </a:r>
+            <a:r>
+              <a:rPr lang="en-US" dirty="0"/>
+              <a:t> </a:t>
+            </a:r>
+            <a:r>
+              <a:rPr lang="en-US" dirty="0" err="1"/>
+              <a:t>wordt</a:t>
+            </a:r>
+            <a:r>
+              <a:rPr lang="en-US" dirty="0"/>
+              <a:t> op alle </a:t>
+            </a:r>
+            <a:r>
+              <a:rPr lang="en-US" dirty="0" err="1"/>
+              <a:t>televisies</a:t>
+            </a:r>
+            <a:endParaRPr lang="LID4096" dirty="0"/>
+          </a:p>
+        </p:txBody>
+      </p:sp>
+      <p:sp>
+        <p:nvSpPr>
+          <p:cNvPr id="4" name="Slide Number Placeholder 3"/>
+          <p:cNvSpPr>
+            <a:spLocks noGrp="1"/>
+          </p:cNvSpPr>
+          <p:nvPr>
+            <p:ph type="sldNum" sz="quarter" idx="5"/>
+          </p:nvPr>
+        </p:nvSpPr>
+        <p:spPr/>
+        <p:txBody>
+          <a:bodyPr/>
+          <a:lstStyle/>
+          <a:p>
+            <a:fld id="{FD30C18C-AB1C-483C-BCB0-2CDFB8E5FF32}" type="slidenum">
+              <a:rPr lang="LID4096" smtClean="0"/>
+              <a:t>21</a:t>
+            </a:fld>
+            <a:endParaRPr lang="LID4096"/>
+          </a:p>
+        </p:txBody>
+      </p:sp>
+    </p:spTree>
+    <p:extLst>
+      <p:ext uri="{BB962C8B-B14F-4D97-AF65-F5344CB8AC3E}">
+        <p14:creationId xmlns:p14="http://schemas.microsoft.com/office/powerpoint/2010/main" val="1856535505"/>
+      </p:ext>
+    </p:extLst>
+  </p:cSld>
+  <p:clrMapOvr>
+    <a:masterClrMapping/>
+  </p:clrMapOvr>
+</p:notes>
+</file>
+
+<file path=ppt/notesSlides/notesSlide17.xml><?xml version="1.0" encoding="utf-8"?>
+<p:notes xmlns:a="http://schemas.openxmlformats.org/drawingml/2006/main" xmlns:r="http://schemas.openxmlformats.org/officeDocument/2006/relationships" xmlns:p="http://schemas.openxmlformats.org/presentationml/2006/main">
+  <p:cSld>
+    <p:spTree>
+      <p:nvGrpSpPr>
+        <p:cNvPr id="1" name=""/>
+        <p:cNvGrpSpPr/>
+        <p:nvPr/>
+      </p:nvGrpSpPr>
+      <p:grpSpPr>
+        <a:xfrm>
+          <a:off x="0" y="0"/>
+          <a:ext cx="0" cy="0"/>
+          <a:chOff x="0" y="0"/>
+          <a:chExt cx="0" cy="0"/>
+        </a:xfrm>
+      </p:grpSpPr>
+      <p:sp>
+        <p:nvSpPr>
+          <p:cNvPr id="2" name="Slide Image Placeholder 1"/>
+          <p:cNvSpPr>
+            <a:spLocks noGrp="1" noRot="1" noChangeAspect="1"/>
+          </p:cNvSpPr>
+          <p:nvPr>
+            <p:ph type="sldImg"/>
+          </p:nvPr>
+        </p:nvSpPr>
+        <p:spPr/>
+      </p:sp>
+      <p:sp>
+        <p:nvSpPr>
+          <p:cNvPr id="3" name="Notes Placeholder 2"/>
+          <p:cNvSpPr>
+            <a:spLocks noGrp="1"/>
+          </p:cNvSpPr>
+          <p:nvPr>
+            <p:ph type="body" idx="1"/>
+          </p:nvPr>
+        </p:nvSpPr>
+        <p:spPr/>
+        <p:txBody>
+          <a:bodyPr/>
+          <a:lstStyle/>
+          <a:p>
+            <a:pPr marL="0" marR="0" lvl="0" indent="0" algn="l" defTabSz="914400" rtl="0" eaLnBrk="1" fontAlgn="auto" latinLnBrk="0" hangingPunct="1">
+              <a:lnSpc>
+                <a:spcPct val="100000"/>
+              </a:lnSpc>
+              <a:spcBef>
+                <a:spcPts val="0"/>
+              </a:spcBef>
+              <a:spcAft>
+                <a:spcPts val="0"/>
+              </a:spcAft>
+              <a:buClrTx/>
+              <a:buSzTx/>
+              <a:buFontTx/>
+              <a:buNone/>
+              <a:tabLst/>
+              <a:defRPr/>
+            </a:pPr>
+            <a:r>
+              <a:rPr lang="nl-BE" dirty="0"/>
+              <a:t>Een anycast-bericht tenslotte wordt verzonden van een computer in een netwerk naar de gemakkelijkst te bereiken computer met een bepaalde functie. Dat kan gebeuren wanneer je een website wil raadplegen die op verschillende servers gehost wordt. De server die het makkelijkst te bereiken is zal reageren en de website tonen.</a:t>
+            </a:r>
+          </a:p>
+          <a:p>
+            <a:endParaRPr lang="LID4096" dirty="0"/>
+          </a:p>
+        </p:txBody>
+      </p:sp>
+      <p:sp>
+        <p:nvSpPr>
+          <p:cNvPr id="4" name="Slide Number Placeholder 3"/>
+          <p:cNvSpPr>
+            <a:spLocks noGrp="1"/>
+          </p:cNvSpPr>
+          <p:nvPr>
+            <p:ph type="sldNum" sz="quarter" idx="5"/>
+          </p:nvPr>
+        </p:nvSpPr>
+        <p:spPr/>
+        <p:txBody>
+          <a:bodyPr/>
+          <a:lstStyle/>
+          <a:p>
+            <a:fld id="{FD30C18C-AB1C-483C-BCB0-2CDFB8E5FF32}" type="slidenum">
+              <a:rPr lang="LID4096" smtClean="0"/>
+              <a:t>22</a:t>
+            </a:fld>
+            <a:endParaRPr lang="LID4096"/>
+          </a:p>
+        </p:txBody>
+      </p:sp>
+    </p:spTree>
+    <p:extLst>
+      <p:ext uri="{BB962C8B-B14F-4D97-AF65-F5344CB8AC3E}">
+        <p14:creationId xmlns:p14="http://schemas.microsoft.com/office/powerpoint/2010/main" val="1621915000"/>
+      </p:ext>
+    </p:extLst>
+  </p:cSld>
+  <p:clrMapOvr>
+    <a:masterClrMapping/>
+  </p:clrMapOvr>
+</p:notes>
+</file>
+
+<file path=ppt/notesSlides/notesSlide18.xml><?xml version="1.0" encoding="utf-8"?>
+<p:notes xmlns:a="http://schemas.openxmlformats.org/drawingml/2006/main" xmlns:r="http://schemas.openxmlformats.org/officeDocument/2006/relationships" xmlns:p="http://schemas.openxmlformats.org/presentationml/2006/main">
+  <p:cSld>
+    <p:spTree>
+      <p:nvGrpSpPr>
+        <p:cNvPr id="1" name=""/>
+        <p:cNvGrpSpPr/>
+        <p:nvPr/>
+      </p:nvGrpSpPr>
+      <p:grpSpPr>
+        <a:xfrm>
+          <a:off x="0" y="0"/>
+          <a:ext cx="0" cy="0"/>
+          <a:chOff x="0" y="0"/>
+          <a:chExt cx="0" cy="0"/>
+        </a:xfrm>
+      </p:grpSpPr>
+      <p:sp>
+        <p:nvSpPr>
+          <p:cNvPr id="2" name="Slide Image Placeholder 1"/>
+          <p:cNvSpPr>
+            <a:spLocks noGrp="1" noRot="1" noChangeAspect="1"/>
+          </p:cNvSpPr>
+          <p:nvPr>
+            <p:ph type="sldImg"/>
+          </p:nvPr>
+        </p:nvSpPr>
+        <p:spPr/>
+      </p:sp>
+      <p:sp>
+        <p:nvSpPr>
+          <p:cNvPr id="3" name="Notes Placeholder 2"/>
+          <p:cNvSpPr>
+            <a:spLocks noGrp="1"/>
+          </p:cNvSpPr>
+          <p:nvPr>
+            <p:ph type="body" idx="1"/>
+          </p:nvPr>
+        </p:nvSpPr>
+        <p:spPr/>
+        <p:txBody>
+          <a:bodyPr/>
+          <a:lstStyle/>
+          <a:p>
+            <a:r>
+              <a:rPr lang="en-US" dirty="0"/>
+              <a:t>Dit </a:t>
+            </a:r>
+            <a:r>
+              <a:rPr lang="en-US" dirty="0" err="1"/>
+              <a:t>wordt</a:t>
+            </a:r>
+            <a:r>
+              <a:rPr lang="en-US" dirty="0"/>
+              <a:t> </a:t>
+            </a:r>
+            <a:r>
+              <a:rPr lang="en-US" dirty="0" err="1"/>
+              <a:t>gebruitk</a:t>
+            </a:r>
+            <a:r>
+              <a:rPr lang="en-US" dirty="0"/>
+              <a:t> </a:t>
+            </a:r>
+            <a:r>
+              <a:rPr lang="en-US" dirty="0" err="1"/>
+              <a:t>bij</a:t>
+            </a:r>
+            <a:r>
+              <a:rPr lang="en-US" dirty="0"/>
+              <a:t> Peer-to-Peer </a:t>
+            </a:r>
+            <a:r>
+              <a:rPr lang="en-US" dirty="0" err="1"/>
+              <a:t>netwerken</a:t>
+            </a:r>
+            <a:endParaRPr lang="LID4096" dirty="0"/>
+          </a:p>
+        </p:txBody>
+      </p:sp>
+      <p:sp>
+        <p:nvSpPr>
+          <p:cNvPr id="4" name="Slide Number Placeholder 3"/>
+          <p:cNvSpPr>
+            <a:spLocks noGrp="1"/>
+          </p:cNvSpPr>
+          <p:nvPr>
+            <p:ph type="sldNum" sz="quarter" idx="5"/>
+          </p:nvPr>
+        </p:nvSpPr>
+        <p:spPr/>
+        <p:txBody>
+          <a:bodyPr/>
+          <a:lstStyle/>
+          <a:p>
+            <a:fld id="{FD30C18C-AB1C-483C-BCB0-2CDFB8E5FF32}" type="slidenum">
+              <a:rPr lang="LID4096" smtClean="0"/>
+              <a:t>23</a:t>
+            </a:fld>
+            <a:endParaRPr lang="LID4096"/>
+          </a:p>
+        </p:txBody>
+      </p:sp>
+    </p:spTree>
+    <p:extLst>
+      <p:ext uri="{BB962C8B-B14F-4D97-AF65-F5344CB8AC3E}">
+        <p14:creationId xmlns:p14="http://schemas.microsoft.com/office/powerpoint/2010/main" val="1354028077"/>
+      </p:ext>
+    </p:extLst>
+  </p:cSld>
+  <p:clrMapOvr>
+    <a:masterClrMapping/>
+  </p:clrMapOvr>
+</p:notes>
+</file>
+
+<file path=ppt/notesSlides/notesSlide19.xml><?xml version="1.0" encoding="utf-8"?>
+<p:notes xmlns:a="http://schemas.openxmlformats.org/drawingml/2006/main" xmlns:r="http://schemas.openxmlformats.org/officeDocument/2006/relationships" xmlns:p="http://schemas.openxmlformats.org/presentationml/2006/main">
+  <p:cSld>
+    <p:spTree>
+      <p:nvGrpSpPr>
+        <p:cNvPr id="1" name=""/>
+        <p:cNvGrpSpPr/>
+        <p:nvPr/>
+      </p:nvGrpSpPr>
+      <p:grpSpPr>
+        <a:xfrm>
+          <a:off x="0" y="0"/>
+          <a:ext cx="0" cy="0"/>
+          <a:chOff x="0" y="0"/>
+          <a:chExt cx="0" cy="0"/>
+        </a:xfrm>
+      </p:grpSpPr>
+      <p:sp>
+        <p:nvSpPr>
+          <p:cNvPr id="2" name="Slide Image Placeholder 1"/>
+          <p:cNvSpPr>
+            <a:spLocks noGrp="1" noRot="1" noChangeAspect="1"/>
+          </p:cNvSpPr>
+          <p:nvPr>
+            <p:ph type="sldImg"/>
+          </p:nvPr>
+        </p:nvSpPr>
+        <p:spPr/>
+      </p:sp>
+      <p:sp>
+        <p:nvSpPr>
+          <p:cNvPr id="3" name="Notes Placeholder 2"/>
+          <p:cNvSpPr>
+            <a:spLocks noGrp="1"/>
+          </p:cNvSpPr>
+          <p:nvPr>
+            <p:ph type="body" idx="1"/>
+          </p:nvPr>
+        </p:nvSpPr>
+        <p:spPr/>
+        <p:txBody>
+          <a:bodyPr/>
+          <a:lstStyle/>
+          <a:p>
+            <a:r>
+              <a:rPr lang="nl-BE" dirty="0"/>
+              <a:t>Computernetwerken kunnen op verschillende manieren ingedeeld worden:</a:t>
+            </a:r>
+          </a:p>
+          <a:p>
+            <a:endParaRPr lang="nl-BE" dirty="0"/>
+          </a:p>
+          <a:p>
+            <a:pPr marL="171450" indent="-171450">
+              <a:buFont typeface="Arial" panose="020B0604020202020204" pitchFamily="34" charset="0"/>
+              <a:buChar char="•"/>
+            </a:pPr>
+            <a:r>
+              <a:rPr lang="nl-BE" dirty="0"/>
+              <a:t>Op basis van de geografische spreiding</a:t>
+            </a:r>
+          </a:p>
+          <a:p>
+            <a:pPr marL="171450" indent="-171450">
+              <a:buFont typeface="Arial" panose="020B0604020202020204" pitchFamily="34" charset="0"/>
+              <a:buChar char="•"/>
+            </a:pPr>
+            <a:r>
+              <a:rPr lang="nl-BE" dirty="0"/>
+              <a:t>Op basis van de hiërarchie tussen de netwerkcomponenten</a:t>
+            </a:r>
+          </a:p>
+          <a:p>
+            <a:pPr marL="171450" indent="-171450">
+              <a:buFont typeface="Arial" panose="020B0604020202020204" pitchFamily="34" charset="0"/>
+              <a:buChar char="•"/>
+            </a:pPr>
+            <a:r>
+              <a:rPr lang="nl-BE" dirty="0"/>
+              <a:t>Op basis van de schakeltechniek</a:t>
+            </a:r>
+          </a:p>
+          <a:p>
+            <a:pPr marL="171450" indent="-171450">
+              <a:buFont typeface="Arial" panose="020B0604020202020204" pitchFamily="34" charset="0"/>
+              <a:buChar char="•"/>
+            </a:pPr>
+            <a:r>
+              <a:rPr lang="nl-BE" dirty="0"/>
+              <a:t>Op basis van de datacommunicatietechnologie</a:t>
+            </a:r>
+          </a:p>
+          <a:p>
+            <a:endParaRPr lang="LID4096" dirty="0"/>
+          </a:p>
+        </p:txBody>
+      </p:sp>
+      <p:sp>
+        <p:nvSpPr>
+          <p:cNvPr id="4" name="Slide Number Placeholder 3"/>
+          <p:cNvSpPr>
+            <a:spLocks noGrp="1"/>
+          </p:cNvSpPr>
+          <p:nvPr>
+            <p:ph type="sldNum" sz="quarter" idx="5"/>
+          </p:nvPr>
+        </p:nvSpPr>
+        <p:spPr/>
+        <p:txBody>
+          <a:bodyPr/>
+          <a:lstStyle/>
+          <a:p>
+            <a:fld id="{FD30C18C-AB1C-483C-BCB0-2CDFB8E5FF32}" type="slidenum">
+              <a:rPr lang="LID4096" smtClean="0"/>
+              <a:t>25</a:t>
+            </a:fld>
+            <a:endParaRPr lang="LID4096"/>
+          </a:p>
+        </p:txBody>
+      </p:sp>
+    </p:spTree>
+    <p:extLst>
+      <p:ext uri="{BB962C8B-B14F-4D97-AF65-F5344CB8AC3E}">
+        <p14:creationId xmlns:p14="http://schemas.microsoft.com/office/powerpoint/2010/main" val="1860345568"/>
       </p:ext>
     </p:extLst>
   </p:cSld>
@@ -6665,115 +7600,29 @@
           <a:lstStyle/>
           <a:p>
             <a:r>
-              <a:rPr lang="en-US" dirty="0"/>
-              <a:t>Time out: </a:t>
-            </a:r>
-            <a:r>
-              <a:rPr lang="en-US" dirty="0" err="1"/>
-              <a:t>wanneer</a:t>
-            </a:r>
-            <a:r>
-              <a:rPr lang="en-US" dirty="0"/>
-              <a:t> even </a:t>
-            </a:r>
-            <a:r>
-              <a:rPr lang="en-US" dirty="0" err="1"/>
-              <a:t>geen</a:t>
-            </a:r>
-            <a:r>
-              <a:rPr lang="en-US" dirty="0"/>
-              <a:t> data </a:t>
-            </a:r>
-            <a:r>
-              <a:rPr lang="en-US" dirty="0" err="1"/>
-              <a:t>binnenkomt</a:t>
-            </a:r>
-            <a:r>
-              <a:rPr lang="en-US" dirty="0"/>
-              <a:t> is het </a:t>
-            </a:r>
-            <a:r>
-              <a:rPr lang="en-US" dirty="0" err="1"/>
-              <a:t>gedaan</a:t>
-            </a:r>
-            <a:endParaRPr lang="en-US" dirty="0"/>
-          </a:p>
-          <a:p>
-            <a:r>
-              <a:rPr lang="en-US" dirty="0"/>
-              <a:t>Byte-count: op </a:t>
-            </a:r>
-            <a:r>
-              <a:rPr lang="en-US" dirty="0" err="1"/>
-              <a:t>voorhand</a:t>
-            </a:r>
-            <a:r>
-              <a:rPr lang="en-US" dirty="0"/>
-              <a:t> </a:t>
-            </a:r>
-            <a:r>
-              <a:rPr lang="en-US" dirty="0" err="1"/>
-              <a:t>doorgegeven</a:t>
-            </a:r>
-            <a:r>
-              <a:rPr lang="en-US" dirty="0"/>
-              <a:t> </a:t>
-            </a:r>
-            <a:r>
-              <a:rPr lang="en-US" dirty="0" err="1"/>
-              <a:t>hoeveel</a:t>
-            </a:r>
-            <a:r>
-              <a:rPr lang="en-US" dirty="0"/>
-              <a:t> bytes er </a:t>
-            </a:r>
-            <a:r>
-              <a:rPr lang="en-US" dirty="0" err="1"/>
-              <a:t>toekomen</a:t>
-            </a:r>
-            <a:endParaRPr lang="en-US" dirty="0"/>
-          </a:p>
-          <a:p>
-            <a:r>
-              <a:rPr lang="en-US" dirty="0"/>
-              <a:t>End-of-message: </a:t>
-            </a:r>
-            <a:r>
-              <a:rPr lang="en-US" dirty="0" err="1"/>
-              <a:t>een</a:t>
-            </a:r>
-            <a:r>
-              <a:rPr lang="en-US" dirty="0"/>
-              <a:t> </a:t>
-            </a:r>
-            <a:r>
-              <a:rPr lang="en-US" dirty="0" err="1"/>
-              <a:t>afgesproken</a:t>
-            </a:r>
-            <a:r>
-              <a:rPr lang="en-US" dirty="0"/>
-              <a:t> </a:t>
-            </a:r>
-            <a:r>
-              <a:rPr lang="en-US" dirty="0" err="1"/>
-              <a:t>bytecompositie</a:t>
-            </a:r>
-            <a:r>
-              <a:rPr lang="en-US" dirty="0"/>
-              <a:t> op het </a:t>
-            </a:r>
-            <a:r>
-              <a:rPr lang="en-US" dirty="0" err="1"/>
-              <a:t>einde</a:t>
-            </a:r>
-            <a:r>
-              <a:rPr lang="en-US" dirty="0"/>
-              <a:t> van de </a:t>
-            </a:r>
-            <a:r>
-              <a:rPr lang="en-US" dirty="0" err="1"/>
-              <a:t>transmissie</a:t>
-            </a:r>
+              <a:rPr lang="nl-BE" dirty="0"/>
+              <a:t>Vaak staan er tussen A en B hindernissen in de weg die rechtstreekse communicatie onmogelijk maken. Een hulpmiddel dat deze hindernissen opheft, wordt een medium genoemd. </a:t>
+            </a:r>
+          </a:p>
+          <a:p>
+            <a:endParaRPr lang="nl-BE" dirty="0"/>
+          </a:p>
+          <a:p>
+            <a:r>
+              <a:rPr lang="nl-BE" dirty="0"/>
+              <a:t>Zo kunnen mensen die zich niet in elkaars buurt bevinden geen gesprek voeren. Maar met een telefoon wordt dat wel mogelijk. In dat geval is de telefoon het medium. </a:t>
+            </a:r>
+          </a:p>
+          <a:p>
+            <a:endParaRPr lang="nl-BE" dirty="0"/>
+          </a:p>
+          <a:p>
+            <a:r>
+              <a:rPr lang="nl-BE" dirty="0"/>
+              <a:t>Op dezelfde manier hebben computers een netwerkkaart nodig als medium voor onderlinge communicatie. Het communicatieschema ziet er dan zo uit</a:t>
+            </a:r>
+          </a:p>
+          <a:p>
             <a:endParaRPr lang="LID4096" dirty="0"/>
           </a:p>
         </p:txBody>
@@ -6795,7 +7644,1886 @@
           <a:p>
             <a:fld id="{FD30C18C-AB1C-483C-BCB0-2CDFB8E5FF32}" type="slidenum">
               <a:rPr lang="LID4096" smtClean="0"/>
-              <a:t>43</a:t>
+              <a:t>6</a:t>
+            </a:fld>
+            <a:endParaRPr lang="LID4096"/>
+          </a:p>
+        </p:txBody>
+      </p:sp>
+    </p:spTree>
+    <p:extLst>
+      <p:ext uri="{BB962C8B-B14F-4D97-AF65-F5344CB8AC3E}">
+        <p14:creationId xmlns:p14="http://schemas.microsoft.com/office/powerpoint/2010/main" val="1968289434"/>
+      </p:ext>
+    </p:extLst>
+  </p:cSld>
+  <p:clrMapOvr>
+    <a:masterClrMapping/>
+  </p:clrMapOvr>
+</p:notes>
+</file>
+
+<file path=ppt/notesSlides/notesSlide20.xml><?xml version="1.0" encoding="utf-8"?>
+<p:notes xmlns:a="http://schemas.openxmlformats.org/drawingml/2006/main" xmlns:r="http://schemas.openxmlformats.org/officeDocument/2006/relationships" xmlns:p="http://schemas.openxmlformats.org/presentationml/2006/main">
+  <p:cSld>
+    <p:spTree>
+      <p:nvGrpSpPr>
+        <p:cNvPr id="1" name=""/>
+        <p:cNvGrpSpPr/>
+        <p:nvPr/>
+      </p:nvGrpSpPr>
+      <p:grpSpPr>
+        <a:xfrm>
+          <a:off x="0" y="0"/>
+          <a:ext cx="0" cy="0"/>
+          <a:chOff x="0" y="0"/>
+          <a:chExt cx="0" cy="0"/>
+        </a:xfrm>
+      </p:grpSpPr>
+      <p:sp>
+        <p:nvSpPr>
+          <p:cNvPr id="2" name="Slide Image Placeholder 1"/>
+          <p:cNvSpPr>
+            <a:spLocks noGrp="1" noRot="1" noChangeAspect="1"/>
+          </p:cNvSpPr>
+          <p:nvPr>
+            <p:ph type="sldImg"/>
+          </p:nvPr>
+        </p:nvSpPr>
+        <p:spPr/>
+      </p:sp>
+      <p:sp>
+        <p:nvSpPr>
+          <p:cNvPr id="3" name="Notes Placeholder 2"/>
+          <p:cNvSpPr>
+            <a:spLocks noGrp="1"/>
+          </p:cNvSpPr>
+          <p:nvPr>
+            <p:ph type="body" idx="1"/>
+          </p:nvPr>
+        </p:nvSpPr>
+        <p:spPr/>
+        <p:txBody>
+          <a:bodyPr/>
+          <a:lstStyle/>
+          <a:p>
+            <a:r>
+              <a:rPr lang="nl-BE" dirty="0"/>
+              <a:t>Een computernetwerk dat zich beperkt tot een klein geografisch gebied wordt een LAN (local area network) genoemd. Veruit de meeste computernetwerken zijn van dit type: je thuisnetwerk, het netwerk op je school of het netwerk op de campus van een bedrijf, een ziekenhuis, enz.</a:t>
+            </a:r>
+          </a:p>
+          <a:p>
+            <a:endParaRPr lang="nl-BE" dirty="0"/>
+          </a:p>
+          <a:p>
+            <a:r>
+              <a:rPr lang="nl-BE" dirty="0"/>
+              <a:t>Een computernetwerk dat zich uitstrekt over een groot geografisch gebied wordt een WAN (wide area network) genoemd. Het bekendste WAN is het internet, maar ook een bedrijfsnetwerk dat verschillende vestigingen over een grote afstand met elkaar verbindt, kan een WAN genoemd worden.</a:t>
+            </a:r>
+          </a:p>
+          <a:p>
+            <a:endParaRPr lang="nl-BE" dirty="0"/>
+          </a:p>
+          <a:p>
+            <a:r>
+              <a:rPr lang="nl-BE" dirty="0"/>
+              <a:t>De begrippen LAN en WAN worden door netwerkbeheerders vaak gebruikt om het onderscheid te maken tussen het netwerk dat ze zelf beheren en het grotere netwerk waarvan dat deel uitmaakt. Dat wordt duidelijker met een voorbeeld. Een school bestaat uit een hoofdvestiging en drie andere campussen in de stad. Elke campus heeft z’n eigen netwerkbeheerder om het lokale netwerk in die campus te onderhouden.</a:t>
+            </a:r>
+          </a:p>
+          <a:p>
+            <a:endParaRPr lang="nl-BE" dirty="0"/>
+          </a:p>
+          <a:p>
+            <a:r>
+              <a:rPr lang="nl-BE" dirty="0"/>
+              <a:t>Voor de netwerkbeheerder van zo’n campus is het netwerk binnen de campus het LAN en is de netwerkverbinding met de hoofdvestiging het WAN. Voor de netwerkbeheerder van de hoofdvestiging vormen de verbindingen met de verschillende campussen het LAN en is de verbinding met de internetprovider het WAN. En voor de netwerkbeheerder van de provider is de netwerkverbinding met de school het LAN, terwijl de verbindingen met internetrouters van andere providers het WAN vormen. </a:t>
+            </a:r>
+          </a:p>
+          <a:p>
+            <a:endParaRPr lang="nl-BE" dirty="0"/>
+          </a:p>
+          <a:p>
+            <a:endParaRPr lang="nl-BE" dirty="0"/>
+          </a:p>
+          <a:p>
+            <a:endParaRPr lang="LID4096" dirty="0"/>
+          </a:p>
+        </p:txBody>
+      </p:sp>
+      <p:sp>
+        <p:nvSpPr>
+          <p:cNvPr id="4" name="Slide Number Placeholder 3"/>
+          <p:cNvSpPr>
+            <a:spLocks noGrp="1"/>
+          </p:cNvSpPr>
+          <p:nvPr>
+            <p:ph type="sldNum" sz="quarter" idx="5"/>
+          </p:nvPr>
+        </p:nvSpPr>
+        <p:spPr/>
+        <p:txBody>
+          <a:bodyPr/>
+          <a:lstStyle/>
+          <a:p>
+            <a:fld id="{FD30C18C-AB1C-483C-BCB0-2CDFB8E5FF32}" type="slidenum">
+              <a:rPr lang="LID4096" smtClean="0"/>
+              <a:t>26</a:t>
+            </a:fld>
+            <a:endParaRPr lang="LID4096"/>
+          </a:p>
+        </p:txBody>
+      </p:sp>
+    </p:spTree>
+    <p:extLst>
+      <p:ext uri="{BB962C8B-B14F-4D97-AF65-F5344CB8AC3E}">
+        <p14:creationId xmlns:p14="http://schemas.microsoft.com/office/powerpoint/2010/main" val="269690613"/>
+      </p:ext>
+    </p:extLst>
+  </p:cSld>
+  <p:clrMapOvr>
+    <a:masterClrMapping/>
+  </p:clrMapOvr>
+</p:notes>
+</file>
+
+<file path=ppt/notesSlides/notesSlide21.xml><?xml version="1.0" encoding="utf-8"?>
+<p:notes xmlns:a="http://schemas.openxmlformats.org/drawingml/2006/main" xmlns:r="http://schemas.openxmlformats.org/officeDocument/2006/relationships" xmlns:p="http://schemas.openxmlformats.org/presentationml/2006/main">
+  <p:cSld>
+    <p:spTree>
+      <p:nvGrpSpPr>
+        <p:cNvPr id="1" name=""/>
+        <p:cNvGrpSpPr/>
+        <p:nvPr/>
+      </p:nvGrpSpPr>
+      <p:grpSpPr>
+        <a:xfrm>
+          <a:off x="0" y="0"/>
+          <a:ext cx="0" cy="0"/>
+          <a:chOff x="0" y="0"/>
+          <a:chExt cx="0" cy="0"/>
+        </a:xfrm>
+      </p:grpSpPr>
+      <p:sp>
+        <p:nvSpPr>
+          <p:cNvPr id="2" name="Slide Image Placeholder 1"/>
+          <p:cNvSpPr>
+            <a:spLocks noGrp="1" noRot="1" noChangeAspect="1"/>
+          </p:cNvSpPr>
+          <p:nvPr>
+            <p:ph type="sldImg"/>
+          </p:nvPr>
+        </p:nvSpPr>
+        <p:spPr/>
+      </p:sp>
+      <p:sp>
+        <p:nvSpPr>
+          <p:cNvPr id="3" name="Notes Placeholder 2"/>
+          <p:cNvSpPr>
+            <a:spLocks noGrp="1"/>
+          </p:cNvSpPr>
+          <p:nvPr>
+            <p:ph type="body" idx="1"/>
+          </p:nvPr>
+        </p:nvSpPr>
+        <p:spPr/>
+        <p:txBody>
+          <a:bodyPr/>
+          <a:lstStyle/>
+          <a:p>
+            <a:pPr marL="0" marR="0" lvl="0" indent="0" algn="l" defTabSz="914400" rtl="0" eaLnBrk="1" fontAlgn="auto" latinLnBrk="0" hangingPunct="1">
+              <a:lnSpc>
+                <a:spcPct val="100000"/>
+              </a:lnSpc>
+              <a:spcBef>
+                <a:spcPts val="0"/>
+              </a:spcBef>
+              <a:spcAft>
+                <a:spcPts val="0"/>
+              </a:spcAft>
+              <a:buClrTx/>
+              <a:buSzTx/>
+              <a:buFontTx/>
+              <a:buNone/>
+              <a:tabLst/>
+              <a:defRPr/>
+            </a:pPr>
+            <a:r>
+              <a:rPr lang="nl-BE" dirty="0"/>
+              <a:t>Computers in een netwerk kunnen zich op twee manieren tegenover elkaar verhouden: ofwel als gelijken, ofwel ondergeschikt aan elkaar. Het eerste noemen we dan peer-to-peer. In een servergestuurd netwerk is er wel een hiërarchie tussen werkstations en de server.</a:t>
+            </a:r>
+          </a:p>
+          <a:p>
+            <a:endParaRPr lang="LID4096" dirty="0"/>
+          </a:p>
+        </p:txBody>
+      </p:sp>
+      <p:sp>
+        <p:nvSpPr>
+          <p:cNvPr id="4" name="Slide Number Placeholder 3"/>
+          <p:cNvSpPr>
+            <a:spLocks noGrp="1"/>
+          </p:cNvSpPr>
+          <p:nvPr>
+            <p:ph type="sldNum" sz="quarter" idx="5"/>
+          </p:nvPr>
+        </p:nvSpPr>
+        <p:spPr/>
+        <p:txBody>
+          <a:bodyPr/>
+          <a:lstStyle/>
+          <a:p>
+            <a:fld id="{FD30C18C-AB1C-483C-BCB0-2CDFB8E5FF32}" type="slidenum">
+              <a:rPr lang="LID4096" smtClean="0"/>
+              <a:t>27</a:t>
+            </a:fld>
+            <a:endParaRPr lang="LID4096"/>
+          </a:p>
+        </p:txBody>
+      </p:sp>
+    </p:spTree>
+    <p:extLst>
+      <p:ext uri="{BB962C8B-B14F-4D97-AF65-F5344CB8AC3E}">
+        <p14:creationId xmlns:p14="http://schemas.microsoft.com/office/powerpoint/2010/main" val="113170372"/>
+      </p:ext>
+    </p:extLst>
+  </p:cSld>
+  <p:clrMapOvr>
+    <a:masterClrMapping/>
+  </p:clrMapOvr>
+</p:notes>
+</file>
+
+<file path=ppt/notesSlides/notesSlide22.xml><?xml version="1.0" encoding="utf-8"?>
+<p:notes xmlns:a="http://schemas.openxmlformats.org/drawingml/2006/main" xmlns:r="http://schemas.openxmlformats.org/officeDocument/2006/relationships" xmlns:p="http://schemas.openxmlformats.org/presentationml/2006/main">
+  <p:cSld>
+    <p:spTree>
+      <p:nvGrpSpPr>
+        <p:cNvPr id="1" name=""/>
+        <p:cNvGrpSpPr/>
+        <p:nvPr/>
+      </p:nvGrpSpPr>
+      <p:grpSpPr>
+        <a:xfrm>
+          <a:off x="0" y="0"/>
+          <a:ext cx="0" cy="0"/>
+          <a:chOff x="0" y="0"/>
+          <a:chExt cx="0" cy="0"/>
+        </a:xfrm>
+      </p:grpSpPr>
+      <p:sp>
+        <p:nvSpPr>
+          <p:cNvPr id="2" name="Slide Image Placeholder 1"/>
+          <p:cNvSpPr>
+            <a:spLocks noGrp="1" noRot="1" noChangeAspect="1"/>
+          </p:cNvSpPr>
+          <p:nvPr>
+            <p:ph type="sldImg"/>
+          </p:nvPr>
+        </p:nvSpPr>
+        <p:spPr/>
+      </p:sp>
+      <p:sp>
+        <p:nvSpPr>
+          <p:cNvPr id="3" name="Notes Placeholder 2"/>
+          <p:cNvSpPr>
+            <a:spLocks noGrp="1"/>
+          </p:cNvSpPr>
+          <p:nvPr>
+            <p:ph type="body" idx="1"/>
+          </p:nvPr>
+        </p:nvSpPr>
+        <p:spPr/>
+        <p:txBody>
+          <a:bodyPr/>
+          <a:lstStyle/>
+          <a:p>
+            <a:r>
+              <a:rPr lang="en-US" dirty="0"/>
+              <a:t>Packet switching =&gt; </a:t>
+            </a:r>
+            <a:r>
+              <a:rPr lang="en-US" dirty="0" err="1"/>
+              <a:t>bericht</a:t>
+            </a:r>
+            <a:r>
+              <a:rPr lang="en-US" dirty="0"/>
+              <a:t> </a:t>
+            </a:r>
+            <a:r>
+              <a:rPr lang="en-US" dirty="0" err="1"/>
+              <a:t>opgedeeld</a:t>
+            </a:r>
+            <a:r>
+              <a:rPr lang="en-US" dirty="0"/>
+              <a:t> in </a:t>
+            </a:r>
+            <a:r>
+              <a:rPr lang="en-US" dirty="0" err="1"/>
+              <a:t>pakketjes</a:t>
+            </a:r>
+            <a:r>
+              <a:rPr lang="en-US" dirty="0"/>
+              <a:t> </a:t>
+            </a:r>
+            <a:r>
+              <a:rPr lang="en-US" dirty="0" err="1"/>
+              <a:t>en</a:t>
+            </a:r>
+            <a:r>
+              <a:rPr lang="en-US" dirty="0"/>
+              <a:t> over </a:t>
+            </a:r>
+            <a:r>
+              <a:rPr lang="en-US" dirty="0" err="1"/>
+              <a:t>verschillende</a:t>
+            </a:r>
+            <a:r>
+              <a:rPr lang="en-US" dirty="0"/>
+              <a:t> </a:t>
+            </a:r>
+            <a:r>
+              <a:rPr lang="en-US" dirty="0" err="1"/>
+              <a:t>lijnen</a:t>
+            </a:r>
+            <a:r>
+              <a:rPr lang="en-US" dirty="0"/>
+              <a:t> </a:t>
+            </a:r>
+            <a:r>
+              <a:rPr lang="en-US" dirty="0" err="1"/>
+              <a:t>verstuurd</a:t>
+            </a:r>
+            <a:r>
+              <a:rPr lang="en-US" dirty="0"/>
+              <a:t>. (</a:t>
+            </a:r>
+            <a:r>
+              <a:rPr lang="en-US" dirty="0" err="1"/>
+              <a:t>vb</a:t>
+            </a:r>
+            <a:r>
+              <a:rPr lang="en-US" dirty="0"/>
+              <a:t>: Het laden van </a:t>
+            </a:r>
+            <a:r>
+              <a:rPr lang="en-US" dirty="0" err="1"/>
+              <a:t>een</a:t>
+            </a:r>
+            <a:r>
+              <a:rPr lang="en-US" dirty="0"/>
+              <a:t> website)</a:t>
+            </a:r>
+          </a:p>
+          <a:p>
+            <a:r>
+              <a:rPr lang="en-US" dirty="0"/>
+              <a:t>Circuit switching =&gt; 1 </a:t>
+            </a:r>
+            <a:r>
+              <a:rPr lang="en-US" dirty="0" err="1"/>
+              <a:t>lijn</a:t>
+            </a:r>
+            <a:r>
+              <a:rPr lang="en-US" dirty="0"/>
+              <a:t> </a:t>
+            </a:r>
+            <a:r>
+              <a:rPr lang="en-US" dirty="0" err="1"/>
+              <a:t>wordt</a:t>
+            </a:r>
+            <a:r>
+              <a:rPr lang="en-US" dirty="0"/>
+              <a:t> </a:t>
+            </a:r>
+            <a:r>
+              <a:rPr lang="en-US" dirty="0" err="1"/>
+              <a:t>volledig</a:t>
+            </a:r>
+            <a:r>
+              <a:rPr lang="en-US" dirty="0"/>
+              <a:t> </a:t>
+            </a:r>
+            <a:r>
+              <a:rPr lang="en-US" dirty="0" err="1"/>
+              <a:t>ter</a:t>
+            </a:r>
+            <a:r>
+              <a:rPr lang="en-US" dirty="0"/>
+              <a:t> </a:t>
+            </a:r>
+            <a:r>
+              <a:rPr lang="en-US" dirty="0" err="1"/>
+              <a:t>beschikking</a:t>
+            </a:r>
+            <a:r>
+              <a:rPr lang="en-US" dirty="0"/>
+              <a:t> </a:t>
+            </a:r>
+            <a:r>
+              <a:rPr lang="en-US" dirty="0" err="1"/>
+              <a:t>gesteld</a:t>
+            </a:r>
+            <a:r>
+              <a:rPr lang="en-US" dirty="0"/>
+              <a:t> </a:t>
+            </a:r>
+            <a:r>
+              <a:rPr lang="en-US" dirty="0" err="1"/>
+              <a:t>voor</a:t>
+            </a:r>
+            <a:r>
+              <a:rPr lang="en-US" dirty="0"/>
+              <a:t> het </a:t>
+            </a:r>
+            <a:r>
+              <a:rPr lang="en-US" dirty="0" err="1"/>
+              <a:t>bericht</a:t>
+            </a:r>
+            <a:r>
+              <a:rPr lang="en-US" dirty="0"/>
+              <a:t> </a:t>
+            </a:r>
+            <a:r>
+              <a:rPr lang="en-US" dirty="0" err="1"/>
+              <a:t>en</a:t>
+            </a:r>
+            <a:r>
+              <a:rPr lang="en-US" dirty="0"/>
+              <a:t> </a:t>
+            </a:r>
+            <a:r>
+              <a:rPr lang="en-US" dirty="0" err="1"/>
+              <a:t>wordt</a:t>
+            </a:r>
+            <a:r>
+              <a:rPr lang="en-US" dirty="0"/>
+              <a:t> </a:t>
+            </a:r>
+            <a:r>
+              <a:rPr lang="en-US" dirty="0" err="1"/>
+              <a:t>continu</a:t>
+            </a:r>
+            <a:r>
+              <a:rPr lang="en-US" dirty="0"/>
+              <a:t> </a:t>
+            </a:r>
+            <a:r>
+              <a:rPr lang="en-US" dirty="0" err="1"/>
+              <a:t>doorgsetuurd</a:t>
+            </a:r>
+            <a:r>
+              <a:rPr lang="en-US" dirty="0"/>
+              <a:t> (</a:t>
+            </a:r>
+            <a:r>
+              <a:rPr lang="en-US" dirty="0" err="1"/>
+              <a:t>vb</a:t>
+            </a:r>
+            <a:r>
+              <a:rPr lang="en-US" dirty="0"/>
+              <a:t>: </a:t>
+            </a:r>
+            <a:r>
+              <a:rPr lang="en-US" dirty="0" err="1"/>
+              <a:t>telefoneren</a:t>
+            </a:r>
+            <a:r>
+              <a:rPr lang="en-US" dirty="0"/>
+              <a:t>)</a:t>
+            </a:r>
+          </a:p>
+          <a:p>
+            <a:r>
+              <a:rPr lang="en-US" dirty="0"/>
+              <a:t>Message switching =&gt; Het </a:t>
+            </a:r>
+            <a:r>
+              <a:rPr lang="en-US" dirty="0" err="1"/>
+              <a:t>bericht</a:t>
+            </a:r>
+            <a:r>
+              <a:rPr lang="en-US" dirty="0"/>
+              <a:t> </a:t>
+            </a:r>
+            <a:r>
+              <a:rPr lang="en-US" dirty="0" err="1"/>
+              <a:t>wordt</a:t>
+            </a:r>
+            <a:r>
+              <a:rPr lang="en-US" dirty="0"/>
+              <a:t> in 1 </a:t>
+            </a:r>
+            <a:r>
+              <a:rPr lang="en-US" dirty="0" err="1"/>
+              <a:t>geheel</a:t>
+            </a:r>
+            <a:r>
+              <a:rPr lang="en-US" dirty="0"/>
+              <a:t> </a:t>
+            </a:r>
+            <a:r>
+              <a:rPr lang="en-US" dirty="0" err="1"/>
+              <a:t>volledig</a:t>
+            </a:r>
+            <a:r>
+              <a:rPr lang="en-US" dirty="0"/>
+              <a:t> </a:t>
+            </a:r>
+            <a:r>
+              <a:rPr lang="en-US" dirty="0" err="1"/>
+              <a:t>doorgestuurd</a:t>
+            </a:r>
+            <a:r>
+              <a:rPr lang="en-US" dirty="0"/>
+              <a:t> </a:t>
+            </a:r>
+            <a:r>
+              <a:rPr lang="en-US" dirty="0" err="1"/>
+              <a:t>naar</a:t>
+            </a:r>
+            <a:r>
+              <a:rPr lang="en-US" dirty="0"/>
+              <a:t> de </a:t>
+            </a:r>
+            <a:r>
+              <a:rPr lang="en-US" dirty="0" err="1"/>
+              <a:t>ontvanger</a:t>
+            </a:r>
+            <a:r>
+              <a:rPr lang="en-US" dirty="0"/>
+              <a:t> (</a:t>
+            </a:r>
+            <a:r>
+              <a:rPr lang="en-US" dirty="0" err="1"/>
+              <a:t>vb</a:t>
+            </a:r>
+            <a:r>
+              <a:rPr lang="en-US" dirty="0"/>
+              <a:t>: mail)</a:t>
+            </a:r>
+          </a:p>
+          <a:p>
+            <a:endParaRPr lang="en-US" dirty="0"/>
+          </a:p>
+          <a:p>
+            <a:pPr marL="0" marR="0" lvl="0" indent="0" algn="l" defTabSz="914400" rtl="0" eaLnBrk="1" fontAlgn="auto" latinLnBrk="0" hangingPunct="1">
+              <a:lnSpc>
+                <a:spcPct val="100000"/>
+              </a:lnSpc>
+              <a:spcBef>
+                <a:spcPts val="0"/>
+              </a:spcBef>
+              <a:spcAft>
+                <a:spcPts val="0"/>
+              </a:spcAft>
+              <a:buClrTx/>
+              <a:buSzTx/>
+              <a:buFontTx/>
+              <a:buNone/>
+              <a:tabLst/>
+              <a:defRPr/>
+            </a:pPr>
+            <a:r>
+              <a:rPr lang="nl-BE" dirty="0"/>
+              <a:t>Digitale informatie die over computernetwerken wordt rondgestuurd, wordt opgedeeld in pakketjes. In een computernetwerk zijn vaak heel wat verschillende computers tegelijk actief. De pakketjes van de diverse computers maken gebruik van dezelfde datacommunicatielijnen. De manier waarop die gemeenschappelijk datacommunicatielijnen worden gedeeld, heet switching. Daarvoor bestaan verschillende technieken.</a:t>
+            </a:r>
+          </a:p>
+          <a:p>
+            <a:endParaRPr lang="LID4096" dirty="0"/>
+          </a:p>
+        </p:txBody>
+      </p:sp>
+      <p:sp>
+        <p:nvSpPr>
+          <p:cNvPr id="4" name="Slide Number Placeholder 3"/>
+          <p:cNvSpPr>
+            <a:spLocks noGrp="1"/>
+          </p:cNvSpPr>
+          <p:nvPr>
+            <p:ph type="sldNum" sz="quarter" idx="5"/>
+          </p:nvPr>
+        </p:nvSpPr>
+        <p:spPr/>
+        <p:txBody>
+          <a:bodyPr/>
+          <a:lstStyle/>
+          <a:p>
+            <a:fld id="{FD30C18C-AB1C-483C-BCB0-2CDFB8E5FF32}" type="slidenum">
+              <a:rPr lang="LID4096" smtClean="0"/>
+              <a:t>28</a:t>
+            </a:fld>
+            <a:endParaRPr lang="LID4096"/>
+          </a:p>
+        </p:txBody>
+      </p:sp>
+    </p:spTree>
+    <p:extLst>
+      <p:ext uri="{BB962C8B-B14F-4D97-AF65-F5344CB8AC3E}">
+        <p14:creationId xmlns:p14="http://schemas.microsoft.com/office/powerpoint/2010/main" val="2353327618"/>
+      </p:ext>
+    </p:extLst>
+  </p:cSld>
+  <p:clrMapOvr>
+    <a:masterClrMapping/>
+  </p:clrMapOvr>
+</p:notes>
+</file>
+
+<file path=ppt/notesSlides/notesSlide23.xml><?xml version="1.0" encoding="utf-8"?>
+<p:notes xmlns:a="http://schemas.openxmlformats.org/drawingml/2006/main" xmlns:r="http://schemas.openxmlformats.org/officeDocument/2006/relationships" xmlns:p="http://schemas.openxmlformats.org/presentationml/2006/main">
+  <p:cSld>
+    <p:spTree>
+      <p:nvGrpSpPr>
+        <p:cNvPr id="1" name=""/>
+        <p:cNvGrpSpPr/>
+        <p:nvPr/>
+      </p:nvGrpSpPr>
+      <p:grpSpPr>
+        <a:xfrm>
+          <a:off x="0" y="0"/>
+          <a:ext cx="0" cy="0"/>
+          <a:chOff x="0" y="0"/>
+          <a:chExt cx="0" cy="0"/>
+        </a:xfrm>
+      </p:grpSpPr>
+      <p:sp>
+        <p:nvSpPr>
+          <p:cNvPr id="2" name="Slide Image Placeholder 1"/>
+          <p:cNvSpPr>
+            <a:spLocks noGrp="1" noRot="1" noChangeAspect="1"/>
+          </p:cNvSpPr>
+          <p:nvPr>
+            <p:ph type="sldImg"/>
+          </p:nvPr>
+        </p:nvSpPr>
+        <p:spPr/>
+      </p:sp>
+      <p:sp>
+        <p:nvSpPr>
+          <p:cNvPr id="3" name="Notes Placeholder 2"/>
+          <p:cNvSpPr>
+            <a:spLocks noGrp="1"/>
+          </p:cNvSpPr>
+          <p:nvPr>
+            <p:ph type="body" idx="1"/>
+          </p:nvPr>
+        </p:nvSpPr>
+        <p:spPr/>
+        <p:txBody>
+          <a:bodyPr/>
+          <a:lstStyle/>
+          <a:p>
+            <a:pPr marL="0" marR="0" lvl="0" indent="0" algn="l" defTabSz="914400" rtl="0" eaLnBrk="1" fontAlgn="auto" latinLnBrk="0" hangingPunct="1">
+              <a:lnSpc>
+                <a:spcPct val="100000"/>
+              </a:lnSpc>
+              <a:spcBef>
+                <a:spcPts val="0"/>
+              </a:spcBef>
+              <a:spcAft>
+                <a:spcPts val="0"/>
+              </a:spcAft>
+              <a:buClrTx/>
+              <a:buSzTx/>
+              <a:buFontTx/>
+              <a:buNone/>
+              <a:tabLst/>
+              <a:defRPr/>
+            </a:pPr>
+            <a:r>
+              <a:rPr lang="nl-BE" dirty="0"/>
+              <a:t>Een analoog signaal kan oneindig veel waarden tussen het minimum en maximum signaal aannemen. Het vormt een continu signaal dat erg in sterkte kan wisselen. Geluid plant zich op deze manier voort in de lucht. Toonhoogte en geluidssterkte kunnen traploos wisselen. Ook over klassieke telefoonlijnen worden signalen analoog overgedragen.</a:t>
+            </a:r>
+          </a:p>
+          <a:p>
+            <a:endParaRPr lang="LID4096" dirty="0"/>
+          </a:p>
+        </p:txBody>
+      </p:sp>
+      <p:sp>
+        <p:nvSpPr>
+          <p:cNvPr id="4" name="Slide Number Placeholder 3"/>
+          <p:cNvSpPr>
+            <a:spLocks noGrp="1"/>
+          </p:cNvSpPr>
+          <p:nvPr>
+            <p:ph type="sldNum" sz="quarter" idx="5"/>
+          </p:nvPr>
+        </p:nvSpPr>
+        <p:spPr/>
+        <p:txBody>
+          <a:bodyPr/>
+          <a:lstStyle/>
+          <a:p>
+            <a:fld id="{FD30C18C-AB1C-483C-BCB0-2CDFB8E5FF32}" type="slidenum">
+              <a:rPr lang="LID4096" smtClean="0"/>
+              <a:t>31</a:t>
+            </a:fld>
+            <a:endParaRPr lang="LID4096"/>
+          </a:p>
+        </p:txBody>
+      </p:sp>
+    </p:spTree>
+    <p:extLst>
+      <p:ext uri="{BB962C8B-B14F-4D97-AF65-F5344CB8AC3E}">
+        <p14:creationId xmlns:p14="http://schemas.microsoft.com/office/powerpoint/2010/main" val="962987654"/>
+      </p:ext>
+    </p:extLst>
+  </p:cSld>
+  <p:clrMapOvr>
+    <a:masterClrMapping/>
+  </p:clrMapOvr>
+</p:notes>
+</file>
+
+<file path=ppt/notesSlides/notesSlide24.xml><?xml version="1.0" encoding="utf-8"?>
+<p:notes xmlns:a="http://schemas.openxmlformats.org/drawingml/2006/main" xmlns:r="http://schemas.openxmlformats.org/officeDocument/2006/relationships" xmlns:p="http://schemas.openxmlformats.org/presentationml/2006/main">
+  <p:cSld>
+    <p:spTree>
+      <p:nvGrpSpPr>
+        <p:cNvPr id="1" name=""/>
+        <p:cNvGrpSpPr/>
+        <p:nvPr/>
+      </p:nvGrpSpPr>
+      <p:grpSpPr>
+        <a:xfrm>
+          <a:off x="0" y="0"/>
+          <a:ext cx="0" cy="0"/>
+          <a:chOff x="0" y="0"/>
+          <a:chExt cx="0" cy="0"/>
+        </a:xfrm>
+      </p:grpSpPr>
+      <p:sp>
+        <p:nvSpPr>
+          <p:cNvPr id="2" name="Slide Image Placeholder 1"/>
+          <p:cNvSpPr>
+            <a:spLocks noGrp="1" noRot="1" noChangeAspect="1"/>
+          </p:cNvSpPr>
+          <p:nvPr>
+            <p:ph type="sldImg"/>
+          </p:nvPr>
+        </p:nvSpPr>
+        <p:spPr/>
+      </p:sp>
+      <p:sp>
+        <p:nvSpPr>
+          <p:cNvPr id="3" name="Notes Placeholder 2"/>
+          <p:cNvSpPr>
+            <a:spLocks noGrp="1"/>
+          </p:cNvSpPr>
+          <p:nvPr>
+            <p:ph type="body" idx="1"/>
+          </p:nvPr>
+        </p:nvSpPr>
+        <p:spPr/>
+        <p:txBody>
+          <a:bodyPr/>
+          <a:lstStyle/>
+          <a:p>
+            <a:pPr marL="0" marR="0" lvl="0" indent="0" algn="l" defTabSz="914400" rtl="0" eaLnBrk="1" fontAlgn="auto" latinLnBrk="0" hangingPunct="1">
+              <a:lnSpc>
+                <a:spcPct val="100000"/>
+              </a:lnSpc>
+              <a:spcBef>
+                <a:spcPts val="0"/>
+              </a:spcBef>
+              <a:spcAft>
+                <a:spcPts val="0"/>
+              </a:spcAft>
+              <a:buClrTx/>
+              <a:buSzTx/>
+              <a:buFontTx/>
+              <a:buNone/>
+              <a:tabLst/>
+              <a:defRPr/>
+            </a:pPr>
+            <a:r>
+              <a:rPr lang="nl-BE" dirty="0"/>
+              <a:t>Een digitaal signaal kent een beperkt aantal mogelijke waarden tussen het minimum en maximum signaal. Zo’n signaal kent een getrapt verloop. Hoe minder trappen er zijn, hoe minder zo’n signaal onderhevig is aan de invloeden van vervorming en verzwakking tijdens het verzenden ervan. De reconstructie van een digitaal signaal is dan ook betrekkelijk eenvoudig.</a:t>
+            </a:r>
+          </a:p>
+          <a:p>
+            <a:endParaRPr lang="LID4096" dirty="0"/>
+          </a:p>
+        </p:txBody>
+      </p:sp>
+      <p:sp>
+        <p:nvSpPr>
+          <p:cNvPr id="4" name="Slide Number Placeholder 3"/>
+          <p:cNvSpPr>
+            <a:spLocks noGrp="1"/>
+          </p:cNvSpPr>
+          <p:nvPr>
+            <p:ph type="sldNum" sz="quarter" idx="5"/>
+          </p:nvPr>
+        </p:nvSpPr>
+        <p:spPr/>
+        <p:txBody>
+          <a:bodyPr/>
+          <a:lstStyle/>
+          <a:p>
+            <a:fld id="{FD30C18C-AB1C-483C-BCB0-2CDFB8E5FF32}" type="slidenum">
+              <a:rPr lang="LID4096" smtClean="0"/>
+              <a:t>32</a:t>
+            </a:fld>
+            <a:endParaRPr lang="LID4096"/>
+          </a:p>
+        </p:txBody>
+      </p:sp>
+    </p:spTree>
+    <p:extLst>
+      <p:ext uri="{BB962C8B-B14F-4D97-AF65-F5344CB8AC3E}">
+        <p14:creationId xmlns:p14="http://schemas.microsoft.com/office/powerpoint/2010/main" val="2569687552"/>
+      </p:ext>
+    </p:extLst>
+  </p:cSld>
+  <p:clrMapOvr>
+    <a:masterClrMapping/>
+  </p:clrMapOvr>
+</p:notes>
+</file>
+
+<file path=ppt/notesSlides/notesSlide25.xml><?xml version="1.0" encoding="utf-8"?>
+<p:notes xmlns:a="http://schemas.openxmlformats.org/drawingml/2006/main" xmlns:r="http://schemas.openxmlformats.org/officeDocument/2006/relationships" xmlns:p="http://schemas.openxmlformats.org/presentationml/2006/main">
+  <p:cSld>
+    <p:spTree>
+      <p:nvGrpSpPr>
+        <p:cNvPr id="1" name=""/>
+        <p:cNvGrpSpPr/>
+        <p:nvPr/>
+      </p:nvGrpSpPr>
+      <p:grpSpPr>
+        <a:xfrm>
+          <a:off x="0" y="0"/>
+          <a:ext cx="0" cy="0"/>
+          <a:chOff x="0" y="0"/>
+          <a:chExt cx="0" cy="0"/>
+        </a:xfrm>
+      </p:grpSpPr>
+      <p:sp>
+        <p:nvSpPr>
+          <p:cNvPr id="2" name="Slide Image Placeholder 1"/>
+          <p:cNvSpPr>
+            <a:spLocks noGrp="1" noRot="1" noChangeAspect="1"/>
+          </p:cNvSpPr>
+          <p:nvPr>
+            <p:ph type="sldImg"/>
+          </p:nvPr>
+        </p:nvSpPr>
+        <p:spPr/>
+      </p:sp>
+      <p:sp>
+        <p:nvSpPr>
+          <p:cNvPr id="3" name="Notes Placeholder 2"/>
+          <p:cNvSpPr>
+            <a:spLocks noGrp="1"/>
+          </p:cNvSpPr>
+          <p:nvPr>
+            <p:ph type="body" idx="1"/>
+          </p:nvPr>
+        </p:nvSpPr>
+        <p:spPr/>
+        <p:txBody>
+          <a:bodyPr/>
+          <a:lstStyle/>
+          <a:p>
+            <a:pPr marL="0" marR="0" lvl="0" indent="0" algn="l" defTabSz="914400" rtl="0" eaLnBrk="1" fontAlgn="auto" latinLnBrk="0" hangingPunct="1">
+              <a:lnSpc>
+                <a:spcPct val="100000"/>
+              </a:lnSpc>
+              <a:spcBef>
+                <a:spcPts val="0"/>
+              </a:spcBef>
+              <a:spcAft>
+                <a:spcPts val="0"/>
+              </a:spcAft>
+              <a:buClrTx/>
+              <a:buSzTx/>
+              <a:buFontTx/>
+              <a:buNone/>
+              <a:tabLst/>
+              <a:defRPr/>
+            </a:pPr>
+            <a:r>
+              <a:rPr lang="nl-BE" dirty="0"/>
+              <a:t>De meeste digitale signalen kennen slechts twee niveaus: 1 en 0. Die worden dan binaire signalen genoemd. Ze zijn de signalen bij uitstek waarmee computers kunnen communiceren.</a:t>
+            </a:r>
+          </a:p>
+          <a:p>
+            <a:endParaRPr lang="LID4096" dirty="0"/>
+          </a:p>
+        </p:txBody>
+      </p:sp>
+      <p:sp>
+        <p:nvSpPr>
+          <p:cNvPr id="4" name="Slide Number Placeholder 3"/>
+          <p:cNvSpPr>
+            <a:spLocks noGrp="1"/>
+          </p:cNvSpPr>
+          <p:nvPr>
+            <p:ph type="sldNum" sz="quarter" idx="5"/>
+          </p:nvPr>
+        </p:nvSpPr>
+        <p:spPr/>
+        <p:txBody>
+          <a:bodyPr/>
+          <a:lstStyle/>
+          <a:p>
+            <a:fld id="{FD30C18C-AB1C-483C-BCB0-2CDFB8E5FF32}" type="slidenum">
+              <a:rPr lang="LID4096" smtClean="0"/>
+              <a:t>33</a:t>
+            </a:fld>
+            <a:endParaRPr lang="LID4096"/>
+          </a:p>
+        </p:txBody>
+      </p:sp>
+    </p:spTree>
+    <p:extLst>
+      <p:ext uri="{BB962C8B-B14F-4D97-AF65-F5344CB8AC3E}">
+        <p14:creationId xmlns:p14="http://schemas.microsoft.com/office/powerpoint/2010/main" val="1056347634"/>
+      </p:ext>
+    </p:extLst>
+  </p:cSld>
+  <p:clrMapOvr>
+    <a:masterClrMapping/>
+  </p:clrMapOvr>
+</p:notes>
+</file>
+
+<file path=ppt/notesSlides/notesSlide26.xml><?xml version="1.0" encoding="utf-8"?>
+<p:notes xmlns:a="http://schemas.openxmlformats.org/drawingml/2006/main" xmlns:r="http://schemas.openxmlformats.org/officeDocument/2006/relationships" xmlns:p="http://schemas.openxmlformats.org/presentationml/2006/main">
+  <p:cSld>
+    <p:spTree>
+      <p:nvGrpSpPr>
+        <p:cNvPr id="1" name=""/>
+        <p:cNvGrpSpPr/>
+        <p:nvPr/>
+      </p:nvGrpSpPr>
+      <p:grpSpPr>
+        <a:xfrm>
+          <a:off x="0" y="0"/>
+          <a:ext cx="0" cy="0"/>
+          <a:chOff x="0" y="0"/>
+          <a:chExt cx="0" cy="0"/>
+        </a:xfrm>
+      </p:grpSpPr>
+      <p:sp>
+        <p:nvSpPr>
+          <p:cNvPr id="2" name="Slide Image Placeholder 1"/>
+          <p:cNvSpPr>
+            <a:spLocks noGrp="1" noRot="1" noChangeAspect="1"/>
+          </p:cNvSpPr>
+          <p:nvPr>
+            <p:ph type="sldImg"/>
+          </p:nvPr>
+        </p:nvSpPr>
+        <p:spPr/>
+      </p:sp>
+      <p:sp>
+        <p:nvSpPr>
+          <p:cNvPr id="3" name="Notes Placeholder 2"/>
+          <p:cNvSpPr>
+            <a:spLocks noGrp="1"/>
+          </p:cNvSpPr>
+          <p:nvPr>
+            <p:ph type="body" idx="1"/>
+          </p:nvPr>
+        </p:nvSpPr>
+        <p:spPr/>
+        <p:txBody>
+          <a:bodyPr/>
+          <a:lstStyle/>
+          <a:p>
+            <a:pPr marL="0" marR="0" lvl="0" indent="0" algn="l" defTabSz="914400" rtl="0" eaLnBrk="1" fontAlgn="auto" latinLnBrk="0" hangingPunct="1">
+              <a:lnSpc>
+                <a:spcPct val="100000"/>
+              </a:lnSpc>
+              <a:spcBef>
+                <a:spcPts val="0"/>
+              </a:spcBef>
+              <a:spcAft>
+                <a:spcPts val="0"/>
+              </a:spcAft>
+              <a:buClrTx/>
+              <a:buSzTx/>
+              <a:buFontTx/>
+              <a:buNone/>
+              <a:tabLst/>
+              <a:defRPr/>
+            </a:pPr>
+            <a:r>
+              <a:rPr lang="nl-BE" dirty="0"/>
+              <a:t>Het omzetten van digitale signalen naar analoge signalen wordt moduleren genoemd; het omgekeerde heet demoduleren. Zo kan een analoog telefoonsignaal omgezet worden in een digitaal signaal van maximum 64 000 bits. Voor het moduleren en demoduleren van signalen wordt gebruik gemaakt van een modem – de naam van het toestel is trouwens van de begrippen moduleren en demoduleren afgeleid.</a:t>
+            </a:r>
+          </a:p>
+          <a:p>
+            <a:endParaRPr lang="LID4096" dirty="0"/>
+          </a:p>
+        </p:txBody>
+      </p:sp>
+      <p:sp>
+        <p:nvSpPr>
+          <p:cNvPr id="4" name="Slide Number Placeholder 3"/>
+          <p:cNvSpPr>
+            <a:spLocks noGrp="1"/>
+          </p:cNvSpPr>
+          <p:nvPr>
+            <p:ph type="sldNum" sz="quarter" idx="5"/>
+          </p:nvPr>
+        </p:nvSpPr>
+        <p:spPr/>
+        <p:txBody>
+          <a:bodyPr/>
+          <a:lstStyle/>
+          <a:p>
+            <a:fld id="{FD30C18C-AB1C-483C-BCB0-2CDFB8E5FF32}" type="slidenum">
+              <a:rPr lang="LID4096" smtClean="0"/>
+              <a:t>34</a:t>
+            </a:fld>
+            <a:endParaRPr lang="LID4096"/>
+          </a:p>
+        </p:txBody>
+      </p:sp>
+    </p:spTree>
+    <p:extLst>
+      <p:ext uri="{BB962C8B-B14F-4D97-AF65-F5344CB8AC3E}">
+        <p14:creationId xmlns:p14="http://schemas.microsoft.com/office/powerpoint/2010/main" val="4154365007"/>
+      </p:ext>
+    </p:extLst>
+  </p:cSld>
+  <p:clrMapOvr>
+    <a:masterClrMapping/>
+  </p:clrMapOvr>
+</p:notes>
+</file>
+
+<file path=ppt/notesSlides/notesSlide27.xml><?xml version="1.0" encoding="utf-8"?>
+<p:notes xmlns:a="http://schemas.openxmlformats.org/drawingml/2006/main" xmlns:r="http://schemas.openxmlformats.org/officeDocument/2006/relationships" xmlns:p="http://schemas.openxmlformats.org/presentationml/2006/main">
+  <p:cSld>
+    <p:spTree>
+      <p:nvGrpSpPr>
+        <p:cNvPr id="1" name=""/>
+        <p:cNvGrpSpPr/>
+        <p:nvPr/>
+      </p:nvGrpSpPr>
+      <p:grpSpPr>
+        <a:xfrm>
+          <a:off x="0" y="0"/>
+          <a:ext cx="0" cy="0"/>
+          <a:chOff x="0" y="0"/>
+          <a:chExt cx="0" cy="0"/>
+        </a:xfrm>
+      </p:grpSpPr>
+      <p:sp>
+        <p:nvSpPr>
+          <p:cNvPr id="2" name="Slide Image Placeholder 1"/>
+          <p:cNvSpPr>
+            <a:spLocks noGrp="1" noRot="1" noChangeAspect="1"/>
+          </p:cNvSpPr>
+          <p:nvPr>
+            <p:ph type="sldImg"/>
+          </p:nvPr>
+        </p:nvSpPr>
+        <p:spPr/>
+      </p:sp>
+      <p:sp>
+        <p:nvSpPr>
+          <p:cNvPr id="3" name="Notes Placeholder 2"/>
+          <p:cNvSpPr>
+            <a:spLocks noGrp="1"/>
+          </p:cNvSpPr>
+          <p:nvPr>
+            <p:ph type="body" idx="1"/>
+          </p:nvPr>
+        </p:nvSpPr>
+        <p:spPr/>
+        <p:txBody>
+          <a:bodyPr/>
+          <a:lstStyle/>
+          <a:p>
+            <a:endParaRPr lang="LID4096" dirty="0"/>
+          </a:p>
+        </p:txBody>
+      </p:sp>
+      <p:sp>
+        <p:nvSpPr>
+          <p:cNvPr id="4" name="Slide Number Placeholder 3"/>
+          <p:cNvSpPr>
+            <a:spLocks noGrp="1"/>
+          </p:cNvSpPr>
+          <p:nvPr>
+            <p:ph type="sldNum" sz="quarter" idx="5"/>
+          </p:nvPr>
+        </p:nvSpPr>
+        <p:spPr/>
+        <p:txBody>
+          <a:bodyPr/>
+          <a:lstStyle/>
+          <a:p>
+            <a:fld id="{FD30C18C-AB1C-483C-BCB0-2CDFB8E5FF32}" type="slidenum">
+              <a:rPr lang="LID4096" smtClean="0"/>
+              <a:t>35</a:t>
+            </a:fld>
+            <a:endParaRPr lang="LID4096"/>
+          </a:p>
+        </p:txBody>
+      </p:sp>
+    </p:spTree>
+    <p:extLst>
+      <p:ext uri="{BB962C8B-B14F-4D97-AF65-F5344CB8AC3E}">
+        <p14:creationId xmlns:p14="http://schemas.microsoft.com/office/powerpoint/2010/main" val="425858132"/>
+      </p:ext>
+    </p:extLst>
+  </p:cSld>
+  <p:clrMapOvr>
+    <a:masterClrMapping/>
+  </p:clrMapOvr>
+</p:notes>
+</file>
+
+<file path=ppt/notesSlides/notesSlide28.xml><?xml version="1.0" encoding="utf-8"?>
+<p:notes xmlns:a="http://schemas.openxmlformats.org/drawingml/2006/main" xmlns:r="http://schemas.openxmlformats.org/officeDocument/2006/relationships" xmlns:p="http://schemas.openxmlformats.org/presentationml/2006/main">
+  <p:cSld>
+    <p:spTree>
+      <p:nvGrpSpPr>
+        <p:cNvPr id="1" name=""/>
+        <p:cNvGrpSpPr/>
+        <p:nvPr/>
+      </p:nvGrpSpPr>
+      <p:grpSpPr>
+        <a:xfrm>
+          <a:off x="0" y="0"/>
+          <a:ext cx="0" cy="0"/>
+          <a:chOff x="0" y="0"/>
+          <a:chExt cx="0" cy="0"/>
+        </a:xfrm>
+      </p:grpSpPr>
+      <p:sp>
+        <p:nvSpPr>
+          <p:cNvPr id="2" name="Slide Image Placeholder 1"/>
+          <p:cNvSpPr>
+            <a:spLocks noGrp="1" noRot="1" noChangeAspect="1"/>
+          </p:cNvSpPr>
+          <p:nvPr>
+            <p:ph type="sldImg"/>
+          </p:nvPr>
+        </p:nvSpPr>
+        <p:spPr/>
+      </p:sp>
+      <p:sp>
+        <p:nvSpPr>
+          <p:cNvPr id="3" name="Notes Placeholder 2"/>
+          <p:cNvSpPr>
+            <a:spLocks noGrp="1"/>
+          </p:cNvSpPr>
+          <p:nvPr>
+            <p:ph type="body" idx="1"/>
+          </p:nvPr>
+        </p:nvSpPr>
+        <p:spPr/>
+        <p:txBody>
+          <a:bodyPr/>
+          <a:lstStyle/>
+          <a:p>
+            <a:pPr marL="0" marR="0" lvl="0" indent="0" algn="l" defTabSz="914400" rtl="0" eaLnBrk="1" fontAlgn="auto" latinLnBrk="0" hangingPunct="1">
+              <a:lnSpc>
+                <a:spcPct val="100000"/>
+              </a:lnSpc>
+              <a:spcBef>
+                <a:spcPts val="0"/>
+              </a:spcBef>
+              <a:spcAft>
+                <a:spcPts val="0"/>
+              </a:spcAft>
+              <a:buClrTx/>
+              <a:buSzTx/>
+              <a:buFontTx/>
+              <a:buNone/>
+              <a:tabLst/>
+              <a:defRPr/>
+            </a:pPr>
+            <a:r>
+              <a:rPr lang="nl-BE" dirty="0"/>
+              <a:t>Een te verzenden bitreeks van een aantal bits wordt een blok genoemd. Bij parallelle gegevensoverdracht worden de bits aan de zenderkant van de communicatielijn klaargezet. De zender verstuurt nu een request-signaal (REQ) naar de ontvanger, om aan te geven dat de bits klaar staan om verzonden te worden. De ontvanger zal een acknowledge-signaal (ACK) terugsturen om aan te geven dat de gegevens binnengekomen zijn en dat de ontvanger klaar is om een volgend block te ontvangen. Dat is het handshake-mechanisme.</a:t>
+            </a:r>
+          </a:p>
+          <a:p>
+            <a:endParaRPr lang="LID4096" dirty="0"/>
+          </a:p>
+        </p:txBody>
+      </p:sp>
+      <p:sp>
+        <p:nvSpPr>
+          <p:cNvPr id="4" name="Slide Number Placeholder 3"/>
+          <p:cNvSpPr>
+            <a:spLocks noGrp="1"/>
+          </p:cNvSpPr>
+          <p:nvPr>
+            <p:ph type="sldNum" sz="quarter" idx="5"/>
+          </p:nvPr>
+        </p:nvSpPr>
+        <p:spPr/>
+        <p:txBody>
+          <a:bodyPr/>
+          <a:lstStyle/>
+          <a:p>
+            <a:fld id="{FD30C18C-AB1C-483C-BCB0-2CDFB8E5FF32}" type="slidenum">
+              <a:rPr lang="LID4096" smtClean="0"/>
+              <a:t>39</a:t>
+            </a:fld>
+            <a:endParaRPr lang="LID4096"/>
+          </a:p>
+        </p:txBody>
+      </p:sp>
+    </p:spTree>
+    <p:extLst>
+      <p:ext uri="{BB962C8B-B14F-4D97-AF65-F5344CB8AC3E}">
+        <p14:creationId xmlns:p14="http://schemas.microsoft.com/office/powerpoint/2010/main" val="946102310"/>
+      </p:ext>
+    </p:extLst>
+  </p:cSld>
+  <p:clrMapOvr>
+    <a:masterClrMapping/>
+  </p:clrMapOvr>
+</p:notes>
+</file>
+
+<file path=ppt/notesSlides/notesSlide29.xml><?xml version="1.0" encoding="utf-8"?>
+<p:notes xmlns:a="http://schemas.openxmlformats.org/drawingml/2006/main" xmlns:r="http://schemas.openxmlformats.org/officeDocument/2006/relationships" xmlns:p="http://schemas.openxmlformats.org/presentationml/2006/main">
+  <p:cSld>
+    <p:spTree>
+      <p:nvGrpSpPr>
+        <p:cNvPr id="1" name=""/>
+        <p:cNvGrpSpPr/>
+        <p:nvPr/>
+      </p:nvGrpSpPr>
+      <p:grpSpPr>
+        <a:xfrm>
+          <a:off x="0" y="0"/>
+          <a:ext cx="0" cy="0"/>
+          <a:chOff x="0" y="0"/>
+          <a:chExt cx="0" cy="0"/>
+        </a:xfrm>
+      </p:grpSpPr>
+      <p:sp>
+        <p:nvSpPr>
+          <p:cNvPr id="2" name="Slide Image Placeholder 1"/>
+          <p:cNvSpPr>
+            <a:spLocks noGrp="1" noRot="1" noChangeAspect="1"/>
+          </p:cNvSpPr>
+          <p:nvPr>
+            <p:ph type="sldImg"/>
+          </p:nvPr>
+        </p:nvSpPr>
+        <p:spPr/>
+      </p:sp>
+      <p:sp>
+        <p:nvSpPr>
+          <p:cNvPr id="3" name="Notes Placeholder 2"/>
+          <p:cNvSpPr>
+            <a:spLocks noGrp="1"/>
+          </p:cNvSpPr>
+          <p:nvPr>
+            <p:ph type="body" idx="1"/>
+          </p:nvPr>
+        </p:nvSpPr>
+        <p:spPr/>
+        <p:txBody>
+          <a:bodyPr/>
+          <a:lstStyle/>
+          <a:p>
+            <a:pPr marL="0" marR="0" lvl="0" indent="0" algn="l" defTabSz="914400" rtl="0" eaLnBrk="1" fontAlgn="auto" latinLnBrk="0" hangingPunct="1">
+              <a:lnSpc>
+                <a:spcPct val="100000"/>
+              </a:lnSpc>
+              <a:spcBef>
+                <a:spcPts val="0"/>
+              </a:spcBef>
+              <a:spcAft>
+                <a:spcPts val="0"/>
+              </a:spcAft>
+              <a:buClrTx/>
+              <a:buSzTx/>
+              <a:buFontTx/>
+              <a:buNone/>
+              <a:tabLst/>
+              <a:defRPr/>
+            </a:pPr>
+            <a:r>
+              <a:rPr lang="nl-BE" dirty="0"/>
+              <a:t>Voor parallelle gegevensoverdracht heb je in de kabel voor elke tegelijk te versturen bit een draad nodig. Bovendien zijn er nog enkele bijkomende draden nodig voor de besturingssignalen REQ en ACK, en voor andere besturingssignalen tussen zender en ontvanger.</a:t>
+            </a:r>
+          </a:p>
+          <a:p>
+            <a:endParaRPr lang="LID4096" dirty="0"/>
+          </a:p>
+        </p:txBody>
+      </p:sp>
+      <p:sp>
+        <p:nvSpPr>
+          <p:cNvPr id="4" name="Slide Number Placeholder 3"/>
+          <p:cNvSpPr>
+            <a:spLocks noGrp="1"/>
+          </p:cNvSpPr>
+          <p:nvPr>
+            <p:ph type="sldNum" sz="quarter" idx="5"/>
+          </p:nvPr>
+        </p:nvSpPr>
+        <p:spPr/>
+        <p:txBody>
+          <a:bodyPr/>
+          <a:lstStyle/>
+          <a:p>
+            <a:fld id="{FD30C18C-AB1C-483C-BCB0-2CDFB8E5FF32}" type="slidenum">
+              <a:rPr lang="LID4096" smtClean="0"/>
+              <a:t>40</a:t>
+            </a:fld>
+            <a:endParaRPr lang="LID4096"/>
+          </a:p>
+        </p:txBody>
+      </p:sp>
+    </p:spTree>
+    <p:extLst>
+      <p:ext uri="{BB962C8B-B14F-4D97-AF65-F5344CB8AC3E}">
+        <p14:creationId xmlns:p14="http://schemas.microsoft.com/office/powerpoint/2010/main" val="2175933611"/>
+      </p:ext>
+    </p:extLst>
+  </p:cSld>
+  <p:clrMapOvr>
+    <a:masterClrMapping/>
+  </p:clrMapOvr>
+</p:notes>
+</file>
+
+<file path=ppt/notesSlides/notesSlide3.xml><?xml version="1.0" encoding="utf-8"?>
+<p:notes xmlns:a="http://schemas.openxmlformats.org/drawingml/2006/main" xmlns:r="http://schemas.openxmlformats.org/officeDocument/2006/relationships" xmlns:p="http://schemas.openxmlformats.org/presentationml/2006/main">
+  <p:cSld>
+    <p:spTree>
+      <p:nvGrpSpPr>
+        <p:cNvPr id="1" name=""/>
+        <p:cNvGrpSpPr/>
+        <p:nvPr/>
+      </p:nvGrpSpPr>
+      <p:grpSpPr>
+        <a:xfrm>
+          <a:off x="0" y="0"/>
+          <a:ext cx="0" cy="0"/>
+          <a:chOff x="0" y="0"/>
+          <a:chExt cx="0" cy="0"/>
+        </a:xfrm>
+      </p:grpSpPr>
+      <p:sp>
+        <p:nvSpPr>
+          <p:cNvPr id="2" name="Slide Image Placeholder 1"/>
+          <p:cNvSpPr>
+            <a:spLocks noGrp="1" noRot="1" noChangeAspect="1"/>
+          </p:cNvSpPr>
+          <p:nvPr>
+            <p:ph type="sldImg"/>
+          </p:nvPr>
+        </p:nvSpPr>
+        <p:spPr/>
+      </p:sp>
+      <p:sp>
+        <p:nvSpPr>
+          <p:cNvPr id="3" name="Notes Placeholder 2"/>
+          <p:cNvSpPr>
+            <a:spLocks noGrp="1"/>
+          </p:cNvSpPr>
+          <p:nvPr>
+            <p:ph type="body" idx="1"/>
+          </p:nvPr>
+        </p:nvSpPr>
+        <p:spPr/>
+        <p:txBody>
+          <a:bodyPr/>
+          <a:lstStyle/>
+          <a:p>
+            <a:r>
+              <a:rPr lang="nl-BE" dirty="0"/>
+              <a:t>Wanneer er slechts communicatie mogelijk is in één richting, spreken we van simplex communicatie. </a:t>
+            </a:r>
+          </a:p>
+          <a:p>
+            <a:endParaRPr lang="nl-BE" dirty="0"/>
+          </a:p>
+          <a:p>
+            <a:endParaRPr lang="LID4096" dirty="0"/>
+          </a:p>
+        </p:txBody>
+      </p:sp>
+      <p:sp>
+        <p:nvSpPr>
+          <p:cNvPr id="4" name="Slide Number Placeholder 3"/>
+          <p:cNvSpPr>
+            <a:spLocks noGrp="1"/>
+          </p:cNvSpPr>
+          <p:nvPr>
+            <p:ph type="sldNum" sz="quarter" idx="5"/>
+          </p:nvPr>
+        </p:nvSpPr>
+        <p:spPr/>
+        <p:txBody>
+          <a:bodyPr/>
+          <a:lstStyle/>
+          <a:p>
+            <a:fld id="{FD30C18C-AB1C-483C-BCB0-2CDFB8E5FF32}" type="slidenum">
+              <a:rPr lang="LID4096" smtClean="0"/>
+              <a:t>7</a:t>
+            </a:fld>
+            <a:endParaRPr lang="LID4096"/>
+          </a:p>
+        </p:txBody>
+      </p:sp>
+    </p:spTree>
+    <p:extLst>
+      <p:ext uri="{BB962C8B-B14F-4D97-AF65-F5344CB8AC3E}">
+        <p14:creationId xmlns:p14="http://schemas.microsoft.com/office/powerpoint/2010/main" val="3064558216"/>
+      </p:ext>
+    </p:extLst>
+  </p:cSld>
+  <p:clrMapOvr>
+    <a:masterClrMapping/>
+  </p:clrMapOvr>
+</p:notes>
+</file>
+
+<file path=ppt/notesSlides/notesSlide30.xml><?xml version="1.0" encoding="utf-8"?>
+<p:notes xmlns:a="http://schemas.openxmlformats.org/drawingml/2006/main" xmlns:r="http://schemas.openxmlformats.org/officeDocument/2006/relationships" xmlns:p="http://schemas.openxmlformats.org/presentationml/2006/main">
+  <p:cSld>
+    <p:spTree>
+      <p:nvGrpSpPr>
+        <p:cNvPr id="1" name=""/>
+        <p:cNvGrpSpPr/>
+        <p:nvPr/>
+      </p:nvGrpSpPr>
+      <p:grpSpPr>
+        <a:xfrm>
+          <a:off x="0" y="0"/>
+          <a:ext cx="0" cy="0"/>
+          <a:chOff x="0" y="0"/>
+          <a:chExt cx="0" cy="0"/>
+        </a:xfrm>
+      </p:grpSpPr>
+      <p:sp>
+        <p:nvSpPr>
+          <p:cNvPr id="2" name="Slide Image Placeholder 1"/>
+          <p:cNvSpPr>
+            <a:spLocks noGrp="1" noRot="1" noChangeAspect="1"/>
+          </p:cNvSpPr>
+          <p:nvPr>
+            <p:ph type="sldImg"/>
+          </p:nvPr>
+        </p:nvSpPr>
+        <p:spPr/>
+      </p:sp>
+      <p:sp>
+        <p:nvSpPr>
+          <p:cNvPr id="3" name="Notes Placeholder 2"/>
+          <p:cNvSpPr>
+            <a:spLocks noGrp="1"/>
+          </p:cNvSpPr>
+          <p:nvPr>
+            <p:ph type="body" idx="1"/>
+          </p:nvPr>
+        </p:nvSpPr>
+        <p:spPr/>
+        <p:txBody>
+          <a:bodyPr/>
+          <a:lstStyle/>
+          <a:p>
+            <a:pPr marL="0" marR="0" lvl="0" indent="0" algn="l" defTabSz="914400" rtl="0" eaLnBrk="1" fontAlgn="auto" latinLnBrk="0" hangingPunct="1">
+              <a:lnSpc>
+                <a:spcPct val="100000"/>
+              </a:lnSpc>
+              <a:spcBef>
+                <a:spcPts val="0"/>
+              </a:spcBef>
+              <a:spcAft>
+                <a:spcPts val="0"/>
+              </a:spcAft>
+              <a:buClrTx/>
+              <a:buSzTx/>
+              <a:buFontTx/>
+              <a:buNone/>
+              <a:tabLst/>
+              <a:defRPr/>
+            </a:pPr>
+            <a:r>
+              <a:rPr lang="nl-BE" dirty="0"/>
+              <a:t>Bij seriële gegevensoverdracht worden de bits een na een verzonden over één enkele lijn. Parallelle signalen van het bussysteem op het moederbord moeten daarvoor omgezet worden naar een serieel signaal. Die omzetting gebeurt door de DCC (data communications controller), een chip die deel uitmaakt van de chipset op het moederbord.</a:t>
+            </a:r>
+          </a:p>
+          <a:p>
+            <a:pPr marL="0" marR="0" lvl="0" indent="0" algn="l" defTabSz="914400" rtl="0" eaLnBrk="1" fontAlgn="auto" latinLnBrk="0" hangingPunct="1">
+              <a:lnSpc>
+                <a:spcPct val="100000"/>
+              </a:lnSpc>
+              <a:spcBef>
+                <a:spcPts val="0"/>
+              </a:spcBef>
+              <a:spcAft>
+                <a:spcPts val="0"/>
+              </a:spcAft>
+              <a:buClrTx/>
+              <a:buSzTx/>
+              <a:buFontTx/>
+              <a:buNone/>
+              <a:tabLst/>
+              <a:defRPr/>
+            </a:pPr>
+            <a:endParaRPr lang="nl-BE" dirty="0"/>
+          </a:p>
+          <a:p>
+            <a:r>
+              <a:rPr lang="nl-BE" dirty="0"/>
+              <a:t>De ontvanger moet weten waar een teken begint en waar het eindigt. Daarom wordt er aan elk gegeven een afzonderlijk stukje kop- en staartinformatie (de start- en stopbit) toegevoegd. Bovendien wordt nog een pariteitsbit meegestuurd waardoor kan nagegaan worden of het karakter correct werd ontvangen. De zender moet aan de ontvanger vooraf wel duidelijk maken hoeveel bits één teken precies telt, anders weet de ontvanger niet welke de start- en stopbits zijn. Ook de snelheid van de gegevensoverdracht moet op elkaar worden afgestemd. Als de zender de gegevens bijvoorbeeld aan 1200 bps zou verzenden maar de ontvanger zou ze slechts aan 300 bps ontvangen, dan gaat drie vierde van de informatie verloren.</a:t>
+            </a:r>
+          </a:p>
+          <a:p>
+            <a:endParaRPr lang="nl-BE" dirty="0"/>
+          </a:p>
+          <a:p>
+            <a:r>
+              <a:rPr lang="nl-BE" dirty="0"/>
+              <a:t>Deze werkwijze wordt asynchrone seriële gegevensoverdracht genoemd en is fel verouderd, omdat ze weinig efficiënt is. Omdat elk teken van 8 bits (voorheen was een teken zelfs slechts 7 bits) moet voorzien worden van start-, stop- en pariteitsbits, is er behoorlijk wat overhead-informatie die verstuurd wordt: informatie die enkel dient om de communicatie in stand te houden, maar geen inhoudelijke gegevens bevat. Bovendien vormt het synchroniseren van snelheid van de gegevensoverdracht ook een probleem op iets uitgebreidere netwerken. Kortom: erg praktisch is deze manier van werken niet.</a:t>
+            </a:r>
+          </a:p>
+          <a:p>
+            <a:pPr marL="0" marR="0" lvl="0" indent="0" algn="l" defTabSz="914400" rtl="0" eaLnBrk="1" fontAlgn="auto" latinLnBrk="0" hangingPunct="1">
+              <a:lnSpc>
+                <a:spcPct val="100000"/>
+              </a:lnSpc>
+              <a:spcBef>
+                <a:spcPts val="0"/>
+              </a:spcBef>
+              <a:spcAft>
+                <a:spcPts val="0"/>
+              </a:spcAft>
+              <a:buClrTx/>
+              <a:buSzTx/>
+              <a:buFontTx/>
+              <a:buNone/>
+              <a:tabLst/>
+              <a:defRPr/>
+            </a:pPr>
+            <a:endParaRPr lang="nl-BE" dirty="0"/>
+          </a:p>
+          <a:p>
+            <a:pPr marL="0" marR="0" lvl="0" indent="0" algn="l" defTabSz="914400" rtl="0" eaLnBrk="1" fontAlgn="auto" latinLnBrk="0" hangingPunct="1">
+              <a:lnSpc>
+                <a:spcPct val="100000"/>
+              </a:lnSpc>
+              <a:spcBef>
+                <a:spcPts val="0"/>
+              </a:spcBef>
+              <a:spcAft>
+                <a:spcPts val="0"/>
+              </a:spcAft>
+              <a:buClrTx/>
+              <a:buSzTx/>
+              <a:buFontTx/>
+              <a:buNone/>
+              <a:tabLst/>
+              <a:defRPr/>
+            </a:pPr>
+            <a:r>
+              <a:rPr lang="nl-BE" dirty="0"/>
+              <a:t>Bij synchrone seriële gegevensoverdracht worden gegevens in grotere blokken verstuurd. Enkel het blok in z’n geheel krijgt de kop- en staartinformatie mee. De zender stuurt een kloksignaal mee, waarmee de communicatie gesynchroniseerd wordt. De kans op foute gegevensoverdracht is veel kleiner dan bij asynchrone communicatie en daarom wordt deze manier van gegevensoverdracht toegepast bij netwerken.</a:t>
+            </a:r>
+          </a:p>
+          <a:p>
+            <a:pPr marL="0" marR="0" lvl="0" indent="0" algn="l" defTabSz="914400" rtl="0" eaLnBrk="1" fontAlgn="auto" latinLnBrk="0" hangingPunct="1">
+              <a:lnSpc>
+                <a:spcPct val="100000"/>
+              </a:lnSpc>
+              <a:spcBef>
+                <a:spcPts val="0"/>
+              </a:spcBef>
+              <a:spcAft>
+                <a:spcPts val="0"/>
+              </a:spcAft>
+              <a:buClrTx/>
+              <a:buSzTx/>
+              <a:buFontTx/>
+              <a:buNone/>
+              <a:tabLst/>
+              <a:defRPr/>
+            </a:pPr>
+            <a:endParaRPr lang="nl-BE" dirty="0"/>
+          </a:p>
+          <a:p>
+            <a:endParaRPr lang="LID4096" dirty="0"/>
+          </a:p>
+          <a:p>
+            <a:endParaRPr lang="LID4096" dirty="0"/>
+          </a:p>
+        </p:txBody>
+      </p:sp>
+      <p:sp>
+        <p:nvSpPr>
+          <p:cNvPr id="4" name="Slide Number Placeholder 3"/>
+          <p:cNvSpPr>
+            <a:spLocks noGrp="1"/>
+          </p:cNvSpPr>
+          <p:nvPr>
+            <p:ph type="sldNum" sz="quarter" idx="5"/>
+          </p:nvPr>
+        </p:nvSpPr>
+        <p:spPr/>
+        <p:txBody>
+          <a:bodyPr/>
+          <a:lstStyle/>
+          <a:p>
+            <a:fld id="{FD30C18C-AB1C-483C-BCB0-2CDFB8E5FF32}" type="slidenum">
+              <a:rPr lang="LID4096" smtClean="0"/>
+              <a:t>41</a:t>
+            </a:fld>
+            <a:endParaRPr lang="LID4096"/>
+          </a:p>
+        </p:txBody>
+      </p:sp>
+    </p:spTree>
+    <p:extLst>
+      <p:ext uri="{BB962C8B-B14F-4D97-AF65-F5344CB8AC3E}">
+        <p14:creationId xmlns:p14="http://schemas.microsoft.com/office/powerpoint/2010/main" val="1524391058"/>
+      </p:ext>
+    </p:extLst>
+  </p:cSld>
+  <p:clrMapOvr>
+    <a:masterClrMapping/>
+  </p:clrMapOvr>
+</p:notes>
+</file>
+
+<file path=ppt/notesSlides/notesSlide31.xml><?xml version="1.0" encoding="utf-8"?>
+<p:notes xmlns:a="http://schemas.openxmlformats.org/drawingml/2006/main" xmlns:r="http://schemas.openxmlformats.org/officeDocument/2006/relationships" xmlns:p="http://schemas.openxmlformats.org/presentationml/2006/main">
+  <p:cSld>
+    <p:spTree>
+      <p:nvGrpSpPr>
+        <p:cNvPr id="1" name=""/>
+        <p:cNvGrpSpPr/>
+        <p:nvPr/>
+      </p:nvGrpSpPr>
+      <p:grpSpPr>
+        <a:xfrm>
+          <a:off x="0" y="0"/>
+          <a:ext cx="0" cy="0"/>
+          <a:chOff x="0" y="0"/>
+          <a:chExt cx="0" cy="0"/>
+        </a:xfrm>
+      </p:grpSpPr>
+      <p:sp>
+        <p:nvSpPr>
+          <p:cNvPr id="2" name="Slide Image Placeholder 1"/>
+          <p:cNvSpPr>
+            <a:spLocks noGrp="1" noRot="1" noChangeAspect="1"/>
+          </p:cNvSpPr>
+          <p:nvPr>
+            <p:ph type="sldImg"/>
+          </p:nvPr>
+        </p:nvSpPr>
+        <p:spPr/>
+      </p:sp>
+      <p:sp>
+        <p:nvSpPr>
+          <p:cNvPr id="3" name="Notes Placeholder 2"/>
+          <p:cNvSpPr>
+            <a:spLocks noGrp="1"/>
+          </p:cNvSpPr>
+          <p:nvPr>
+            <p:ph type="body" idx="1"/>
+          </p:nvPr>
+        </p:nvSpPr>
+        <p:spPr/>
+        <p:txBody>
+          <a:bodyPr/>
+          <a:lstStyle/>
+          <a:p>
+            <a:r>
+              <a:rPr lang="en-US" dirty="0"/>
+              <a:t>Time out: </a:t>
+            </a:r>
+            <a:r>
+              <a:rPr lang="en-US" dirty="0" err="1"/>
+              <a:t>wanneer</a:t>
+            </a:r>
+            <a:r>
+              <a:rPr lang="en-US" dirty="0"/>
+              <a:t> even </a:t>
+            </a:r>
+            <a:r>
+              <a:rPr lang="en-US" dirty="0" err="1"/>
+              <a:t>geen</a:t>
+            </a:r>
+            <a:r>
+              <a:rPr lang="en-US" dirty="0"/>
+              <a:t> data </a:t>
+            </a:r>
+            <a:r>
+              <a:rPr lang="en-US" dirty="0" err="1"/>
+              <a:t>binnenkomt</a:t>
+            </a:r>
+            <a:r>
+              <a:rPr lang="en-US" dirty="0"/>
+              <a:t> is het </a:t>
+            </a:r>
+            <a:r>
+              <a:rPr lang="en-US" dirty="0" err="1"/>
+              <a:t>gedaan</a:t>
+            </a:r>
+            <a:endParaRPr lang="en-US" dirty="0"/>
+          </a:p>
+          <a:p>
+            <a:r>
+              <a:rPr lang="en-US" dirty="0"/>
+              <a:t>Byte-count: op </a:t>
+            </a:r>
+            <a:r>
+              <a:rPr lang="en-US" dirty="0" err="1"/>
+              <a:t>voorhand</a:t>
+            </a:r>
+            <a:r>
+              <a:rPr lang="en-US" dirty="0"/>
+              <a:t> </a:t>
+            </a:r>
+            <a:r>
+              <a:rPr lang="en-US" dirty="0" err="1"/>
+              <a:t>doorgegeven</a:t>
+            </a:r>
+            <a:r>
+              <a:rPr lang="en-US" dirty="0"/>
+              <a:t> </a:t>
+            </a:r>
+            <a:r>
+              <a:rPr lang="en-US" dirty="0" err="1"/>
+              <a:t>hoeveel</a:t>
+            </a:r>
+            <a:r>
+              <a:rPr lang="en-US" dirty="0"/>
+              <a:t> bytes er </a:t>
+            </a:r>
+            <a:r>
+              <a:rPr lang="en-US" dirty="0" err="1"/>
+              <a:t>toekomen</a:t>
+            </a:r>
+            <a:endParaRPr lang="en-US" dirty="0"/>
+          </a:p>
+          <a:p>
+            <a:r>
+              <a:rPr lang="en-US" dirty="0"/>
+              <a:t>End-of-message: </a:t>
+            </a:r>
+            <a:r>
+              <a:rPr lang="en-US" dirty="0" err="1"/>
+              <a:t>een</a:t>
+            </a:r>
+            <a:r>
+              <a:rPr lang="en-US" dirty="0"/>
+              <a:t> </a:t>
+            </a:r>
+            <a:r>
+              <a:rPr lang="en-US" dirty="0" err="1"/>
+              <a:t>afge</a:t>
+            </a:r>
+            <a:endParaRPr lang="en-US" dirty="0"/>
+          </a:p>
+          <a:p>
+            <a:endParaRPr lang="en-US" dirty="0"/>
+          </a:p>
+          <a:p>
+            <a:r>
+              <a:rPr lang="nl-BE" dirty="0"/>
+              <a:t>Tussen zender en ontvanger moet een afspraak worden gemaakt op welke manier de ontvanger kan weten dat het verzenden van de informatie beëindigd is. Daarvoor bestaan 3 methodes.</a:t>
+            </a:r>
+          </a:p>
+          <a:p>
+            <a:endParaRPr lang="nl-BE" dirty="0"/>
+          </a:p>
+          <a:p>
+            <a:r>
+              <a:rPr lang="nl-BE" dirty="0">
+                <a:sym typeface="Wingdings" panose="05000000000000000000" pitchFamily="2" charset="2"/>
+              </a:rPr>
+              <a:t> </a:t>
+            </a:r>
+            <a:r>
+              <a:rPr lang="nl-BE" dirty="0"/>
+              <a:t>Wanneer er gedurende een vooraf vastgelegde tijd geen informatie meer wordt doorgegeven, wordt aangenomen dat het verzenden van de boodschap beëindigd is. Dit is de time-out methode en is bij moderne netwerken weinig betrouwbaar, omdat de kleinste onderbreking de communicatie ongewild kan doen mislukken. In druk gebruikte netwerken komen zulke kleine onderbrekingen voortdurend voor.</a:t>
+            </a:r>
+          </a:p>
+          <a:p>
+            <a:endParaRPr lang="nl-BE" dirty="0"/>
+          </a:p>
+          <a:p>
+            <a:r>
+              <a:rPr lang="nl-BE" dirty="0"/>
+              <a:t>Bij de byte-count methode geeft de zender bij aanvang van de communicatie aan de ontvanger het aantal bytes van het bericht door. De ontvanger telt het aantal ontvangen bytes. Wanneer het aantal bytes bereikt is, wordt het bericht als beëindigd beschouwd. Ook deze methode is echter storingsgevoelig en daarom niet betrouwbaar bij moderne netwerken. Indien een storing op het netwerk enkele bits doet verloren gaan aan de communicatie, klopt het aantal opgegeven bytes niet meer en wordt de verbinding ofwel vroegtijdig ofwel niet correct stopgezet.</a:t>
+            </a:r>
+          </a:p>
+          <a:p>
+            <a:endParaRPr lang="nl-BE" dirty="0"/>
+          </a:p>
+          <a:p>
+            <a:r>
+              <a:rPr lang="nl-BE" dirty="0"/>
+              <a:t>Als er vooraf een bepaalde bitcode wordt afgesproken, die aangeeft dat het bericht ten einde is, spreken we van de end-of-messageteken methode. De zender geeft als laatste teken die afgesproken bitcode door, zodat de ontvanger weet dat het bericht beëindigd is. Deze methode is de zekerste, maar kent toch één zwakte: als door storingen op het netwerk de bitcode die het einde van het bericht markeert zou gewijzigd worden, kan er een beslissingsprobleem optreden over het beëindigen van de communicatie. Om dit te vermijden wordt deze bitcode mee opgenomen in de pariteitscontrole van het bericht. Als er dan onderweg iets misloopt, kan de ontvanger de verzender indien nodig vragen om het bericht opnieuw te verzenden.</a:t>
+            </a:r>
+          </a:p>
+          <a:p>
+            <a:endParaRPr lang="nl-BE" dirty="0"/>
+          </a:p>
+          <a:p>
+            <a:r>
+              <a:rPr lang="en-US" dirty="0" err="1"/>
+              <a:t>sproken</a:t>
+            </a:r>
+            <a:r>
+              <a:rPr lang="en-US" dirty="0"/>
+              <a:t> </a:t>
+            </a:r>
+            <a:r>
+              <a:rPr lang="en-US" dirty="0" err="1"/>
+              <a:t>bytecompositie</a:t>
+            </a:r>
+            <a:r>
+              <a:rPr lang="en-US" dirty="0"/>
+              <a:t> op het </a:t>
+            </a:r>
+            <a:r>
+              <a:rPr lang="en-US" dirty="0" err="1"/>
+              <a:t>einde</a:t>
+            </a:r>
+            <a:r>
+              <a:rPr lang="en-US" dirty="0"/>
+              <a:t> van de </a:t>
+            </a:r>
+            <a:r>
+              <a:rPr lang="en-US" dirty="0" err="1"/>
+              <a:t>transmissie</a:t>
+            </a:r>
+            <a:endParaRPr lang="LID4096" dirty="0"/>
+          </a:p>
+        </p:txBody>
+      </p:sp>
+      <p:sp>
+        <p:nvSpPr>
+          <p:cNvPr id="4" name="Slide Number Placeholder 3"/>
+          <p:cNvSpPr>
+            <a:spLocks noGrp="1"/>
+          </p:cNvSpPr>
+          <p:nvPr>
+            <p:ph type="sldNum" sz="quarter" idx="5"/>
+          </p:nvPr>
+        </p:nvSpPr>
+        <p:spPr/>
+        <p:txBody>
+          <a:bodyPr/>
+          <a:lstStyle/>
+          <a:p>
+            <a:fld id="{FD30C18C-AB1C-483C-BCB0-2CDFB8E5FF32}" type="slidenum">
+              <a:rPr lang="LID4096" smtClean="0"/>
+              <a:t>42</a:t>
             </a:fld>
             <a:endParaRPr lang="LID4096"/>
           </a:p>
@@ -6805,6 +9533,1297 @@
     <p:extLst>
       <p:ext uri="{BB962C8B-B14F-4D97-AF65-F5344CB8AC3E}">
         <p14:creationId xmlns:p14="http://schemas.microsoft.com/office/powerpoint/2010/main" val="3051663566"/>
+      </p:ext>
+    </p:extLst>
+  </p:cSld>
+  <p:clrMapOvr>
+    <a:masterClrMapping/>
+  </p:clrMapOvr>
+</p:notes>
+</file>
+
+<file path=ppt/notesSlides/notesSlide32.xml><?xml version="1.0" encoding="utf-8"?>
+<p:notes xmlns:a="http://schemas.openxmlformats.org/drawingml/2006/main" xmlns:r="http://schemas.openxmlformats.org/officeDocument/2006/relationships" xmlns:p="http://schemas.openxmlformats.org/presentationml/2006/main">
+  <p:cSld>
+    <p:spTree>
+      <p:nvGrpSpPr>
+        <p:cNvPr id="1" name=""/>
+        <p:cNvGrpSpPr/>
+        <p:nvPr/>
+      </p:nvGrpSpPr>
+      <p:grpSpPr>
+        <a:xfrm>
+          <a:off x="0" y="0"/>
+          <a:ext cx="0" cy="0"/>
+          <a:chOff x="0" y="0"/>
+          <a:chExt cx="0" cy="0"/>
+        </a:xfrm>
+      </p:grpSpPr>
+      <p:sp>
+        <p:nvSpPr>
+          <p:cNvPr id="2" name="Slide Image Placeholder 1"/>
+          <p:cNvSpPr>
+            <a:spLocks noGrp="1" noRot="1" noChangeAspect="1"/>
+          </p:cNvSpPr>
+          <p:nvPr>
+            <p:ph type="sldImg"/>
+          </p:nvPr>
+        </p:nvSpPr>
+        <p:spPr/>
+      </p:sp>
+      <p:sp>
+        <p:nvSpPr>
+          <p:cNvPr id="3" name="Notes Placeholder 2"/>
+          <p:cNvSpPr>
+            <a:spLocks noGrp="1"/>
+          </p:cNvSpPr>
+          <p:nvPr>
+            <p:ph type="body" idx="1"/>
+          </p:nvPr>
+        </p:nvSpPr>
+        <p:spPr/>
+        <p:txBody>
+          <a:bodyPr/>
+          <a:lstStyle/>
+          <a:p>
+            <a:r>
+              <a:rPr lang="en-US" dirty="0"/>
+              <a:t>Wat is er </a:t>
+            </a:r>
+            <a:r>
+              <a:rPr lang="en-US" dirty="0" err="1"/>
+              <a:t>beter</a:t>
+            </a:r>
+            <a:r>
+              <a:rPr lang="en-US" dirty="0"/>
+              <a:t> </a:t>
+            </a:r>
+            <a:r>
+              <a:rPr lang="en-US" dirty="0" err="1"/>
+              <a:t>Serieel</a:t>
+            </a:r>
+            <a:r>
+              <a:rPr lang="en-US" dirty="0"/>
+              <a:t> of </a:t>
+            </a:r>
+            <a:r>
+              <a:rPr lang="en-US" dirty="0" err="1"/>
+              <a:t>Parellel</a:t>
+            </a:r>
+            <a:r>
+              <a:rPr lang="en-US" dirty="0"/>
+              <a:t>?</a:t>
+            </a:r>
+          </a:p>
+          <a:p>
+            <a:endParaRPr lang="en-US" dirty="0"/>
+          </a:p>
+          <a:p>
+            <a:pPr marL="0" marR="0" lvl="0" indent="0" algn="l" defTabSz="914400" rtl="0" eaLnBrk="1" fontAlgn="auto" latinLnBrk="0" hangingPunct="1">
+              <a:lnSpc>
+                <a:spcPct val="100000"/>
+              </a:lnSpc>
+              <a:spcBef>
+                <a:spcPts val="0"/>
+              </a:spcBef>
+              <a:spcAft>
+                <a:spcPts val="0"/>
+              </a:spcAft>
+              <a:buClrTx/>
+              <a:buSzTx/>
+              <a:buFontTx/>
+              <a:buNone/>
+              <a:tabLst/>
+              <a:defRPr/>
+            </a:pPr>
+            <a:r>
+              <a:rPr lang="nl-BE" dirty="0"/>
+              <a:t>Je zou kunnen verwachten dat parallelle gegevensoverdracht een stuk sneller is dan seriële gegevensoverdracht, omdat in het eerste geval een aantal bits tegelijk kunnen worden doorgestuurd. Dat was zeker zo in de begindagen van de personal computers, maar tegenwoordig is de technologie van DCC’s zo hoogwaardig dat moderne seriële verbindingen vele malen sneller zijn dan traditionele parallelle verbindingen. Bovendien is bekabeling voor seriële gegevensoverdracht veel eenvoudiger en dus goedkoper te produceren. Daarom zijn alle externe verbindingen van en naar de computer tegenwoordig serieel, of het nu om verbindingen met randapparaten (zoals USB of HDMI) of om netwerkverbindingen gaat.</a:t>
+            </a:r>
+          </a:p>
+          <a:p>
+            <a:endParaRPr lang="LID4096" dirty="0"/>
+          </a:p>
+        </p:txBody>
+      </p:sp>
+      <p:sp>
+        <p:nvSpPr>
+          <p:cNvPr id="4" name="Slide Number Placeholder 3"/>
+          <p:cNvSpPr>
+            <a:spLocks noGrp="1"/>
+          </p:cNvSpPr>
+          <p:nvPr>
+            <p:ph type="sldNum" sz="quarter" idx="5"/>
+          </p:nvPr>
+        </p:nvSpPr>
+        <p:spPr/>
+        <p:txBody>
+          <a:bodyPr/>
+          <a:lstStyle/>
+          <a:p>
+            <a:fld id="{FD30C18C-AB1C-483C-BCB0-2CDFB8E5FF32}" type="slidenum">
+              <a:rPr lang="LID4096" smtClean="0"/>
+              <a:t>43</a:t>
+            </a:fld>
+            <a:endParaRPr lang="LID4096"/>
+          </a:p>
+        </p:txBody>
+      </p:sp>
+    </p:spTree>
+    <p:extLst>
+      <p:ext uri="{BB962C8B-B14F-4D97-AF65-F5344CB8AC3E}">
+        <p14:creationId xmlns:p14="http://schemas.microsoft.com/office/powerpoint/2010/main" val="1104073523"/>
+      </p:ext>
+    </p:extLst>
+  </p:cSld>
+  <p:clrMapOvr>
+    <a:masterClrMapping/>
+  </p:clrMapOvr>
+</p:notes>
+</file>
+
+<file path=ppt/notesSlides/notesSlide33.xml><?xml version="1.0" encoding="utf-8"?>
+<p:notes xmlns:a="http://schemas.openxmlformats.org/drawingml/2006/main" xmlns:r="http://schemas.openxmlformats.org/officeDocument/2006/relationships" xmlns:p="http://schemas.openxmlformats.org/presentationml/2006/main">
+  <p:cSld>
+    <p:spTree>
+      <p:nvGrpSpPr>
+        <p:cNvPr id="1" name=""/>
+        <p:cNvGrpSpPr/>
+        <p:nvPr/>
+      </p:nvGrpSpPr>
+      <p:grpSpPr>
+        <a:xfrm>
+          <a:off x="0" y="0"/>
+          <a:ext cx="0" cy="0"/>
+          <a:chOff x="0" y="0"/>
+          <a:chExt cx="0" cy="0"/>
+        </a:xfrm>
+      </p:grpSpPr>
+      <p:sp>
+        <p:nvSpPr>
+          <p:cNvPr id="2" name="Slide Image Placeholder 1"/>
+          <p:cNvSpPr>
+            <a:spLocks noGrp="1" noRot="1" noChangeAspect="1"/>
+          </p:cNvSpPr>
+          <p:nvPr>
+            <p:ph type="sldImg"/>
+          </p:nvPr>
+        </p:nvSpPr>
+        <p:spPr/>
+      </p:sp>
+      <p:sp>
+        <p:nvSpPr>
+          <p:cNvPr id="3" name="Notes Placeholder 2"/>
+          <p:cNvSpPr>
+            <a:spLocks noGrp="1"/>
+          </p:cNvSpPr>
+          <p:nvPr>
+            <p:ph type="body" idx="1"/>
+          </p:nvPr>
+        </p:nvSpPr>
+        <p:spPr/>
+        <p:txBody>
+          <a:bodyPr/>
+          <a:lstStyle/>
+          <a:p>
+            <a:pPr marL="0" marR="0" lvl="0" indent="0" algn="l" defTabSz="914400" rtl="0" eaLnBrk="1" fontAlgn="auto" latinLnBrk="0" hangingPunct="1">
+              <a:lnSpc>
+                <a:spcPct val="100000"/>
+              </a:lnSpc>
+              <a:spcBef>
+                <a:spcPts val="0"/>
+              </a:spcBef>
+              <a:spcAft>
+                <a:spcPts val="0"/>
+              </a:spcAft>
+              <a:buClrTx/>
+              <a:buSzTx/>
+              <a:buFontTx/>
+              <a:buNone/>
+              <a:tabLst/>
+              <a:defRPr/>
+            </a:pPr>
+            <a:r>
+              <a:rPr lang="nl-BE" dirty="0"/>
+              <a:t>De snelheid waarmee gegevens verstuurd worden over een netwerk, wordt uitgedrukt in bits per seconde (bps). Snellere verbindingen worden dan uitgedrukt in kilobits of megabits per seconde. De afkortingen voor die laatste zijn soms verwarrend. Kbps staat dan voor kilobits per seconde, maar dat durft men ook wel eens foutief kilobytes per seconde noemen, een eenheid die bij parallelle gegevensoverdracht wordt gebruikt. Om zeker geen verwarring mogelijk te maken worden daarom ook de afkortingen Kbit/s,  Mbit/s of Gbit/s gebruikt – ook in dit boek trouwens. In tegenstelling tot gegevensopslag zijn de eenheden van gegevensoverdracht verder niet op het binair talstelsel gebaseerd. 1 Kbit/s betekent dus 1000 bits per seconde en geen 1024. 1 Mbit/s is dus precies 1 miljoen bits per seconde.</a:t>
+            </a:r>
+          </a:p>
+          <a:p>
+            <a:endParaRPr lang="LID4096" dirty="0"/>
+          </a:p>
+        </p:txBody>
+      </p:sp>
+      <p:sp>
+        <p:nvSpPr>
+          <p:cNvPr id="4" name="Slide Number Placeholder 3"/>
+          <p:cNvSpPr>
+            <a:spLocks noGrp="1"/>
+          </p:cNvSpPr>
+          <p:nvPr>
+            <p:ph type="sldNum" sz="quarter" idx="5"/>
+          </p:nvPr>
+        </p:nvSpPr>
+        <p:spPr/>
+        <p:txBody>
+          <a:bodyPr/>
+          <a:lstStyle/>
+          <a:p>
+            <a:fld id="{FD30C18C-AB1C-483C-BCB0-2CDFB8E5FF32}" type="slidenum">
+              <a:rPr lang="LID4096" smtClean="0"/>
+              <a:t>45</a:t>
+            </a:fld>
+            <a:endParaRPr lang="LID4096"/>
+          </a:p>
+        </p:txBody>
+      </p:sp>
+    </p:spTree>
+    <p:extLst>
+      <p:ext uri="{BB962C8B-B14F-4D97-AF65-F5344CB8AC3E}">
+        <p14:creationId xmlns:p14="http://schemas.microsoft.com/office/powerpoint/2010/main" val="4208977245"/>
+      </p:ext>
+    </p:extLst>
+  </p:cSld>
+  <p:clrMapOvr>
+    <a:masterClrMapping/>
+  </p:clrMapOvr>
+</p:notes>
+</file>
+
+<file path=ppt/notesSlides/notesSlide34.xml><?xml version="1.0" encoding="utf-8"?>
+<p:notes xmlns:a="http://schemas.openxmlformats.org/drawingml/2006/main" xmlns:r="http://schemas.openxmlformats.org/officeDocument/2006/relationships" xmlns:p="http://schemas.openxmlformats.org/presentationml/2006/main">
+  <p:cSld>
+    <p:spTree>
+      <p:nvGrpSpPr>
+        <p:cNvPr id="1" name=""/>
+        <p:cNvGrpSpPr/>
+        <p:nvPr/>
+      </p:nvGrpSpPr>
+      <p:grpSpPr>
+        <a:xfrm>
+          <a:off x="0" y="0"/>
+          <a:ext cx="0" cy="0"/>
+          <a:chOff x="0" y="0"/>
+          <a:chExt cx="0" cy="0"/>
+        </a:xfrm>
+      </p:grpSpPr>
+      <p:sp>
+        <p:nvSpPr>
+          <p:cNvPr id="2" name="Slide Image Placeholder 1"/>
+          <p:cNvSpPr>
+            <a:spLocks noGrp="1" noRot="1" noChangeAspect="1"/>
+          </p:cNvSpPr>
+          <p:nvPr>
+            <p:ph type="sldImg"/>
+          </p:nvPr>
+        </p:nvSpPr>
+        <p:spPr/>
+      </p:sp>
+      <p:sp>
+        <p:nvSpPr>
+          <p:cNvPr id="3" name="Notes Placeholder 2"/>
+          <p:cNvSpPr>
+            <a:spLocks noGrp="1"/>
+          </p:cNvSpPr>
+          <p:nvPr>
+            <p:ph type="body" idx="1"/>
+          </p:nvPr>
+        </p:nvSpPr>
+        <p:spPr/>
+        <p:txBody>
+          <a:bodyPr/>
+          <a:lstStyle/>
+          <a:p>
+            <a:pPr marL="0" marR="0" lvl="0" indent="0" algn="l" defTabSz="914400" rtl="0" eaLnBrk="1" fontAlgn="auto" latinLnBrk="0" hangingPunct="1">
+              <a:lnSpc>
+                <a:spcPct val="100000"/>
+              </a:lnSpc>
+              <a:spcBef>
+                <a:spcPts val="0"/>
+              </a:spcBef>
+              <a:spcAft>
+                <a:spcPts val="0"/>
+              </a:spcAft>
+              <a:buClrTx/>
+              <a:buSzTx/>
+              <a:buFontTx/>
+              <a:buNone/>
+              <a:tabLst/>
+              <a:defRPr/>
+            </a:pPr>
+            <a:r>
+              <a:rPr lang="nl-BE" dirty="0"/>
+              <a:t>In verband met de snelheid van gegevensoverdracht wordt vaak het begrip bandbreedte gebruikt. Daarmee wordt het verschil aangeduid tussen de hoogste en de laagste frequentie op een transmissiemedium. Niet alleen het type van transmissiemedium (dus het soort kabel) is daarbij van belang, maar ook de lengte ervan. Daarom kent elk kabeltype een maximale lengte die moet gerespecteerd worden. In te lange kabels kunnen immers de hoogste frequenties afzwakken, waardoor er fouten in de gegevensoverdracht kunnen optreden. Strikt genomen gaat bandbreedte dus over frequentie. De eenheid van bandbreedte wordt dus uitgedrukt in Hz, KHz of MHz.</a:t>
+            </a:r>
+          </a:p>
+          <a:p>
+            <a:endParaRPr lang="LID4096" dirty="0"/>
+          </a:p>
+        </p:txBody>
+      </p:sp>
+      <p:sp>
+        <p:nvSpPr>
+          <p:cNvPr id="4" name="Slide Number Placeholder 3"/>
+          <p:cNvSpPr>
+            <a:spLocks noGrp="1"/>
+          </p:cNvSpPr>
+          <p:nvPr>
+            <p:ph type="sldNum" sz="quarter" idx="5"/>
+          </p:nvPr>
+        </p:nvSpPr>
+        <p:spPr/>
+        <p:txBody>
+          <a:bodyPr/>
+          <a:lstStyle/>
+          <a:p>
+            <a:fld id="{FD30C18C-AB1C-483C-BCB0-2CDFB8E5FF32}" type="slidenum">
+              <a:rPr lang="LID4096" smtClean="0"/>
+              <a:t>46</a:t>
+            </a:fld>
+            <a:endParaRPr lang="LID4096"/>
+          </a:p>
+        </p:txBody>
+      </p:sp>
+    </p:spTree>
+    <p:extLst>
+      <p:ext uri="{BB962C8B-B14F-4D97-AF65-F5344CB8AC3E}">
+        <p14:creationId xmlns:p14="http://schemas.microsoft.com/office/powerpoint/2010/main" val="2998108343"/>
+      </p:ext>
+    </p:extLst>
+  </p:cSld>
+  <p:clrMapOvr>
+    <a:masterClrMapping/>
+  </p:clrMapOvr>
+</p:notes>
+</file>
+
+<file path=ppt/notesSlides/notesSlide35.xml><?xml version="1.0" encoding="utf-8"?>
+<p:notes xmlns:a="http://schemas.openxmlformats.org/drawingml/2006/main" xmlns:r="http://schemas.openxmlformats.org/officeDocument/2006/relationships" xmlns:p="http://schemas.openxmlformats.org/presentationml/2006/main">
+  <p:cSld>
+    <p:spTree>
+      <p:nvGrpSpPr>
+        <p:cNvPr id="1" name=""/>
+        <p:cNvGrpSpPr/>
+        <p:nvPr/>
+      </p:nvGrpSpPr>
+      <p:grpSpPr>
+        <a:xfrm>
+          <a:off x="0" y="0"/>
+          <a:ext cx="0" cy="0"/>
+          <a:chOff x="0" y="0"/>
+          <a:chExt cx="0" cy="0"/>
+        </a:xfrm>
+      </p:grpSpPr>
+      <p:sp>
+        <p:nvSpPr>
+          <p:cNvPr id="2" name="Slide Image Placeholder 1"/>
+          <p:cNvSpPr>
+            <a:spLocks noGrp="1" noRot="1" noChangeAspect="1"/>
+          </p:cNvSpPr>
+          <p:nvPr>
+            <p:ph type="sldImg"/>
+          </p:nvPr>
+        </p:nvSpPr>
+        <p:spPr/>
+      </p:sp>
+      <p:sp>
+        <p:nvSpPr>
+          <p:cNvPr id="3" name="Notes Placeholder 2"/>
+          <p:cNvSpPr>
+            <a:spLocks noGrp="1"/>
+          </p:cNvSpPr>
+          <p:nvPr>
+            <p:ph type="body" idx="1"/>
+          </p:nvPr>
+        </p:nvSpPr>
+        <p:spPr/>
+        <p:txBody>
+          <a:bodyPr/>
+          <a:lstStyle/>
+          <a:p>
+            <a:pPr marL="0" marR="0" lvl="0" indent="0" algn="l" defTabSz="914400" rtl="0" eaLnBrk="1" fontAlgn="auto" latinLnBrk="0" hangingPunct="1">
+              <a:lnSpc>
+                <a:spcPct val="100000"/>
+              </a:lnSpc>
+              <a:spcBef>
+                <a:spcPts val="0"/>
+              </a:spcBef>
+              <a:spcAft>
+                <a:spcPts val="0"/>
+              </a:spcAft>
+              <a:buClrTx/>
+              <a:buSzTx/>
+              <a:buFontTx/>
+              <a:buNone/>
+              <a:tabLst/>
+              <a:defRPr/>
+            </a:pPr>
+            <a:r>
+              <a:rPr lang="nl-BE" dirty="0"/>
+              <a:t>Het spreekt voor zich dat een grotere bandbreedte een snellere gegevensdoorvoersnelheid mogelijk maakt. Bandbreedte uitdrukken in frequentie-eenheden als Hz heeft voor computergebruikers weinig concrete betekenis, omdat ze niet uitdrukt hoe snel de gegevens daadwerkelijk verzonden worden. Daarom wordt bandbreedte ook wel eens uitgedrukt in bps, hoewel dat dus niet correct is. Niet altijd wordt de maximale bandbreedte van een verbinding immers benut. De doorvoersnelheid is dan variabel, terwijl de bandbreedte van het transmissiemedium natuurlijk altijd dezelfde is.</a:t>
+            </a:r>
+          </a:p>
+          <a:p>
+            <a:endParaRPr lang="LID4096" dirty="0"/>
+          </a:p>
+        </p:txBody>
+      </p:sp>
+      <p:sp>
+        <p:nvSpPr>
+          <p:cNvPr id="4" name="Slide Number Placeholder 3"/>
+          <p:cNvSpPr>
+            <a:spLocks noGrp="1"/>
+          </p:cNvSpPr>
+          <p:nvPr>
+            <p:ph type="sldNum" sz="quarter" idx="5"/>
+          </p:nvPr>
+        </p:nvSpPr>
+        <p:spPr/>
+        <p:txBody>
+          <a:bodyPr/>
+          <a:lstStyle/>
+          <a:p>
+            <a:fld id="{FD30C18C-AB1C-483C-BCB0-2CDFB8E5FF32}" type="slidenum">
+              <a:rPr lang="LID4096" smtClean="0"/>
+              <a:t>47</a:t>
+            </a:fld>
+            <a:endParaRPr lang="LID4096"/>
+          </a:p>
+        </p:txBody>
+      </p:sp>
+    </p:spTree>
+    <p:extLst>
+      <p:ext uri="{BB962C8B-B14F-4D97-AF65-F5344CB8AC3E}">
+        <p14:creationId xmlns:p14="http://schemas.microsoft.com/office/powerpoint/2010/main" val="3481740571"/>
+      </p:ext>
+    </p:extLst>
+  </p:cSld>
+  <p:clrMapOvr>
+    <a:masterClrMapping/>
+  </p:clrMapOvr>
+</p:notes>
+</file>
+
+<file path=ppt/notesSlides/notesSlide36.xml><?xml version="1.0" encoding="utf-8"?>
+<p:notes xmlns:a="http://schemas.openxmlformats.org/drawingml/2006/main" xmlns:r="http://schemas.openxmlformats.org/officeDocument/2006/relationships" xmlns:p="http://schemas.openxmlformats.org/presentationml/2006/main">
+  <p:cSld>
+    <p:spTree>
+      <p:nvGrpSpPr>
+        <p:cNvPr id="1" name=""/>
+        <p:cNvGrpSpPr/>
+        <p:nvPr/>
+      </p:nvGrpSpPr>
+      <p:grpSpPr>
+        <a:xfrm>
+          <a:off x="0" y="0"/>
+          <a:ext cx="0" cy="0"/>
+          <a:chOff x="0" y="0"/>
+          <a:chExt cx="0" cy="0"/>
+        </a:xfrm>
+      </p:grpSpPr>
+      <p:sp>
+        <p:nvSpPr>
+          <p:cNvPr id="2" name="Slide Image Placeholder 1"/>
+          <p:cNvSpPr>
+            <a:spLocks noGrp="1" noRot="1" noChangeAspect="1"/>
+          </p:cNvSpPr>
+          <p:nvPr>
+            <p:ph type="sldImg"/>
+          </p:nvPr>
+        </p:nvSpPr>
+        <p:spPr/>
+      </p:sp>
+      <p:sp>
+        <p:nvSpPr>
+          <p:cNvPr id="3" name="Notes Placeholder 2"/>
+          <p:cNvSpPr>
+            <a:spLocks noGrp="1"/>
+          </p:cNvSpPr>
+          <p:nvPr>
+            <p:ph type="body" idx="1"/>
+          </p:nvPr>
+        </p:nvSpPr>
+        <p:spPr/>
+        <p:txBody>
+          <a:bodyPr/>
+          <a:lstStyle/>
+          <a:p>
+            <a:r>
+              <a:rPr lang="nl-BE" dirty="0"/>
+              <a:t>De capaciteit van een transmissiemedium kan op twee manieren worden toegekend. Bij baseband wordt de volledige bandbreedte toegekend aan één communicatieverbinding. </a:t>
+            </a:r>
+          </a:p>
+          <a:p>
+            <a:endParaRPr lang="nl-BE" dirty="0"/>
+          </a:p>
+          <a:p>
+            <a:r>
+              <a:rPr lang="nl-BE" dirty="0"/>
+              <a:t>Bij broadband (in het Nederlands breedband) wordt de bandbreedte gedeeld door twee of meer verbindingen. </a:t>
+            </a:r>
+          </a:p>
+          <a:p>
+            <a:endParaRPr lang="nl-BE" dirty="0"/>
+          </a:p>
+          <a:p>
+            <a:r>
+              <a:rPr lang="nl-BE" dirty="0"/>
+              <a:t>De meeste lokale netwerkverbindingen werken in baseband modus, maar verbindingen tussen netwerken, zoals het internet, zijn vaak breedbandverbindingen. </a:t>
+            </a:r>
+          </a:p>
+          <a:p>
+            <a:endParaRPr lang="LID4096" dirty="0"/>
+          </a:p>
+        </p:txBody>
+      </p:sp>
+      <p:sp>
+        <p:nvSpPr>
+          <p:cNvPr id="4" name="Slide Number Placeholder 3"/>
+          <p:cNvSpPr>
+            <a:spLocks noGrp="1"/>
+          </p:cNvSpPr>
+          <p:nvPr>
+            <p:ph type="sldNum" sz="quarter" idx="5"/>
+          </p:nvPr>
+        </p:nvSpPr>
+        <p:spPr/>
+        <p:txBody>
+          <a:bodyPr/>
+          <a:lstStyle/>
+          <a:p>
+            <a:fld id="{FD30C18C-AB1C-483C-BCB0-2CDFB8E5FF32}" type="slidenum">
+              <a:rPr lang="LID4096" smtClean="0"/>
+              <a:t>48</a:t>
+            </a:fld>
+            <a:endParaRPr lang="LID4096"/>
+          </a:p>
+        </p:txBody>
+      </p:sp>
+    </p:spTree>
+    <p:extLst>
+      <p:ext uri="{BB962C8B-B14F-4D97-AF65-F5344CB8AC3E}">
+        <p14:creationId xmlns:p14="http://schemas.microsoft.com/office/powerpoint/2010/main" val="985660707"/>
+      </p:ext>
+    </p:extLst>
+  </p:cSld>
+  <p:clrMapOvr>
+    <a:masterClrMapping/>
+  </p:clrMapOvr>
+</p:notes>
+</file>
+
+<file path=ppt/notesSlides/notesSlide4.xml><?xml version="1.0" encoding="utf-8"?>
+<p:notes xmlns:a="http://schemas.openxmlformats.org/drawingml/2006/main" xmlns:r="http://schemas.openxmlformats.org/officeDocument/2006/relationships" xmlns:p="http://schemas.openxmlformats.org/presentationml/2006/main">
+  <p:cSld>
+    <p:spTree>
+      <p:nvGrpSpPr>
+        <p:cNvPr id="1" name=""/>
+        <p:cNvGrpSpPr/>
+        <p:nvPr/>
+      </p:nvGrpSpPr>
+      <p:grpSpPr>
+        <a:xfrm>
+          <a:off x="0" y="0"/>
+          <a:ext cx="0" cy="0"/>
+          <a:chOff x="0" y="0"/>
+          <a:chExt cx="0" cy="0"/>
+        </a:xfrm>
+      </p:grpSpPr>
+      <p:sp>
+        <p:nvSpPr>
+          <p:cNvPr id="2" name="Slide Image Placeholder 1"/>
+          <p:cNvSpPr>
+            <a:spLocks noGrp="1" noRot="1" noChangeAspect="1"/>
+          </p:cNvSpPr>
+          <p:nvPr>
+            <p:ph type="sldImg"/>
+          </p:nvPr>
+        </p:nvSpPr>
+        <p:spPr/>
+      </p:sp>
+      <p:sp>
+        <p:nvSpPr>
+          <p:cNvPr id="3" name="Notes Placeholder 2"/>
+          <p:cNvSpPr>
+            <a:spLocks noGrp="1"/>
+          </p:cNvSpPr>
+          <p:nvPr>
+            <p:ph type="body" idx="1"/>
+          </p:nvPr>
+        </p:nvSpPr>
+        <p:spPr/>
+        <p:txBody>
+          <a:bodyPr/>
+          <a:lstStyle/>
+          <a:p>
+            <a:pPr marL="0" marR="0" lvl="0" indent="0" algn="l" defTabSz="914400" rtl="0" eaLnBrk="1" fontAlgn="auto" latinLnBrk="0" hangingPunct="1">
+              <a:lnSpc>
+                <a:spcPct val="100000"/>
+              </a:lnSpc>
+              <a:spcBef>
+                <a:spcPts val="0"/>
+              </a:spcBef>
+              <a:spcAft>
+                <a:spcPts val="0"/>
+              </a:spcAft>
+              <a:buClrTx/>
+              <a:buSzTx/>
+              <a:buFontTx/>
+              <a:buNone/>
+              <a:tabLst/>
+              <a:defRPr/>
+            </a:pPr>
+            <a:r>
+              <a:rPr lang="nl-BE" dirty="0"/>
+              <a:t>Een voorbeeld van simplex communicatie zijn radio- of televisie-uitzendingen. </a:t>
+            </a:r>
+          </a:p>
+          <a:p>
+            <a:endParaRPr lang="LID4096" dirty="0"/>
+          </a:p>
+        </p:txBody>
+      </p:sp>
+      <p:sp>
+        <p:nvSpPr>
+          <p:cNvPr id="4" name="Slide Number Placeholder 3"/>
+          <p:cNvSpPr>
+            <a:spLocks noGrp="1"/>
+          </p:cNvSpPr>
+          <p:nvPr>
+            <p:ph type="sldNum" sz="quarter" idx="5"/>
+          </p:nvPr>
+        </p:nvSpPr>
+        <p:spPr/>
+        <p:txBody>
+          <a:bodyPr/>
+          <a:lstStyle/>
+          <a:p>
+            <a:fld id="{FD30C18C-AB1C-483C-BCB0-2CDFB8E5FF32}" type="slidenum">
+              <a:rPr lang="LID4096" smtClean="0"/>
+              <a:t>8</a:t>
+            </a:fld>
+            <a:endParaRPr lang="LID4096"/>
+          </a:p>
+        </p:txBody>
+      </p:sp>
+    </p:spTree>
+    <p:extLst>
+      <p:ext uri="{BB962C8B-B14F-4D97-AF65-F5344CB8AC3E}">
+        <p14:creationId xmlns:p14="http://schemas.microsoft.com/office/powerpoint/2010/main" val="391758005"/>
+      </p:ext>
+    </p:extLst>
+  </p:cSld>
+  <p:clrMapOvr>
+    <a:masterClrMapping/>
+  </p:clrMapOvr>
+</p:notes>
+</file>
+
+<file path=ppt/notesSlides/notesSlide5.xml><?xml version="1.0" encoding="utf-8"?>
+<p:notes xmlns:a="http://schemas.openxmlformats.org/drawingml/2006/main" xmlns:r="http://schemas.openxmlformats.org/officeDocument/2006/relationships" xmlns:p="http://schemas.openxmlformats.org/presentationml/2006/main">
+  <p:cSld>
+    <p:spTree>
+      <p:nvGrpSpPr>
+        <p:cNvPr id="1" name=""/>
+        <p:cNvGrpSpPr/>
+        <p:nvPr/>
+      </p:nvGrpSpPr>
+      <p:grpSpPr>
+        <a:xfrm>
+          <a:off x="0" y="0"/>
+          <a:ext cx="0" cy="0"/>
+          <a:chOff x="0" y="0"/>
+          <a:chExt cx="0" cy="0"/>
+        </a:xfrm>
+      </p:grpSpPr>
+      <p:sp>
+        <p:nvSpPr>
+          <p:cNvPr id="2" name="Slide Image Placeholder 1"/>
+          <p:cNvSpPr>
+            <a:spLocks noGrp="1" noRot="1" noChangeAspect="1"/>
+          </p:cNvSpPr>
+          <p:nvPr>
+            <p:ph type="sldImg"/>
+          </p:nvPr>
+        </p:nvSpPr>
+        <p:spPr/>
+      </p:sp>
+      <p:sp>
+        <p:nvSpPr>
+          <p:cNvPr id="3" name="Notes Placeholder 2"/>
+          <p:cNvSpPr>
+            <a:spLocks noGrp="1"/>
+          </p:cNvSpPr>
+          <p:nvPr>
+            <p:ph type="body" idx="1"/>
+          </p:nvPr>
+        </p:nvSpPr>
+        <p:spPr/>
+        <p:txBody>
+          <a:bodyPr/>
+          <a:lstStyle/>
+          <a:p>
+            <a:pPr marL="0" marR="0" lvl="0" indent="0" algn="l" defTabSz="914400" rtl="0" eaLnBrk="1" fontAlgn="auto" latinLnBrk="0" hangingPunct="1">
+              <a:lnSpc>
+                <a:spcPct val="100000"/>
+              </a:lnSpc>
+              <a:spcBef>
+                <a:spcPts val="0"/>
+              </a:spcBef>
+              <a:spcAft>
+                <a:spcPts val="0"/>
+              </a:spcAft>
+              <a:buClrTx/>
+              <a:buSzTx/>
+              <a:buFontTx/>
+              <a:buNone/>
+              <a:tabLst/>
+              <a:defRPr/>
+            </a:pPr>
+            <a:r>
+              <a:rPr lang="nl-BE" dirty="0"/>
+              <a:t>Soms is communicatie mogelijk in twee richtingen, maar niet tegelijkertijd. Dat noemen we half-duplex communicatie.</a:t>
+            </a:r>
+          </a:p>
+          <a:p>
+            <a:endParaRPr lang="LID4096" dirty="0"/>
+          </a:p>
+        </p:txBody>
+      </p:sp>
+      <p:sp>
+        <p:nvSpPr>
+          <p:cNvPr id="4" name="Slide Number Placeholder 3"/>
+          <p:cNvSpPr>
+            <a:spLocks noGrp="1"/>
+          </p:cNvSpPr>
+          <p:nvPr>
+            <p:ph type="sldNum" sz="quarter" idx="5"/>
+          </p:nvPr>
+        </p:nvSpPr>
+        <p:spPr/>
+        <p:txBody>
+          <a:bodyPr/>
+          <a:lstStyle/>
+          <a:p>
+            <a:fld id="{FD30C18C-AB1C-483C-BCB0-2CDFB8E5FF32}" type="slidenum">
+              <a:rPr lang="LID4096" smtClean="0"/>
+              <a:t>9</a:t>
+            </a:fld>
+            <a:endParaRPr lang="LID4096"/>
+          </a:p>
+        </p:txBody>
+      </p:sp>
+    </p:spTree>
+    <p:extLst>
+      <p:ext uri="{BB962C8B-B14F-4D97-AF65-F5344CB8AC3E}">
+        <p14:creationId xmlns:p14="http://schemas.microsoft.com/office/powerpoint/2010/main" val="3166461285"/>
+      </p:ext>
+    </p:extLst>
+  </p:cSld>
+  <p:clrMapOvr>
+    <a:masterClrMapping/>
+  </p:clrMapOvr>
+</p:notes>
+</file>
+
+<file path=ppt/notesSlides/notesSlide6.xml><?xml version="1.0" encoding="utf-8"?>
+<p:notes xmlns:a="http://schemas.openxmlformats.org/drawingml/2006/main" xmlns:r="http://schemas.openxmlformats.org/officeDocument/2006/relationships" xmlns:p="http://schemas.openxmlformats.org/presentationml/2006/main">
+  <p:cSld>
+    <p:spTree>
+      <p:nvGrpSpPr>
+        <p:cNvPr id="1" name=""/>
+        <p:cNvGrpSpPr/>
+        <p:nvPr/>
+      </p:nvGrpSpPr>
+      <p:grpSpPr>
+        <a:xfrm>
+          <a:off x="0" y="0"/>
+          <a:ext cx="0" cy="0"/>
+          <a:chOff x="0" y="0"/>
+          <a:chExt cx="0" cy="0"/>
+        </a:xfrm>
+      </p:grpSpPr>
+      <p:sp>
+        <p:nvSpPr>
+          <p:cNvPr id="2" name="Slide Image Placeholder 1"/>
+          <p:cNvSpPr>
+            <a:spLocks noGrp="1" noRot="1" noChangeAspect="1"/>
+          </p:cNvSpPr>
+          <p:nvPr>
+            <p:ph type="sldImg"/>
+          </p:nvPr>
+        </p:nvSpPr>
+        <p:spPr/>
+      </p:sp>
+      <p:sp>
+        <p:nvSpPr>
+          <p:cNvPr id="3" name="Notes Placeholder 2"/>
+          <p:cNvSpPr>
+            <a:spLocks noGrp="1"/>
+          </p:cNvSpPr>
+          <p:nvPr>
+            <p:ph type="body" idx="1"/>
+          </p:nvPr>
+        </p:nvSpPr>
+        <p:spPr/>
+        <p:txBody>
+          <a:bodyPr/>
+          <a:lstStyle/>
+          <a:p>
+            <a:r>
+              <a:rPr lang="nl-BE" dirty="0"/>
+              <a:t>Dat is bijvoorbeeld het geval bij het communiceren via walkie-talkies.</a:t>
+            </a:r>
+            <a:endParaRPr lang="LID4096" dirty="0"/>
+          </a:p>
+        </p:txBody>
+      </p:sp>
+      <p:sp>
+        <p:nvSpPr>
+          <p:cNvPr id="4" name="Slide Number Placeholder 3"/>
+          <p:cNvSpPr>
+            <a:spLocks noGrp="1"/>
+          </p:cNvSpPr>
+          <p:nvPr>
+            <p:ph type="sldNum" sz="quarter" idx="5"/>
+          </p:nvPr>
+        </p:nvSpPr>
+        <p:spPr/>
+        <p:txBody>
+          <a:bodyPr/>
+          <a:lstStyle/>
+          <a:p>
+            <a:fld id="{FD30C18C-AB1C-483C-BCB0-2CDFB8E5FF32}" type="slidenum">
+              <a:rPr lang="LID4096" smtClean="0"/>
+              <a:t>10</a:t>
+            </a:fld>
+            <a:endParaRPr lang="LID4096"/>
+          </a:p>
+        </p:txBody>
+      </p:sp>
+    </p:spTree>
+    <p:extLst>
+      <p:ext uri="{BB962C8B-B14F-4D97-AF65-F5344CB8AC3E}">
+        <p14:creationId xmlns:p14="http://schemas.microsoft.com/office/powerpoint/2010/main" val="474564917"/>
+      </p:ext>
+    </p:extLst>
+  </p:cSld>
+  <p:clrMapOvr>
+    <a:masterClrMapping/>
+  </p:clrMapOvr>
+</p:notes>
+</file>
+
+<file path=ppt/notesSlides/notesSlide7.xml><?xml version="1.0" encoding="utf-8"?>
+<p:notes xmlns:a="http://schemas.openxmlformats.org/drawingml/2006/main" xmlns:r="http://schemas.openxmlformats.org/officeDocument/2006/relationships" xmlns:p="http://schemas.openxmlformats.org/presentationml/2006/main">
+  <p:cSld>
+    <p:spTree>
+      <p:nvGrpSpPr>
+        <p:cNvPr id="1" name=""/>
+        <p:cNvGrpSpPr/>
+        <p:nvPr/>
+      </p:nvGrpSpPr>
+      <p:grpSpPr>
+        <a:xfrm>
+          <a:off x="0" y="0"/>
+          <a:ext cx="0" cy="0"/>
+          <a:chOff x="0" y="0"/>
+          <a:chExt cx="0" cy="0"/>
+        </a:xfrm>
+      </p:grpSpPr>
+      <p:sp>
+        <p:nvSpPr>
+          <p:cNvPr id="2" name="Slide Image Placeholder 1"/>
+          <p:cNvSpPr>
+            <a:spLocks noGrp="1" noRot="1" noChangeAspect="1"/>
+          </p:cNvSpPr>
+          <p:nvPr>
+            <p:ph type="sldImg"/>
+          </p:nvPr>
+        </p:nvSpPr>
+        <p:spPr/>
+      </p:sp>
+      <p:sp>
+        <p:nvSpPr>
+          <p:cNvPr id="3" name="Notes Placeholder 2"/>
+          <p:cNvSpPr>
+            <a:spLocks noGrp="1"/>
+          </p:cNvSpPr>
+          <p:nvPr>
+            <p:ph type="body" idx="1"/>
+          </p:nvPr>
+        </p:nvSpPr>
+        <p:spPr/>
+        <p:txBody>
+          <a:bodyPr/>
+          <a:lstStyle/>
+          <a:p>
+            <a:r>
+              <a:rPr lang="en-US" dirty="0"/>
+              <a:t>Bij duplex of Full-Duplex </a:t>
+            </a:r>
+            <a:r>
+              <a:rPr lang="en-US" dirty="0" err="1"/>
+              <a:t>spreken</a:t>
+            </a:r>
+            <a:r>
+              <a:rPr lang="en-US" dirty="0"/>
+              <a:t> we van </a:t>
+            </a:r>
+            <a:r>
+              <a:rPr lang="en-US" dirty="0" err="1"/>
+              <a:t>communicatie</a:t>
+            </a:r>
+            <a:r>
+              <a:rPr lang="en-US" dirty="0"/>
+              <a:t> die </a:t>
+            </a:r>
+            <a:r>
+              <a:rPr lang="en-US" dirty="0" err="1"/>
+              <a:t>tegelijk</a:t>
+            </a:r>
+            <a:r>
+              <a:rPr lang="en-US" dirty="0"/>
+              <a:t> </a:t>
+            </a:r>
+            <a:r>
+              <a:rPr lang="en-US" dirty="0" err="1"/>
+              <a:t>kan</a:t>
+            </a:r>
+            <a:r>
+              <a:rPr lang="en-US" dirty="0"/>
+              <a:t> </a:t>
+            </a:r>
+            <a:r>
+              <a:rPr lang="en-US" dirty="0" err="1"/>
+              <a:t>lopen</a:t>
+            </a:r>
+            <a:r>
+              <a:rPr lang="en-US" dirty="0"/>
+              <a:t> </a:t>
+            </a:r>
+            <a:r>
+              <a:rPr lang="en-US" dirty="0" err="1"/>
+              <a:t>tussen</a:t>
+            </a:r>
+            <a:r>
+              <a:rPr lang="en-US" dirty="0"/>
+              <a:t> </a:t>
+            </a:r>
+            <a:r>
+              <a:rPr lang="en-US" dirty="0" err="1"/>
+              <a:t>zender</a:t>
+            </a:r>
+            <a:r>
+              <a:rPr lang="en-US" dirty="0"/>
+              <a:t> </a:t>
+            </a:r>
+            <a:r>
+              <a:rPr lang="en-US" dirty="0" err="1"/>
+              <a:t>en</a:t>
+            </a:r>
+            <a:r>
+              <a:rPr lang="en-US" dirty="0"/>
+              <a:t> </a:t>
+            </a:r>
+            <a:r>
+              <a:rPr lang="en-US" dirty="0" err="1"/>
+              <a:t>ontvanger</a:t>
+            </a:r>
+            <a:endParaRPr lang="LID4096" dirty="0"/>
+          </a:p>
+        </p:txBody>
+      </p:sp>
+      <p:sp>
+        <p:nvSpPr>
+          <p:cNvPr id="4" name="Slide Number Placeholder 3"/>
+          <p:cNvSpPr>
+            <a:spLocks noGrp="1"/>
+          </p:cNvSpPr>
+          <p:nvPr>
+            <p:ph type="sldNum" sz="quarter" idx="5"/>
+          </p:nvPr>
+        </p:nvSpPr>
+        <p:spPr/>
+        <p:txBody>
+          <a:bodyPr/>
+          <a:lstStyle/>
+          <a:p>
+            <a:fld id="{FD30C18C-AB1C-483C-BCB0-2CDFB8E5FF32}" type="slidenum">
+              <a:rPr lang="LID4096" smtClean="0"/>
+              <a:t>11</a:t>
+            </a:fld>
+            <a:endParaRPr lang="LID4096"/>
+          </a:p>
+        </p:txBody>
+      </p:sp>
+    </p:spTree>
+    <p:extLst>
+      <p:ext uri="{BB962C8B-B14F-4D97-AF65-F5344CB8AC3E}">
+        <p14:creationId xmlns:p14="http://schemas.microsoft.com/office/powerpoint/2010/main" val="691846618"/>
+      </p:ext>
+    </p:extLst>
+  </p:cSld>
+  <p:clrMapOvr>
+    <a:masterClrMapping/>
+  </p:clrMapOvr>
+</p:notes>
+</file>
+
+<file path=ppt/notesSlides/notesSlide8.xml><?xml version="1.0" encoding="utf-8"?>
+<p:notes xmlns:a="http://schemas.openxmlformats.org/drawingml/2006/main" xmlns:r="http://schemas.openxmlformats.org/officeDocument/2006/relationships" xmlns:p="http://schemas.openxmlformats.org/presentationml/2006/main">
+  <p:cSld>
+    <p:spTree>
+      <p:nvGrpSpPr>
+        <p:cNvPr id="1" name=""/>
+        <p:cNvGrpSpPr/>
+        <p:nvPr/>
+      </p:nvGrpSpPr>
+      <p:grpSpPr>
+        <a:xfrm>
+          <a:off x="0" y="0"/>
+          <a:ext cx="0" cy="0"/>
+          <a:chOff x="0" y="0"/>
+          <a:chExt cx="0" cy="0"/>
+        </a:xfrm>
+      </p:grpSpPr>
+      <p:sp>
+        <p:nvSpPr>
+          <p:cNvPr id="2" name="Slide Image Placeholder 1"/>
+          <p:cNvSpPr>
+            <a:spLocks noGrp="1" noRot="1" noChangeAspect="1"/>
+          </p:cNvSpPr>
+          <p:nvPr>
+            <p:ph type="sldImg"/>
+          </p:nvPr>
+        </p:nvSpPr>
+        <p:spPr/>
+      </p:sp>
+      <p:sp>
+        <p:nvSpPr>
+          <p:cNvPr id="3" name="Notes Placeholder 2"/>
+          <p:cNvSpPr>
+            <a:spLocks noGrp="1"/>
+          </p:cNvSpPr>
+          <p:nvPr>
+            <p:ph type="body" idx="1"/>
+          </p:nvPr>
+        </p:nvSpPr>
+        <p:spPr/>
+        <p:txBody>
+          <a:bodyPr/>
+          <a:lstStyle/>
+          <a:p>
+            <a:r>
+              <a:rPr lang="en-US" dirty="0"/>
+              <a:t>Een </a:t>
+            </a:r>
+            <a:r>
+              <a:rPr lang="en-US" dirty="0" err="1"/>
+              <a:t>voorbeeld</a:t>
+            </a:r>
+            <a:r>
+              <a:rPr lang="en-US" dirty="0"/>
+              <a:t> </a:t>
+            </a:r>
+            <a:r>
+              <a:rPr lang="en-US" dirty="0" err="1"/>
+              <a:t>hiervan</a:t>
+            </a:r>
+            <a:r>
+              <a:rPr lang="en-US" dirty="0"/>
+              <a:t> is </a:t>
+            </a:r>
+            <a:r>
+              <a:rPr lang="en-US" dirty="0" err="1"/>
+              <a:t>een</a:t>
+            </a:r>
+            <a:r>
+              <a:rPr lang="en-US" dirty="0"/>
+              <a:t> </a:t>
+            </a:r>
+            <a:r>
+              <a:rPr lang="en-US" dirty="0" err="1"/>
+              <a:t>telefoongesprek</a:t>
+            </a:r>
+            <a:endParaRPr lang="LID4096" dirty="0"/>
+          </a:p>
+        </p:txBody>
+      </p:sp>
+      <p:sp>
+        <p:nvSpPr>
+          <p:cNvPr id="4" name="Slide Number Placeholder 3"/>
+          <p:cNvSpPr>
+            <a:spLocks noGrp="1"/>
+          </p:cNvSpPr>
+          <p:nvPr>
+            <p:ph type="sldNum" sz="quarter" idx="5"/>
+          </p:nvPr>
+        </p:nvSpPr>
+        <p:spPr/>
+        <p:txBody>
+          <a:bodyPr/>
+          <a:lstStyle/>
+          <a:p>
+            <a:fld id="{FD30C18C-AB1C-483C-BCB0-2CDFB8E5FF32}" type="slidenum">
+              <a:rPr lang="LID4096" smtClean="0"/>
+              <a:t>12</a:t>
+            </a:fld>
+            <a:endParaRPr lang="LID4096"/>
+          </a:p>
+        </p:txBody>
+      </p:sp>
+    </p:spTree>
+    <p:extLst>
+      <p:ext uri="{BB962C8B-B14F-4D97-AF65-F5344CB8AC3E}">
+        <p14:creationId xmlns:p14="http://schemas.microsoft.com/office/powerpoint/2010/main" val="486151488"/>
+      </p:ext>
+    </p:extLst>
+  </p:cSld>
+  <p:clrMapOvr>
+    <a:masterClrMapping/>
+  </p:clrMapOvr>
+</p:notes>
+</file>
+
+<file path=ppt/notesSlides/notesSlide9.xml><?xml version="1.0" encoding="utf-8"?>
+<p:notes xmlns:a="http://schemas.openxmlformats.org/drawingml/2006/main" xmlns:r="http://schemas.openxmlformats.org/officeDocument/2006/relationships" xmlns:p="http://schemas.openxmlformats.org/presentationml/2006/main">
+  <p:cSld>
+    <p:spTree>
+      <p:nvGrpSpPr>
+        <p:cNvPr id="1" name=""/>
+        <p:cNvGrpSpPr/>
+        <p:nvPr/>
+      </p:nvGrpSpPr>
+      <p:grpSpPr>
+        <a:xfrm>
+          <a:off x="0" y="0"/>
+          <a:ext cx="0" cy="0"/>
+          <a:chOff x="0" y="0"/>
+          <a:chExt cx="0" cy="0"/>
+        </a:xfrm>
+      </p:grpSpPr>
+      <p:sp>
+        <p:nvSpPr>
+          <p:cNvPr id="2" name="Slide Image Placeholder 1"/>
+          <p:cNvSpPr>
+            <a:spLocks noGrp="1" noRot="1" noChangeAspect="1"/>
+          </p:cNvSpPr>
+          <p:nvPr>
+            <p:ph type="sldImg"/>
+          </p:nvPr>
+        </p:nvSpPr>
+        <p:spPr/>
+      </p:sp>
+      <p:sp>
+        <p:nvSpPr>
+          <p:cNvPr id="3" name="Notes Placeholder 2"/>
+          <p:cNvSpPr>
+            <a:spLocks noGrp="1"/>
+          </p:cNvSpPr>
+          <p:nvPr>
+            <p:ph type="body" idx="1"/>
+          </p:nvPr>
+        </p:nvSpPr>
+        <p:spPr/>
+        <p:txBody>
+          <a:bodyPr/>
+          <a:lstStyle/>
+          <a:p>
+            <a:r>
+              <a:rPr lang="en-US" dirty="0" err="1"/>
+              <a:t>Wanneer</a:t>
+            </a:r>
+            <a:r>
+              <a:rPr lang="en-US" dirty="0"/>
+              <a:t> </a:t>
+            </a:r>
+            <a:r>
+              <a:rPr lang="en-US" dirty="0" err="1"/>
+              <a:t>meerdere</a:t>
+            </a:r>
+            <a:r>
+              <a:rPr lang="en-US" dirty="0"/>
+              <a:t> computers </a:t>
+            </a:r>
+            <a:r>
+              <a:rPr lang="en-US" dirty="0" err="1"/>
+              <a:t>lokaal</a:t>
+            </a:r>
+            <a:r>
+              <a:rPr lang="en-US" dirty="0"/>
+              <a:t> met </a:t>
+            </a:r>
+            <a:r>
+              <a:rPr lang="en-US" dirty="0" err="1"/>
+              <a:t>elkaar</a:t>
+            </a:r>
+            <a:r>
+              <a:rPr lang="en-US" dirty="0"/>
+              <a:t> </a:t>
+            </a:r>
+            <a:r>
+              <a:rPr lang="en-US" dirty="0" err="1"/>
+              <a:t>worden</a:t>
+            </a:r>
+            <a:r>
+              <a:rPr lang="en-US" dirty="0"/>
+              <a:t> </a:t>
+            </a:r>
+            <a:r>
+              <a:rPr lang="en-US" dirty="0" err="1"/>
+              <a:t>verbinden</a:t>
+            </a:r>
+            <a:r>
+              <a:rPr lang="en-US" dirty="0"/>
+              <a:t> </a:t>
+            </a:r>
+            <a:r>
+              <a:rPr lang="en-US" dirty="0" err="1"/>
+              <a:t>gebruiken</a:t>
+            </a:r>
+            <a:r>
+              <a:rPr lang="en-US" dirty="0"/>
+              <a:t> we </a:t>
+            </a:r>
+            <a:r>
+              <a:rPr lang="en-US" dirty="0" err="1"/>
+              <a:t>een</a:t>
+            </a:r>
+            <a:r>
+              <a:rPr lang="en-US" dirty="0"/>
+              <a:t> switch.</a:t>
+            </a:r>
+            <a:endParaRPr lang="LID4096" dirty="0"/>
+          </a:p>
+        </p:txBody>
+      </p:sp>
+      <p:sp>
+        <p:nvSpPr>
+          <p:cNvPr id="4" name="Slide Number Placeholder 3"/>
+          <p:cNvSpPr>
+            <a:spLocks noGrp="1"/>
+          </p:cNvSpPr>
+          <p:nvPr>
+            <p:ph type="sldNum" sz="quarter" idx="5"/>
+          </p:nvPr>
+        </p:nvSpPr>
+        <p:spPr/>
+        <p:txBody>
+          <a:bodyPr/>
+          <a:lstStyle/>
+          <a:p>
+            <a:fld id="{FD30C18C-AB1C-483C-BCB0-2CDFB8E5FF32}" type="slidenum">
+              <a:rPr lang="LID4096" smtClean="0"/>
+              <a:t>13</a:t>
+            </a:fld>
+            <a:endParaRPr lang="LID4096"/>
+          </a:p>
+        </p:txBody>
+      </p:sp>
+    </p:spTree>
+    <p:extLst>
+      <p:ext uri="{BB962C8B-B14F-4D97-AF65-F5344CB8AC3E}">
+        <p14:creationId xmlns:p14="http://schemas.microsoft.com/office/powerpoint/2010/main" val="2482201222"/>
       </p:ext>
     </p:extLst>
   </p:cSld>
@@ -6963,7 +10982,7 @@
           <a:p>
             <a:fld id="{D3EA6F85-C7EF-46CA-93F8-B25B71153B91}" type="datetimeFigureOut">
               <a:rPr lang="LID4096" smtClean="0"/>
-              <a:t>09/03/2025</a:t>
+              <a:t>11/17/2025</a:t>
             </a:fld>
             <a:endParaRPr lang="LID4096"/>
           </a:p>
@@ -7163,7 +11182,7 @@
           <a:p>
             <a:fld id="{D3EA6F85-C7EF-46CA-93F8-B25B71153B91}" type="datetimeFigureOut">
               <a:rPr lang="LID4096" smtClean="0"/>
-              <a:t>09/03/2025</a:t>
+              <a:t>11/17/2025</a:t>
             </a:fld>
             <a:endParaRPr lang="LID4096"/>
           </a:p>
@@ -7373,7 +11392,7 @@
           <a:p>
             <a:fld id="{D3EA6F85-C7EF-46CA-93F8-B25B71153B91}" type="datetimeFigureOut">
               <a:rPr lang="LID4096" smtClean="0"/>
-              <a:t>09/03/2025</a:t>
+              <a:t>11/17/2025</a:t>
             </a:fld>
             <a:endParaRPr lang="LID4096"/>
           </a:p>
@@ -7573,7 +11592,7 @@
           <a:p>
             <a:fld id="{D3EA6F85-C7EF-46CA-93F8-B25B71153B91}" type="datetimeFigureOut">
               <a:rPr lang="LID4096" smtClean="0"/>
-              <a:t>09/03/2025</a:t>
+              <a:t>11/17/2025</a:t>
             </a:fld>
             <a:endParaRPr lang="LID4096"/>
           </a:p>
@@ -7849,7 +11868,7 @@
           <a:p>
             <a:fld id="{D3EA6F85-C7EF-46CA-93F8-B25B71153B91}" type="datetimeFigureOut">
               <a:rPr lang="LID4096" smtClean="0"/>
-              <a:t>09/03/2025</a:t>
+              <a:t>11/17/2025</a:t>
             </a:fld>
             <a:endParaRPr lang="LID4096"/>
           </a:p>
@@ -8117,7 +12136,7 @@
           <a:p>
             <a:fld id="{D3EA6F85-C7EF-46CA-93F8-B25B71153B91}" type="datetimeFigureOut">
               <a:rPr lang="LID4096" smtClean="0"/>
-              <a:t>09/03/2025</a:t>
+              <a:t>11/17/2025</a:t>
             </a:fld>
             <a:endParaRPr lang="LID4096"/>
           </a:p>
@@ -8532,7 +12551,7 @@
           <a:p>
             <a:fld id="{D3EA6F85-C7EF-46CA-93F8-B25B71153B91}" type="datetimeFigureOut">
               <a:rPr lang="LID4096" smtClean="0"/>
-              <a:t>09/03/2025</a:t>
+              <a:t>11/17/2025</a:t>
             </a:fld>
             <a:endParaRPr lang="LID4096"/>
           </a:p>
@@ -8674,7 +12693,7 @@
           <a:p>
             <a:fld id="{D3EA6F85-C7EF-46CA-93F8-B25B71153B91}" type="datetimeFigureOut">
               <a:rPr lang="LID4096" smtClean="0"/>
-              <a:t>09/03/2025</a:t>
+              <a:t>11/17/2025</a:t>
             </a:fld>
             <a:endParaRPr lang="LID4096"/>
           </a:p>
@@ -8787,7 +12806,7 @@
           <a:p>
             <a:fld id="{D3EA6F85-C7EF-46CA-93F8-B25B71153B91}" type="datetimeFigureOut">
               <a:rPr lang="LID4096" smtClean="0"/>
-              <a:t>09/03/2025</a:t>
+              <a:t>11/17/2025</a:t>
             </a:fld>
             <a:endParaRPr lang="LID4096"/>
           </a:p>
@@ -9100,7 +13119,7 @@
           <a:p>
             <a:fld id="{D3EA6F85-C7EF-46CA-93F8-B25B71153B91}" type="datetimeFigureOut">
               <a:rPr lang="LID4096" smtClean="0"/>
-              <a:t>09/03/2025</a:t>
+              <a:t>11/17/2025</a:t>
             </a:fld>
             <a:endParaRPr lang="LID4096"/>
           </a:p>
@@ -9389,7 +13408,7 @@
           <a:p>
             <a:fld id="{D3EA6F85-C7EF-46CA-93F8-B25B71153B91}" type="datetimeFigureOut">
               <a:rPr lang="LID4096" smtClean="0"/>
-              <a:t>09/03/2025</a:t>
+              <a:t>11/17/2025</a:t>
             </a:fld>
             <a:endParaRPr lang="LID4096"/>
           </a:p>
@@ -9632,7 +13651,7 @@
           <a:p>
             <a:fld id="{D3EA6F85-C7EF-46CA-93F8-B25B71153B91}" type="datetimeFigureOut">
               <a:rPr lang="LID4096" smtClean="0"/>
-              <a:t>09/03/2025</a:t>
+              <a:t>11/17/2025</a:t>
             </a:fld>
             <a:endParaRPr lang="LID4096"/>
           </a:p>
@@ -10163,7 +14182,7 @@
           <p:nvPr/>
         </p:nvPicPr>
         <p:blipFill rotWithShape="1">
-          <a:blip r:embed="rId2">
+          <a:blip r:embed="rId3">
             <a:extLst>
               <a:ext uri="{28A0092B-C50C-407E-A947-70E740481C1C}">
                 <a14:useLocalDpi xmlns:a14="http://schemas.microsoft.com/office/drawing/2010/main" val="0"/>
@@ -10790,7 +14809,7 @@
           <p:nvPr/>
         </p:nvPicPr>
         <p:blipFill rotWithShape="1">
-          <a:blip r:embed="rId2">
+          <a:blip r:embed="rId3">
             <a:extLst>
               <a:ext uri="{28A0092B-C50C-407E-A947-70E740481C1C}">
                 <a14:useLocalDpi xmlns:a14="http://schemas.microsoft.com/office/drawing/2010/main" val="0"/>
@@ -10948,7 +14967,7 @@
           <p:nvPr/>
         </p:nvPicPr>
         <p:blipFill>
-          <a:blip r:embed="rId2" cstate="print">
+          <a:blip r:embed="rId3" cstate="print">
             <a:extLst>
               <a:ext uri="{28A0092B-C50C-407E-A947-70E740481C1C}">
                 <a14:useLocalDpi xmlns:a14="http://schemas.microsoft.com/office/drawing/2010/main" val="0"/>
@@ -11796,11 +15815,11 @@
           <p:nvPr/>
         </p:nvPicPr>
         <p:blipFill>
-          <a:blip r:embed="rId2" cstate="print">
+          <a:blip r:embed="rId3" cstate="print">
             <a:extLst>
               <a:ext uri="{BEBA8EAE-BF5A-486C-A8C5-ECC9F3942E4B}">
                 <a14:imgProps xmlns:a14="http://schemas.microsoft.com/office/drawing/2010/main">
-                  <a14:imgLayer r:embed="rId3">
+                  <a14:imgLayer r:embed="rId4">
                     <a14:imgEffect>
                       <a14:brightnessContrast contrast="40000"/>
                     </a14:imgEffect>
@@ -11844,11 +15863,11 @@
           <p:nvPr/>
         </p:nvPicPr>
         <p:blipFill>
-          <a:blip r:embed="rId2" cstate="print">
+          <a:blip r:embed="rId3" cstate="print">
             <a:extLst>
               <a:ext uri="{BEBA8EAE-BF5A-486C-A8C5-ECC9F3942E4B}">
                 <a14:imgProps xmlns:a14="http://schemas.microsoft.com/office/drawing/2010/main">
-                  <a14:imgLayer r:embed="rId3">
+                  <a14:imgLayer r:embed="rId4">
                     <a14:imgEffect>
                       <a14:brightnessContrast contrast="40000"/>
                     </a14:imgEffect>
@@ -11892,11 +15911,11 @@
           <p:nvPr/>
         </p:nvPicPr>
         <p:blipFill>
-          <a:blip r:embed="rId2" cstate="print">
+          <a:blip r:embed="rId3" cstate="print">
             <a:extLst>
               <a:ext uri="{BEBA8EAE-BF5A-486C-A8C5-ECC9F3942E4B}">
                 <a14:imgProps xmlns:a14="http://schemas.microsoft.com/office/drawing/2010/main">
-                  <a14:imgLayer r:embed="rId3">
+                  <a14:imgLayer r:embed="rId4">
                     <a14:imgEffect>
                       <a14:brightnessContrast contrast="40000"/>
                     </a14:imgEffect>
@@ -11940,11 +15959,11 @@
           <p:nvPr/>
         </p:nvPicPr>
         <p:blipFill>
-          <a:blip r:embed="rId2" cstate="print">
+          <a:blip r:embed="rId3" cstate="print">
             <a:extLst>
               <a:ext uri="{BEBA8EAE-BF5A-486C-A8C5-ECC9F3942E4B}">
                 <a14:imgProps xmlns:a14="http://schemas.microsoft.com/office/drawing/2010/main">
-                  <a14:imgLayer r:embed="rId3">
+                  <a14:imgLayer r:embed="rId4">
                     <a14:imgEffect>
                       <a14:brightnessContrast contrast="40000"/>
                     </a14:imgEffect>
@@ -11988,11 +16007,11 @@
           <p:nvPr/>
         </p:nvPicPr>
         <p:blipFill>
-          <a:blip r:embed="rId2" cstate="print">
+          <a:blip r:embed="rId3" cstate="print">
             <a:extLst>
               <a:ext uri="{BEBA8EAE-BF5A-486C-A8C5-ECC9F3942E4B}">
                 <a14:imgProps xmlns:a14="http://schemas.microsoft.com/office/drawing/2010/main">
-                  <a14:imgLayer r:embed="rId3">
+                  <a14:imgLayer r:embed="rId4">
                     <a14:imgEffect>
                       <a14:brightnessContrast contrast="40000"/>
                     </a14:imgEffect>
@@ -12036,11 +16055,11 @@
           <p:nvPr/>
         </p:nvPicPr>
         <p:blipFill>
-          <a:blip r:embed="rId2" cstate="print">
+          <a:blip r:embed="rId3" cstate="print">
             <a:extLst>
               <a:ext uri="{BEBA8EAE-BF5A-486C-A8C5-ECC9F3942E4B}">
                 <a14:imgProps xmlns:a14="http://schemas.microsoft.com/office/drawing/2010/main">
-                  <a14:imgLayer r:embed="rId3">
+                  <a14:imgLayer r:embed="rId4">
                     <a14:imgEffect>
                       <a14:brightnessContrast contrast="40000"/>
                     </a14:imgEffect>
@@ -12086,7 +16105,7 @@
           <p:nvPr/>
         </p:nvPicPr>
         <p:blipFill>
-          <a:blip r:embed="rId4" cstate="print">
+          <a:blip r:embed="rId5" cstate="print">
             <a:extLst>
               <a:ext uri="{28A0092B-C50C-407E-A947-70E740481C1C}">
                 <a14:useLocalDpi xmlns:a14="http://schemas.microsoft.com/office/drawing/2010/main" val="0"/>
@@ -12486,11 +16505,11 @@
           <p:nvPr/>
         </p:nvPicPr>
         <p:blipFill>
-          <a:blip r:embed="rId2" cstate="print">
+          <a:blip r:embed="rId3" cstate="print">
             <a:extLst>
               <a:ext uri="{BEBA8EAE-BF5A-486C-A8C5-ECC9F3942E4B}">
                 <a14:imgProps xmlns:a14="http://schemas.microsoft.com/office/drawing/2010/main">
-                  <a14:imgLayer r:embed="rId3">
+                  <a14:imgLayer r:embed="rId4">
                     <a14:imgEffect>
                       <a14:brightnessContrast contrast="40000"/>
                     </a14:imgEffect>
@@ -12534,11 +16553,11 @@
           <p:nvPr/>
         </p:nvPicPr>
         <p:blipFill>
-          <a:blip r:embed="rId2" cstate="print">
+          <a:blip r:embed="rId3" cstate="print">
             <a:extLst>
               <a:ext uri="{BEBA8EAE-BF5A-486C-A8C5-ECC9F3942E4B}">
                 <a14:imgProps xmlns:a14="http://schemas.microsoft.com/office/drawing/2010/main">
-                  <a14:imgLayer r:embed="rId3">
+                  <a14:imgLayer r:embed="rId4">
                     <a14:imgEffect>
                       <a14:brightnessContrast contrast="40000"/>
                     </a14:imgEffect>
@@ -12582,11 +16601,11 @@
           <p:nvPr/>
         </p:nvPicPr>
         <p:blipFill>
-          <a:blip r:embed="rId2" cstate="print">
+          <a:blip r:embed="rId3" cstate="print">
             <a:extLst>
               <a:ext uri="{BEBA8EAE-BF5A-486C-A8C5-ECC9F3942E4B}">
                 <a14:imgProps xmlns:a14="http://schemas.microsoft.com/office/drawing/2010/main">
-                  <a14:imgLayer r:embed="rId3">
+                  <a14:imgLayer r:embed="rId4">
                     <a14:imgEffect>
                       <a14:brightnessContrast contrast="40000"/>
                     </a14:imgEffect>
@@ -12630,11 +16649,11 @@
           <p:nvPr/>
         </p:nvPicPr>
         <p:blipFill>
-          <a:blip r:embed="rId2" cstate="print">
+          <a:blip r:embed="rId3" cstate="print">
             <a:extLst>
               <a:ext uri="{BEBA8EAE-BF5A-486C-A8C5-ECC9F3942E4B}">
                 <a14:imgProps xmlns:a14="http://schemas.microsoft.com/office/drawing/2010/main">
-                  <a14:imgLayer r:embed="rId3">
+                  <a14:imgLayer r:embed="rId4">
                     <a14:imgEffect>
                       <a14:brightnessContrast contrast="40000"/>
                     </a14:imgEffect>
@@ -12678,11 +16697,11 @@
           <p:nvPr/>
         </p:nvPicPr>
         <p:blipFill>
-          <a:blip r:embed="rId2" cstate="print">
+          <a:blip r:embed="rId3" cstate="print">
             <a:extLst>
               <a:ext uri="{BEBA8EAE-BF5A-486C-A8C5-ECC9F3942E4B}">
                 <a14:imgProps xmlns:a14="http://schemas.microsoft.com/office/drawing/2010/main">
-                  <a14:imgLayer r:embed="rId3">
+                  <a14:imgLayer r:embed="rId4">
                     <a14:imgEffect>
                       <a14:brightnessContrast contrast="40000"/>
                     </a14:imgEffect>
@@ -12726,11 +16745,11 @@
           <p:nvPr/>
         </p:nvPicPr>
         <p:blipFill>
-          <a:blip r:embed="rId2" cstate="print">
+          <a:blip r:embed="rId3" cstate="print">
             <a:extLst>
               <a:ext uri="{BEBA8EAE-BF5A-486C-A8C5-ECC9F3942E4B}">
                 <a14:imgProps xmlns:a14="http://schemas.microsoft.com/office/drawing/2010/main">
-                  <a14:imgLayer r:embed="rId3">
+                  <a14:imgLayer r:embed="rId4">
                     <a14:imgEffect>
                       <a14:brightnessContrast contrast="40000"/>
                     </a14:imgEffect>
@@ -12776,7 +16795,7 @@
           <p:nvPr/>
         </p:nvPicPr>
         <p:blipFill>
-          <a:blip r:embed="rId4" cstate="print">
+          <a:blip r:embed="rId5" cstate="print">
             <a:extLst>
               <a:ext uri="{28A0092B-C50C-407E-A947-70E740481C1C}">
                 <a14:useLocalDpi xmlns:a14="http://schemas.microsoft.com/office/drawing/2010/main" val="0"/>
@@ -13381,7 +17400,7 @@
           <p:nvPr/>
         </p:nvPicPr>
         <p:blipFill>
-          <a:blip r:embed="rId2">
+          <a:blip r:embed="rId3">
             <a:extLst>
               <a:ext uri="{28A0092B-C50C-407E-A947-70E740481C1C}">
                 <a14:useLocalDpi xmlns:a14="http://schemas.microsoft.com/office/drawing/2010/main" val="0"/>
@@ -13462,11 +17481,11 @@
           <p:nvPr/>
         </p:nvPicPr>
         <p:blipFill>
-          <a:blip r:embed="rId2" cstate="print">
+          <a:blip r:embed="rId3" cstate="print">
             <a:extLst>
               <a:ext uri="{BEBA8EAE-BF5A-486C-A8C5-ECC9F3942E4B}">
                 <a14:imgProps xmlns:a14="http://schemas.microsoft.com/office/drawing/2010/main">
-                  <a14:imgLayer r:embed="rId3">
+                  <a14:imgLayer r:embed="rId4">
                     <a14:imgEffect>
                       <a14:brightnessContrast contrast="40000"/>
                     </a14:imgEffect>
@@ -13510,11 +17529,11 @@
           <p:nvPr/>
         </p:nvPicPr>
         <p:blipFill>
-          <a:blip r:embed="rId2" cstate="print">
+          <a:blip r:embed="rId3" cstate="print">
             <a:extLst>
               <a:ext uri="{BEBA8EAE-BF5A-486C-A8C5-ECC9F3942E4B}">
                 <a14:imgProps xmlns:a14="http://schemas.microsoft.com/office/drawing/2010/main">
-                  <a14:imgLayer r:embed="rId3">
+                  <a14:imgLayer r:embed="rId4">
                     <a14:imgEffect>
                       <a14:brightnessContrast contrast="40000"/>
                     </a14:imgEffect>
@@ -13558,11 +17577,11 @@
           <p:nvPr/>
         </p:nvPicPr>
         <p:blipFill>
-          <a:blip r:embed="rId2" cstate="print">
+          <a:blip r:embed="rId3" cstate="print">
             <a:extLst>
               <a:ext uri="{BEBA8EAE-BF5A-486C-A8C5-ECC9F3942E4B}">
                 <a14:imgProps xmlns:a14="http://schemas.microsoft.com/office/drawing/2010/main">
-                  <a14:imgLayer r:embed="rId3">
+                  <a14:imgLayer r:embed="rId4">
                     <a14:imgEffect>
                       <a14:brightnessContrast contrast="40000"/>
                     </a14:imgEffect>
@@ -13606,11 +17625,11 @@
           <p:nvPr/>
         </p:nvPicPr>
         <p:blipFill>
-          <a:blip r:embed="rId2" cstate="print">
+          <a:blip r:embed="rId3" cstate="print">
             <a:extLst>
               <a:ext uri="{BEBA8EAE-BF5A-486C-A8C5-ECC9F3942E4B}">
                 <a14:imgProps xmlns:a14="http://schemas.microsoft.com/office/drawing/2010/main">
-                  <a14:imgLayer r:embed="rId3">
+                  <a14:imgLayer r:embed="rId4">
                     <a14:imgEffect>
                       <a14:brightnessContrast contrast="40000"/>
                     </a14:imgEffect>
@@ -13654,11 +17673,11 @@
           <p:nvPr/>
         </p:nvPicPr>
         <p:blipFill>
-          <a:blip r:embed="rId2" cstate="print">
+          <a:blip r:embed="rId3" cstate="print">
             <a:extLst>
               <a:ext uri="{BEBA8EAE-BF5A-486C-A8C5-ECC9F3942E4B}">
                 <a14:imgProps xmlns:a14="http://schemas.microsoft.com/office/drawing/2010/main">
-                  <a14:imgLayer r:embed="rId3">
+                  <a14:imgLayer r:embed="rId4">
                     <a14:imgEffect>
                       <a14:brightnessContrast contrast="40000"/>
                     </a14:imgEffect>
@@ -13702,11 +17721,11 @@
           <p:nvPr/>
         </p:nvPicPr>
         <p:blipFill>
-          <a:blip r:embed="rId2" cstate="print">
+          <a:blip r:embed="rId3" cstate="print">
             <a:extLst>
               <a:ext uri="{BEBA8EAE-BF5A-486C-A8C5-ECC9F3942E4B}">
                 <a14:imgProps xmlns:a14="http://schemas.microsoft.com/office/drawing/2010/main">
-                  <a14:imgLayer r:embed="rId3">
+                  <a14:imgLayer r:embed="rId4">
                     <a14:imgEffect>
                       <a14:brightnessContrast contrast="40000"/>
                     </a14:imgEffect>
@@ -13752,7 +17771,7 @@
           <p:nvPr/>
         </p:nvPicPr>
         <p:blipFill>
-          <a:blip r:embed="rId4" cstate="print">
+          <a:blip r:embed="rId5" cstate="print">
             <a:extLst>
               <a:ext uri="{28A0092B-C50C-407E-A947-70E740481C1C}">
                 <a14:useLocalDpi xmlns:a14="http://schemas.microsoft.com/office/drawing/2010/main" val="0"/>
@@ -14517,7 +18536,7 @@
           <p:nvPr/>
         </p:nvPicPr>
         <p:blipFill>
-          <a:blip r:embed="rId2">
+          <a:blip r:embed="rId3">
             <a:extLst>
               <a:ext uri="{28A0092B-C50C-407E-A947-70E740481C1C}">
                 <a14:useLocalDpi xmlns:a14="http://schemas.microsoft.com/office/drawing/2010/main" val="0"/>
@@ -14675,11 +18694,11 @@
           <p:nvPr/>
         </p:nvPicPr>
         <p:blipFill>
-          <a:blip r:embed="rId2" cstate="print">
+          <a:blip r:embed="rId3" cstate="print">
             <a:extLst>
               <a:ext uri="{BEBA8EAE-BF5A-486C-A8C5-ECC9F3942E4B}">
                 <a14:imgProps xmlns:a14="http://schemas.microsoft.com/office/drawing/2010/main">
-                  <a14:imgLayer r:embed="rId3">
+                  <a14:imgLayer r:embed="rId4">
                     <a14:imgEffect>
                       <a14:brightnessContrast contrast="40000"/>
                     </a14:imgEffect>
@@ -14723,11 +18742,11 @@
           <p:nvPr/>
         </p:nvPicPr>
         <p:blipFill>
-          <a:blip r:embed="rId2" cstate="print">
+          <a:blip r:embed="rId3" cstate="print">
             <a:extLst>
               <a:ext uri="{BEBA8EAE-BF5A-486C-A8C5-ECC9F3942E4B}">
                 <a14:imgProps xmlns:a14="http://schemas.microsoft.com/office/drawing/2010/main">
-                  <a14:imgLayer r:embed="rId3">
+                  <a14:imgLayer r:embed="rId4">
                     <a14:imgEffect>
                       <a14:brightnessContrast contrast="40000"/>
                     </a14:imgEffect>
@@ -14771,11 +18790,11 @@
           <p:nvPr/>
         </p:nvPicPr>
         <p:blipFill>
-          <a:blip r:embed="rId2" cstate="print">
+          <a:blip r:embed="rId3" cstate="print">
             <a:extLst>
               <a:ext uri="{BEBA8EAE-BF5A-486C-A8C5-ECC9F3942E4B}">
                 <a14:imgProps xmlns:a14="http://schemas.microsoft.com/office/drawing/2010/main">
-                  <a14:imgLayer r:embed="rId3">
+                  <a14:imgLayer r:embed="rId4">
                     <a14:imgEffect>
                       <a14:brightnessContrast contrast="40000"/>
                     </a14:imgEffect>
@@ -14819,11 +18838,11 @@
           <p:nvPr/>
         </p:nvPicPr>
         <p:blipFill>
-          <a:blip r:embed="rId2" cstate="print">
+          <a:blip r:embed="rId3" cstate="print">
             <a:extLst>
               <a:ext uri="{BEBA8EAE-BF5A-486C-A8C5-ECC9F3942E4B}">
                 <a14:imgProps xmlns:a14="http://schemas.microsoft.com/office/drawing/2010/main">
-                  <a14:imgLayer r:embed="rId3">
+                  <a14:imgLayer r:embed="rId4">
                     <a14:imgEffect>
                       <a14:brightnessContrast contrast="40000"/>
                     </a14:imgEffect>
@@ -14867,11 +18886,11 @@
           <p:nvPr/>
         </p:nvPicPr>
         <p:blipFill>
-          <a:blip r:embed="rId2" cstate="print">
+          <a:blip r:embed="rId3" cstate="print">
             <a:extLst>
               <a:ext uri="{BEBA8EAE-BF5A-486C-A8C5-ECC9F3942E4B}">
                 <a14:imgProps xmlns:a14="http://schemas.microsoft.com/office/drawing/2010/main">
-                  <a14:imgLayer r:embed="rId3">
+                  <a14:imgLayer r:embed="rId4">
                     <a14:imgEffect>
                       <a14:brightnessContrast contrast="40000"/>
                     </a14:imgEffect>
@@ -14915,11 +18934,11 @@
           <p:nvPr/>
         </p:nvPicPr>
         <p:blipFill>
-          <a:blip r:embed="rId2" cstate="print">
+          <a:blip r:embed="rId3" cstate="print">
             <a:extLst>
               <a:ext uri="{BEBA8EAE-BF5A-486C-A8C5-ECC9F3942E4B}">
                 <a14:imgProps xmlns:a14="http://schemas.microsoft.com/office/drawing/2010/main">
-                  <a14:imgLayer r:embed="rId3">
+                  <a14:imgLayer r:embed="rId4">
                     <a14:imgEffect>
                       <a14:brightnessContrast contrast="40000"/>
                     </a14:imgEffect>
@@ -14965,7 +18984,7 @@
           <p:nvPr/>
         </p:nvPicPr>
         <p:blipFill>
-          <a:blip r:embed="rId4" cstate="print">
+          <a:blip r:embed="rId5" cstate="print">
             <a:extLst>
               <a:ext uri="{28A0092B-C50C-407E-A947-70E740481C1C}">
                 <a14:useLocalDpi xmlns:a14="http://schemas.microsoft.com/office/drawing/2010/main" val="0"/>
@@ -15890,7 +19909,7 @@
           <p:nvPr/>
         </p:nvPicPr>
         <p:blipFill>
-          <a:blip r:embed="rId2">
+          <a:blip r:embed="rId3">
             <a:extLst>
               <a:ext uri="{28A0092B-C50C-407E-A947-70E740481C1C}">
                 <a14:useLocalDpi xmlns:a14="http://schemas.microsoft.com/office/drawing/2010/main" val="0"/>
@@ -15971,11 +19990,11 @@
           <p:nvPr/>
         </p:nvPicPr>
         <p:blipFill>
-          <a:blip r:embed="rId2" cstate="print">
+          <a:blip r:embed="rId3" cstate="print">
             <a:extLst>
               <a:ext uri="{BEBA8EAE-BF5A-486C-A8C5-ECC9F3942E4B}">
                 <a14:imgProps xmlns:a14="http://schemas.microsoft.com/office/drawing/2010/main">
-                  <a14:imgLayer r:embed="rId3">
+                  <a14:imgLayer r:embed="rId4">
                     <a14:imgEffect>
                       <a14:brightnessContrast contrast="40000"/>
                     </a14:imgEffect>
@@ -16019,11 +20038,11 @@
           <p:nvPr/>
         </p:nvPicPr>
         <p:blipFill>
-          <a:blip r:embed="rId2" cstate="print">
+          <a:blip r:embed="rId3" cstate="print">
             <a:extLst>
               <a:ext uri="{BEBA8EAE-BF5A-486C-A8C5-ECC9F3942E4B}">
                 <a14:imgProps xmlns:a14="http://schemas.microsoft.com/office/drawing/2010/main">
-                  <a14:imgLayer r:embed="rId3">
+                  <a14:imgLayer r:embed="rId4">
                     <a14:imgEffect>
                       <a14:brightnessContrast contrast="40000"/>
                     </a14:imgEffect>
@@ -16067,11 +20086,11 @@
           <p:nvPr/>
         </p:nvPicPr>
         <p:blipFill>
-          <a:blip r:embed="rId2" cstate="print">
+          <a:blip r:embed="rId3" cstate="print">
             <a:extLst>
               <a:ext uri="{BEBA8EAE-BF5A-486C-A8C5-ECC9F3942E4B}">
                 <a14:imgProps xmlns:a14="http://schemas.microsoft.com/office/drawing/2010/main">
-                  <a14:imgLayer r:embed="rId3">
+                  <a14:imgLayer r:embed="rId4">
                     <a14:imgEffect>
                       <a14:brightnessContrast contrast="40000"/>
                     </a14:imgEffect>
@@ -16115,11 +20134,11 @@
           <p:nvPr/>
         </p:nvPicPr>
         <p:blipFill>
-          <a:blip r:embed="rId2" cstate="print">
+          <a:blip r:embed="rId3" cstate="print">
             <a:extLst>
               <a:ext uri="{BEBA8EAE-BF5A-486C-A8C5-ECC9F3942E4B}">
                 <a14:imgProps xmlns:a14="http://schemas.microsoft.com/office/drawing/2010/main">
-                  <a14:imgLayer r:embed="rId3">
+                  <a14:imgLayer r:embed="rId4">
                     <a14:imgEffect>
                       <a14:brightnessContrast contrast="40000"/>
                     </a14:imgEffect>
@@ -16163,11 +20182,11 @@
           <p:nvPr/>
         </p:nvPicPr>
         <p:blipFill>
-          <a:blip r:embed="rId2" cstate="print">
+          <a:blip r:embed="rId3" cstate="print">
             <a:extLst>
               <a:ext uri="{BEBA8EAE-BF5A-486C-A8C5-ECC9F3942E4B}">
                 <a14:imgProps xmlns:a14="http://schemas.microsoft.com/office/drawing/2010/main">
-                  <a14:imgLayer r:embed="rId3">
+                  <a14:imgLayer r:embed="rId4">
                     <a14:imgEffect>
                       <a14:brightnessContrast contrast="40000"/>
                     </a14:imgEffect>
@@ -16211,11 +20230,11 @@
           <p:nvPr/>
         </p:nvPicPr>
         <p:blipFill>
-          <a:blip r:embed="rId2" cstate="print">
+          <a:blip r:embed="rId3" cstate="print">
             <a:extLst>
               <a:ext uri="{BEBA8EAE-BF5A-486C-A8C5-ECC9F3942E4B}">
                 <a14:imgProps xmlns:a14="http://schemas.microsoft.com/office/drawing/2010/main">
-                  <a14:imgLayer r:embed="rId3">
+                  <a14:imgLayer r:embed="rId4">
                     <a14:imgEffect>
                       <a14:brightnessContrast contrast="40000"/>
                     </a14:imgEffect>
@@ -16261,7 +20280,7 @@
           <p:nvPr/>
         </p:nvPicPr>
         <p:blipFill>
-          <a:blip r:embed="rId4" cstate="print">
+          <a:blip r:embed="rId5" cstate="print">
             <a:extLst>
               <a:ext uri="{28A0092B-C50C-407E-A947-70E740481C1C}">
                 <a14:useLocalDpi xmlns:a14="http://schemas.microsoft.com/office/drawing/2010/main" val="0"/>
@@ -17028,7 +21047,7 @@
           <p:nvPr/>
         </p:nvPicPr>
         <p:blipFill>
-          <a:blip r:embed="rId2">
+          <a:blip r:embed="rId3">
             <a:extLst>
               <a:ext uri="{28A0092B-C50C-407E-A947-70E740481C1C}">
                 <a14:useLocalDpi xmlns:a14="http://schemas.microsoft.com/office/drawing/2010/main" val="0"/>
@@ -17330,7 +21349,7 @@
           <p:nvPr/>
         </p:nvPicPr>
         <p:blipFill rotWithShape="1">
-          <a:blip r:embed="rId2">
+          <a:blip r:embed="rId3">
             <a:extLst>
               <a:ext uri="{28A0092B-C50C-407E-A947-70E740481C1C}">
                 <a14:useLocalDpi xmlns:a14="http://schemas.microsoft.com/office/drawing/2010/main" val="0"/>
@@ -17375,7 +21394,7 @@
           <p:nvPr/>
         </p:nvPicPr>
         <p:blipFill>
-          <a:blip r:embed="rId3" cstate="print">
+          <a:blip r:embed="rId4" cstate="print">
             <a:extLst>
               <a:ext uri="{28A0092B-C50C-407E-A947-70E740481C1C}">
                 <a14:useLocalDpi xmlns:a14="http://schemas.microsoft.com/office/drawing/2010/main" val="0"/>
@@ -17847,11 +21866,11 @@
           <p:nvPr/>
         </p:nvPicPr>
         <p:blipFill>
-          <a:blip r:embed="rId2" cstate="print">
+          <a:blip r:embed="rId3" cstate="print">
             <a:extLst>
               <a:ext uri="{BEBA8EAE-BF5A-486C-A8C5-ECC9F3942E4B}">
                 <a14:imgProps xmlns:a14="http://schemas.microsoft.com/office/drawing/2010/main">
-                  <a14:imgLayer r:embed="rId3">
+                  <a14:imgLayer r:embed="rId4">
                     <a14:imgEffect>
                       <a14:brightnessContrast contrast="40000"/>
                     </a14:imgEffect>
@@ -17895,11 +21914,11 @@
           <p:nvPr/>
         </p:nvPicPr>
         <p:blipFill>
-          <a:blip r:embed="rId2" cstate="print">
+          <a:blip r:embed="rId3" cstate="print">
             <a:extLst>
               <a:ext uri="{BEBA8EAE-BF5A-486C-A8C5-ECC9F3942E4B}">
                 <a14:imgProps xmlns:a14="http://schemas.microsoft.com/office/drawing/2010/main">
-                  <a14:imgLayer r:embed="rId3">
+                  <a14:imgLayer r:embed="rId4">
                     <a14:imgEffect>
                       <a14:brightnessContrast contrast="40000"/>
                     </a14:imgEffect>
@@ -17943,11 +21962,11 @@
           <p:nvPr/>
         </p:nvPicPr>
         <p:blipFill>
-          <a:blip r:embed="rId2" cstate="print">
+          <a:blip r:embed="rId3" cstate="print">
             <a:extLst>
               <a:ext uri="{BEBA8EAE-BF5A-486C-A8C5-ECC9F3942E4B}">
                 <a14:imgProps xmlns:a14="http://schemas.microsoft.com/office/drawing/2010/main">
-                  <a14:imgLayer r:embed="rId3">
+                  <a14:imgLayer r:embed="rId4">
                     <a14:imgEffect>
                       <a14:brightnessContrast contrast="40000"/>
                     </a14:imgEffect>
@@ -17991,11 +22010,11 @@
           <p:nvPr/>
         </p:nvPicPr>
         <p:blipFill>
-          <a:blip r:embed="rId2" cstate="print">
+          <a:blip r:embed="rId3" cstate="print">
             <a:extLst>
               <a:ext uri="{BEBA8EAE-BF5A-486C-A8C5-ECC9F3942E4B}">
                 <a14:imgProps xmlns:a14="http://schemas.microsoft.com/office/drawing/2010/main">
-                  <a14:imgLayer r:embed="rId3">
+                  <a14:imgLayer r:embed="rId4">
                     <a14:imgEffect>
                       <a14:brightnessContrast contrast="40000"/>
                     </a14:imgEffect>
@@ -18039,11 +22058,11 @@
           <p:nvPr/>
         </p:nvPicPr>
         <p:blipFill>
-          <a:blip r:embed="rId2" cstate="print">
+          <a:blip r:embed="rId3" cstate="print">
             <a:extLst>
               <a:ext uri="{BEBA8EAE-BF5A-486C-A8C5-ECC9F3942E4B}">
                 <a14:imgProps xmlns:a14="http://schemas.microsoft.com/office/drawing/2010/main">
-                  <a14:imgLayer r:embed="rId3">
+                  <a14:imgLayer r:embed="rId4">
                     <a14:imgEffect>
                       <a14:brightnessContrast contrast="40000"/>
                     </a14:imgEffect>
@@ -18527,11 +22546,11 @@
           <p:nvPr/>
         </p:nvPicPr>
         <p:blipFill>
-          <a:blip r:embed="rId2" cstate="print">
+          <a:blip r:embed="rId3" cstate="print">
             <a:extLst>
               <a:ext uri="{BEBA8EAE-BF5A-486C-A8C5-ECC9F3942E4B}">
                 <a14:imgProps xmlns:a14="http://schemas.microsoft.com/office/drawing/2010/main">
-                  <a14:imgLayer r:embed="rId3">
+                  <a14:imgLayer r:embed="rId4">
                     <a14:imgEffect>
                       <a14:brightnessContrast contrast="40000"/>
                     </a14:imgEffect>
@@ -18575,11 +22594,11 @@
           <p:nvPr/>
         </p:nvPicPr>
         <p:blipFill>
-          <a:blip r:embed="rId2" cstate="print">
+          <a:blip r:embed="rId3" cstate="print">
             <a:extLst>
               <a:ext uri="{BEBA8EAE-BF5A-486C-A8C5-ECC9F3942E4B}">
                 <a14:imgProps xmlns:a14="http://schemas.microsoft.com/office/drawing/2010/main">
-                  <a14:imgLayer r:embed="rId3">
+                  <a14:imgLayer r:embed="rId4">
                     <a14:imgEffect>
                       <a14:brightnessContrast contrast="40000"/>
                     </a14:imgEffect>
@@ -18623,11 +22642,11 @@
           <p:nvPr/>
         </p:nvPicPr>
         <p:blipFill>
-          <a:blip r:embed="rId2" cstate="print">
+          <a:blip r:embed="rId3" cstate="print">
             <a:extLst>
               <a:ext uri="{BEBA8EAE-BF5A-486C-A8C5-ECC9F3942E4B}">
                 <a14:imgProps xmlns:a14="http://schemas.microsoft.com/office/drawing/2010/main">
-                  <a14:imgLayer r:embed="rId3">
+                  <a14:imgLayer r:embed="rId4">
                     <a14:imgEffect>
                       <a14:brightnessContrast contrast="40000"/>
                     </a14:imgEffect>
@@ -18671,11 +22690,11 @@
           <p:nvPr/>
         </p:nvPicPr>
         <p:blipFill>
-          <a:blip r:embed="rId2" cstate="print">
+          <a:blip r:embed="rId3" cstate="print">
             <a:extLst>
               <a:ext uri="{BEBA8EAE-BF5A-486C-A8C5-ECC9F3942E4B}">
                 <a14:imgProps xmlns:a14="http://schemas.microsoft.com/office/drawing/2010/main">
-                  <a14:imgLayer r:embed="rId3">
+                  <a14:imgLayer r:embed="rId4">
                     <a14:imgEffect>
                       <a14:brightnessContrast contrast="40000"/>
                     </a14:imgEffect>
@@ -18721,7 +22740,7 @@
           <p:nvPr/>
         </p:nvPicPr>
         <p:blipFill>
-          <a:blip r:embed="rId4" cstate="print">
+          <a:blip r:embed="rId5" cstate="print">
             <a:extLst>
               <a:ext uri="{28A0092B-C50C-407E-A947-70E740481C1C}">
                 <a14:useLocalDpi xmlns:a14="http://schemas.microsoft.com/office/drawing/2010/main" val="0"/>
@@ -18757,7 +22776,7 @@
           <p:nvPr/>
         </p:nvPicPr>
         <p:blipFill>
-          <a:blip r:embed="rId5" cstate="print">
+          <a:blip r:embed="rId6" cstate="print">
             <a:extLst>
               <a:ext uri="{28A0092B-C50C-407E-A947-70E740481C1C}">
                 <a14:useLocalDpi xmlns:a14="http://schemas.microsoft.com/office/drawing/2010/main" val="0"/>
@@ -20764,7 +24783,7 @@
           <p:nvPr/>
         </p:nvPicPr>
         <p:blipFill>
-          <a:blip r:embed="rId2">
+          <a:blip r:embed="rId3">
             <a:extLst>
               <a:ext uri="{28A0092B-C50C-407E-A947-70E740481C1C}">
                 <a14:useLocalDpi xmlns:a14="http://schemas.microsoft.com/office/drawing/2010/main" val="0"/>
@@ -20953,7 +24972,7 @@
           <p:nvPr/>
         </p:nvPicPr>
         <p:blipFill>
-          <a:blip r:embed="rId2">
+          <a:blip r:embed="rId3">
             <a:extLst>
               <a:ext uri="{28A0092B-C50C-407E-A947-70E740481C1C}">
                 <a14:useLocalDpi xmlns:a14="http://schemas.microsoft.com/office/drawing/2010/main" val="0"/>
@@ -21144,7 +25163,7 @@
           </p:nvPr>
         </p:nvPicPr>
         <p:blipFill>
-          <a:blip r:embed="rId2">
+          <a:blip r:embed="rId3">
             <a:extLst>
               <a:ext uri="{28A0092B-C50C-407E-A947-70E740481C1C}">
                 <a14:useLocalDpi xmlns:a14="http://schemas.microsoft.com/office/drawing/2010/main" val="0"/>
@@ -21239,7 +25258,7 @@
           <p:nvPr/>
         </p:nvPicPr>
         <p:blipFill rotWithShape="1">
-          <a:blip r:embed="rId2">
+          <a:blip r:embed="rId3">
             <a:extLst>
               <a:ext uri="{28A0092B-C50C-407E-A947-70E740481C1C}">
                 <a14:useLocalDpi xmlns:a14="http://schemas.microsoft.com/office/drawing/2010/main" val="0"/>
@@ -21428,7 +25447,7 @@
           </p:nvPr>
         </p:nvPicPr>
         <p:blipFill>
-          <a:blip r:embed="rId2">
+          <a:blip r:embed="rId3">
             <a:extLst>
               <a:ext uri="{28A0092B-C50C-407E-A947-70E740481C1C}">
                 <a14:useLocalDpi xmlns:a14="http://schemas.microsoft.com/office/drawing/2010/main" val="0"/>
@@ -21510,7 +25529,7 @@
           <p:nvPr/>
         </p:nvPicPr>
         <p:blipFill>
-          <a:blip r:embed="rId3">
+          <a:blip r:embed="rId4">
             <a:extLst>
               <a:ext uri="{28A0092B-C50C-407E-A947-70E740481C1C}">
                 <a14:useLocalDpi xmlns:a14="http://schemas.microsoft.com/office/drawing/2010/main" val="0"/>
@@ -22240,7 +26259,7 @@
           <p:cNvPr id="2" name="Title 1">
             <a:extLst>
               <a:ext uri="{FF2B5EF4-FFF2-40B4-BE49-F238E27FC236}">
-                <a16:creationId xmlns:a16="http://schemas.microsoft.com/office/drawing/2014/main" id="{A269EFC4-5ACE-1F14-E643-6757D79916D5}"/>
+                <a16:creationId xmlns:a16="http://schemas.microsoft.com/office/drawing/2014/main" id="{104058DD-1549-0655-D98F-9125044A2419}"/>
               </a:ext>
             </a:extLst>
           </p:cNvPr>
@@ -22258,7 +26277,7 @@
           <a:p>
             <a:r>
               <a:rPr lang="en-US" dirty="0" err="1"/>
-              <a:t>Seriële</a:t>
+              <a:t>Parallelle</a:t>
             </a:r>
             <a:r>
               <a:rPr lang="en-US" dirty="0"/>
@@ -22272,392 +26291,136 @@
           </a:p>
         </p:txBody>
       </p:sp>
-      <p:sp>
-        <p:nvSpPr>
-          <p:cNvPr id="8" name="Rechthoek 1">
+      <p:pic>
+        <p:nvPicPr>
+          <p:cNvPr id="5" name="Afbeelding 21">
             <a:extLst>
               <a:ext uri="{FF2B5EF4-FFF2-40B4-BE49-F238E27FC236}">
-                <a16:creationId xmlns:a16="http://schemas.microsoft.com/office/drawing/2014/main" id="{DDD94E0B-7B78-5E5E-2446-F684807A7209}"/>
+                <a16:creationId xmlns:a16="http://schemas.microsoft.com/office/drawing/2014/main" id="{29AF6FE4-6ADE-C358-5C15-F52655545DE6}"/>
               </a:ext>
             </a:extLst>
           </p:cNvPr>
-          <p:cNvSpPr/>
+          <p:cNvPicPr/>
           <p:nvPr/>
-        </p:nvSpPr>
+        </p:nvPicPr>
+        <p:blipFill>
+          <a:blip r:embed="rId3">
+            <a:extLst>
+              <a:ext uri="{28A0092B-C50C-407E-A947-70E740481C1C}">
+                <a14:useLocalDpi xmlns:a14="http://schemas.microsoft.com/office/drawing/2010/main" val="0"/>
+              </a:ext>
+            </a:extLst>
+          </a:blip>
+          <a:stretch>
+            <a:fillRect/>
+          </a:stretch>
+        </p:blipFill>
         <p:spPr>
           <a:xfrm>
-            <a:off x="3878580" y="1438977"/>
-            <a:ext cx="4622132" cy="5203723"/>
+            <a:off x="4118411" y="1822200"/>
+            <a:ext cx="3955177" cy="4506945"/>
           </a:xfrm>
           <a:prstGeom prst="rect">
             <a:avLst/>
           </a:prstGeom>
-          <a:noFill/>
-          <a:ln>
-            <a:noFill/>
-          </a:ln>
         </p:spPr>
-        <p:style>
-          <a:lnRef idx="0">
-            <a:scrgbClr r="0" g="0" b="0"/>
-          </a:lnRef>
-          <a:fillRef idx="0">
-            <a:scrgbClr r="0" g="0" b="0"/>
-          </a:fillRef>
-          <a:effectRef idx="0">
-            <a:scrgbClr r="0" g="0" b="0"/>
-          </a:effectRef>
-          <a:fontRef idx="minor">
-            <a:schemeClr val="dk1"/>
-          </a:fontRef>
-        </p:style>
-        <p:txBody>
-          <a:bodyPr rtlCol="0" anchor="t"/>
-          <a:lstStyle/>
-          <a:p>
-            <a:pPr>
-              <a:lnSpc>
-                <a:spcPct val="150000"/>
-              </a:lnSpc>
-              <a:tabLst>
-                <a:tab pos="4127500" algn="l"/>
-              </a:tabLst>
-            </a:pPr>
-            <a:r>
-              <a:rPr lang="nl-BE" sz="2800" dirty="0">
-                <a:solidFill>
-                  <a:schemeClr val="tx1"/>
-                </a:solidFill>
-                <a:latin typeface="Barlow Condensed Medium" panose="00000606000000000000" pitchFamily="2" charset="0"/>
-              </a:rPr>
-              <a:t>1	1</a:t>
-            </a:r>
-          </a:p>
-          <a:p>
-            <a:pPr>
-              <a:lnSpc>
-                <a:spcPct val="150000"/>
-              </a:lnSpc>
-              <a:tabLst>
-                <a:tab pos="4127500" algn="l"/>
-              </a:tabLst>
-            </a:pPr>
-            <a:r>
-              <a:rPr lang="nl-BE" sz="2800" dirty="0">
-                <a:solidFill>
-                  <a:schemeClr val="tx1"/>
-                </a:solidFill>
-                <a:latin typeface="Barlow Condensed Medium" panose="00000606000000000000" pitchFamily="2" charset="0"/>
-              </a:rPr>
-              <a:t>1	1</a:t>
-            </a:r>
-          </a:p>
-          <a:p>
-            <a:pPr>
-              <a:lnSpc>
-                <a:spcPct val="150000"/>
-              </a:lnSpc>
-              <a:tabLst>
-                <a:tab pos="4127500" algn="l"/>
-              </a:tabLst>
-            </a:pPr>
-            <a:r>
-              <a:rPr lang="nl-BE" sz="2800" dirty="0">
-                <a:solidFill>
-                  <a:schemeClr val="tx1"/>
-                </a:solidFill>
-                <a:latin typeface="Barlow Condensed Medium" panose="00000606000000000000" pitchFamily="2" charset="0"/>
-              </a:rPr>
-              <a:t>0	0</a:t>
-            </a:r>
-          </a:p>
-          <a:p>
-            <a:pPr>
-              <a:lnSpc>
-                <a:spcPct val="150000"/>
-              </a:lnSpc>
-              <a:tabLst>
-                <a:tab pos="4127500" algn="l"/>
-              </a:tabLst>
-            </a:pPr>
-            <a:r>
-              <a:rPr lang="nl-BE" sz="2800" dirty="0">
-                <a:solidFill>
-                  <a:schemeClr val="tx1"/>
-                </a:solidFill>
-                <a:latin typeface="Barlow Condensed Medium" panose="00000606000000000000" pitchFamily="2" charset="0"/>
-              </a:rPr>
-              <a:t>1	1</a:t>
-            </a:r>
-          </a:p>
-          <a:p>
-            <a:pPr>
-              <a:lnSpc>
-                <a:spcPct val="150000"/>
-              </a:lnSpc>
-              <a:tabLst>
-                <a:tab pos="4127500" algn="l"/>
-              </a:tabLst>
-            </a:pPr>
-            <a:r>
-              <a:rPr lang="nl-BE" sz="2800" dirty="0">
-                <a:solidFill>
-                  <a:schemeClr val="tx1"/>
-                </a:solidFill>
-                <a:latin typeface="Barlow Condensed Medium" panose="00000606000000000000" pitchFamily="2" charset="0"/>
-              </a:rPr>
-              <a:t>0	0</a:t>
-            </a:r>
-          </a:p>
-          <a:p>
-            <a:pPr>
-              <a:lnSpc>
-                <a:spcPct val="150000"/>
-              </a:lnSpc>
-              <a:tabLst>
-                <a:tab pos="4127500" algn="l"/>
-              </a:tabLst>
-            </a:pPr>
-            <a:r>
-              <a:rPr lang="nl-BE" sz="2800" dirty="0">
-                <a:solidFill>
-                  <a:schemeClr val="tx1"/>
-                </a:solidFill>
-                <a:latin typeface="Barlow Condensed Medium" panose="00000606000000000000" pitchFamily="2" charset="0"/>
-              </a:rPr>
-              <a:t>0	0</a:t>
-            </a:r>
-          </a:p>
-          <a:p>
-            <a:pPr>
-              <a:lnSpc>
-                <a:spcPct val="150000"/>
-              </a:lnSpc>
-              <a:tabLst>
-                <a:tab pos="4127500" algn="l"/>
-              </a:tabLst>
-            </a:pPr>
-            <a:r>
-              <a:rPr lang="nl-BE" sz="2800" dirty="0">
-                <a:solidFill>
-                  <a:schemeClr val="tx1"/>
-                </a:solidFill>
-                <a:latin typeface="Barlow Condensed Medium" panose="00000606000000000000" pitchFamily="2" charset="0"/>
-              </a:rPr>
-              <a:t>1	1</a:t>
-            </a:r>
-          </a:p>
-          <a:p>
-            <a:pPr>
-              <a:lnSpc>
-                <a:spcPct val="150000"/>
-              </a:lnSpc>
-              <a:tabLst>
-                <a:tab pos="4127500" algn="l"/>
-              </a:tabLst>
-            </a:pPr>
-            <a:r>
-              <a:rPr lang="nl-BE" sz="2800" dirty="0">
-                <a:solidFill>
-                  <a:schemeClr val="tx1"/>
-                </a:solidFill>
-                <a:latin typeface="Barlow Condensed Medium" panose="00000606000000000000" pitchFamily="2" charset="0"/>
-              </a:rPr>
-              <a:t>0	0</a:t>
-            </a:r>
-          </a:p>
-          <a:p>
-            <a:endParaRPr lang="nl-BE" sz="3200" dirty="0">
-              <a:latin typeface="Barlow Condensed Medium" panose="00000606000000000000" pitchFamily="2" charset="0"/>
-            </a:endParaRPr>
-          </a:p>
-          <a:p>
-            <a:endParaRPr lang="nl-BE" sz="3200" dirty="0">
-              <a:latin typeface="Barlow Condensed Medium" panose="00000606000000000000" pitchFamily="2" charset="0"/>
-            </a:endParaRPr>
-          </a:p>
-          <a:p>
-            <a:endParaRPr lang="nl-BE" sz="3200" dirty="0">
-              <a:latin typeface="Barlow Condensed Medium" panose="00000606000000000000" pitchFamily="2" charset="0"/>
-            </a:endParaRPr>
-          </a:p>
-          <a:p>
-            <a:endParaRPr lang="nl-BE" sz="3200" dirty="0">
-              <a:latin typeface="Barlow Condensed Medium" panose="00000606000000000000" pitchFamily="2" charset="0"/>
-            </a:endParaRPr>
-          </a:p>
-        </p:txBody>
-      </p:sp>
-      <p:cxnSp>
-        <p:nvCxnSpPr>
-          <p:cNvPr id="9" name="Rechte verbindingslijn 13">
-            <a:extLst>
-              <a:ext uri="{FF2B5EF4-FFF2-40B4-BE49-F238E27FC236}">
-                <a16:creationId xmlns:a16="http://schemas.microsoft.com/office/drawing/2014/main" id="{D8306729-536C-F0A2-D3F1-3B77D419497D}"/>
-              </a:ext>
-            </a:extLst>
-          </p:cNvPr>
-          <p:cNvCxnSpPr/>
-          <p:nvPr/>
-        </p:nvCxnSpPr>
-        <p:spPr>
-          <a:xfrm>
-            <a:off x="4241533" y="4032560"/>
-            <a:ext cx="3713748" cy="8278"/>
-          </a:xfrm>
-          <a:prstGeom prst="line">
-            <a:avLst/>
-          </a:prstGeom>
-          <a:ln w="38100">
-            <a:solidFill>
-              <a:schemeClr val="tx1"/>
-            </a:solidFill>
-          </a:ln>
-        </p:spPr>
-        <p:style>
-          <a:lnRef idx="1">
-            <a:schemeClr val="accent1"/>
-          </a:lnRef>
-          <a:fillRef idx="0">
-            <a:schemeClr val="accent1"/>
-          </a:fillRef>
-          <a:effectRef idx="0">
-            <a:schemeClr val="accent1"/>
-          </a:effectRef>
-          <a:fontRef idx="minor">
-            <a:schemeClr val="tx1"/>
-          </a:fontRef>
-        </p:style>
-      </p:cxnSp>
-      <p:sp>
-        <p:nvSpPr>
-          <p:cNvPr id="12" name="Tekstvak 22">
-            <a:extLst>
-              <a:ext uri="{FF2B5EF4-FFF2-40B4-BE49-F238E27FC236}">
-                <a16:creationId xmlns:a16="http://schemas.microsoft.com/office/drawing/2014/main" id="{398ABC47-8D1A-87D4-E1F0-E5C2478F9D54}"/>
-              </a:ext>
-            </a:extLst>
-          </p:cNvPr>
-          <p:cNvSpPr txBox="1"/>
-          <p:nvPr/>
-        </p:nvSpPr>
-        <p:spPr>
-          <a:xfrm>
-            <a:off x="5601099" y="4030323"/>
-            <a:ext cx="1359568" cy="523220"/>
-          </a:xfrm>
-          <a:prstGeom prst="rect">
-            <a:avLst/>
-          </a:prstGeom>
-          <a:noFill/>
-        </p:spPr>
-        <p:txBody>
-          <a:bodyPr wrap="square" rtlCol="0">
-            <a:spAutoFit/>
-          </a:bodyPr>
-          <a:lstStyle/>
-          <a:p>
-            <a:r>
-              <a:rPr lang="nl-BE" sz="2800" dirty="0">
-                <a:latin typeface="Barlow Condensed Medium" panose="00000606000000000000" pitchFamily="2" charset="0"/>
-              </a:rPr>
-              <a:t>11010010</a:t>
-            </a:r>
-          </a:p>
-        </p:txBody>
-      </p:sp>
-      <p:cxnSp>
-        <p:nvCxnSpPr>
-          <p:cNvPr id="13" name="Rechte verbindingslijn 4">
-            <a:extLst>
-              <a:ext uri="{FF2B5EF4-FFF2-40B4-BE49-F238E27FC236}">
-                <a16:creationId xmlns:a16="http://schemas.microsoft.com/office/drawing/2014/main" id="{97AED5BC-7636-E44F-9CFD-822B6999417C}"/>
-              </a:ext>
-            </a:extLst>
-          </p:cNvPr>
-          <p:cNvCxnSpPr/>
-          <p:nvPr/>
-        </p:nvCxnSpPr>
-        <p:spPr>
-          <a:xfrm>
-            <a:off x="4241534" y="1749802"/>
-            <a:ext cx="0" cy="4720372"/>
-          </a:xfrm>
-          <a:prstGeom prst="line">
-            <a:avLst/>
-          </a:prstGeom>
-          <a:ln w="38100">
-            <a:solidFill>
-              <a:schemeClr val="tx1"/>
-            </a:solidFill>
-          </a:ln>
-        </p:spPr>
-        <p:style>
-          <a:lnRef idx="1">
-            <a:schemeClr val="accent1"/>
-          </a:lnRef>
-          <a:fillRef idx="0">
-            <a:schemeClr val="accent1"/>
-          </a:fillRef>
-          <a:effectRef idx="0">
-            <a:schemeClr val="accent1"/>
-          </a:effectRef>
-          <a:fontRef idx="minor">
-            <a:schemeClr val="tx1"/>
-          </a:fontRef>
-        </p:style>
-      </p:cxnSp>
-      <p:cxnSp>
-        <p:nvCxnSpPr>
-          <p:cNvPr id="14" name="Rechte verbindingslijn 12">
-            <a:extLst>
-              <a:ext uri="{FF2B5EF4-FFF2-40B4-BE49-F238E27FC236}">
-                <a16:creationId xmlns:a16="http://schemas.microsoft.com/office/drawing/2014/main" id="{9AB0ED06-097A-78B9-5B63-EFDF896C9C31}"/>
-              </a:ext>
-            </a:extLst>
-          </p:cNvPr>
-          <p:cNvCxnSpPr/>
-          <p:nvPr/>
-        </p:nvCxnSpPr>
-        <p:spPr>
-          <a:xfrm>
-            <a:off x="7955282" y="1690688"/>
-            <a:ext cx="0" cy="4720372"/>
-          </a:xfrm>
-          <a:prstGeom prst="line">
-            <a:avLst/>
-          </a:prstGeom>
-          <a:ln w="38100">
-            <a:solidFill>
-              <a:schemeClr val="tx1"/>
-            </a:solidFill>
-          </a:ln>
-        </p:spPr>
-        <p:style>
-          <a:lnRef idx="1">
-            <a:schemeClr val="accent1"/>
-          </a:lnRef>
-          <a:fillRef idx="0">
-            <a:schemeClr val="accent1"/>
-          </a:fillRef>
-          <a:effectRef idx="0">
-            <a:schemeClr val="accent1"/>
-          </a:effectRef>
-          <a:fontRef idx="minor">
-            <a:schemeClr val="tx1"/>
-          </a:fontRef>
-        </p:style>
-      </p:cxnSp>
+      </p:pic>
     </p:spTree>
     <p:extLst>
       <p:ext uri="{BB962C8B-B14F-4D97-AF65-F5344CB8AC3E}">
-        <p14:creationId xmlns:p14="http://schemas.microsoft.com/office/powerpoint/2010/main" val="1506375224"/>
+        <p14:creationId xmlns:p14="http://schemas.microsoft.com/office/powerpoint/2010/main" val="353765019"/>
       </p:ext>
     </p:extLst>
   </p:cSld>
   <p:clrMapOvr>
     <a:masterClrMapping/>
   </p:clrMapOvr>
+  <p:timing>
+    <p:tnLst>
+      <p:par>
+        <p:cTn id="1" dur="indefinite" restart="never" nodeType="tmRoot">
+          <p:childTnLst>
+            <p:seq concurrent="1" nextAc="seek">
+              <p:cTn id="2" dur="indefinite" nodeType="mainSeq">
+                <p:childTnLst>
+                  <p:par>
+                    <p:cTn id="3" fill="hold">
+                      <p:stCondLst>
+                        <p:cond delay="indefinite"/>
+                        <p:cond evt="onBegin" delay="0">
+                          <p:tn val="2"/>
+                        </p:cond>
+                      </p:stCondLst>
+                      <p:childTnLst>
+                        <p:par>
+                          <p:cTn id="4" fill="hold">
+                            <p:stCondLst>
+                              <p:cond delay="0"/>
+                            </p:stCondLst>
+                            <p:childTnLst>
+                              <p:par>
+                                <p:cTn id="5" presetID="10" presetClass="entr" presetSubtype="0" fill="hold" nodeType="withEffect">
+                                  <p:stCondLst>
+                                    <p:cond delay="0"/>
+                                  </p:stCondLst>
+                                  <p:childTnLst>
+                                    <p:set>
+                                      <p:cBhvr>
+                                        <p:cTn id="6" dur="1" fill="hold">
+                                          <p:stCondLst>
+                                            <p:cond delay="0"/>
+                                          </p:stCondLst>
+                                        </p:cTn>
+                                        <p:tgtEl>
+                                          <p:spTgt spid="5"/>
+                                        </p:tgtEl>
+                                        <p:attrNameLst>
+                                          <p:attrName>style.visibility</p:attrName>
+                                        </p:attrNameLst>
+                                      </p:cBhvr>
+                                      <p:to>
+                                        <p:strVal val="visible"/>
+                                      </p:to>
+                                    </p:set>
+                                    <p:animEffect transition="in" filter="fade">
+                                      <p:cBhvr>
+                                        <p:cTn id="7" dur="500"/>
+                                        <p:tgtEl>
+                                          <p:spTgt spid="5"/>
+                                        </p:tgtEl>
+                                      </p:cBhvr>
+                                    </p:animEffect>
+                                  </p:childTnLst>
+                                </p:cTn>
+                              </p:par>
+                            </p:childTnLst>
+                          </p:cTn>
+                        </p:par>
+                      </p:childTnLst>
+                    </p:cTn>
+                  </p:par>
+                </p:childTnLst>
+              </p:cTn>
+              <p:prevCondLst>
+                <p:cond evt="onPrev" delay="0">
+                  <p:tgtEl>
+                    <p:sldTgt/>
+                  </p:tgtEl>
+                </p:cond>
+              </p:prevCondLst>
+              <p:nextCondLst>
+                <p:cond evt="onNext" delay="0">
+                  <p:tgtEl>
+                    <p:sldTgt/>
+                  </p:tgtEl>
+                </p:cond>
+              </p:nextCondLst>
+            </p:seq>
+          </p:childTnLst>
+        </p:cTn>
+      </p:par>
+    </p:tnLst>
+  </p:timing>
 </p:sld>
 </file>
 
@@ -22951,193 +26714,6 @@
   <p:cSld>
     <p:spTree>
       <p:nvGrpSpPr>
-        <p:cNvPr id="1" name=""/>
-        <p:cNvGrpSpPr/>
-        <p:nvPr/>
-      </p:nvGrpSpPr>
-      <p:grpSpPr>
-        <a:xfrm>
-          <a:off x="0" y="0"/>
-          <a:ext cx="0" cy="0"/>
-          <a:chOff x="0" y="0"/>
-          <a:chExt cx="0" cy="0"/>
-        </a:xfrm>
-      </p:grpSpPr>
-      <p:sp>
-        <p:nvSpPr>
-          <p:cNvPr id="2" name="Title 1">
-            <a:extLst>
-              <a:ext uri="{FF2B5EF4-FFF2-40B4-BE49-F238E27FC236}">
-                <a16:creationId xmlns:a16="http://schemas.microsoft.com/office/drawing/2014/main" id="{104058DD-1549-0655-D98F-9125044A2419}"/>
-              </a:ext>
-            </a:extLst>
-          </p:cNvPr>
-          <p:cNvSpPr>
-            <a:spLocks noGrp="1"/>
-          </p:cNvSpPr>
-          <p:nvPr>
-            <p:ph type="title"/>
-          </p:nvPr>
-        </p:nvSpPr>
-        <p:spPr/>
-        <p:txBody>
-          <a:bodyPr/>
-          <a:lstStyle/>
-          <a:p>
-            <a:r>
-              <a:rPr lang="en-US" dirty="0" err="1"/>
-              <a:t>Parallelle</a:t>
-            </a:r>
-            <a:r>
-              <a:rPr lang="en-US" dirty="0"/>
-              <a:t> </a:t>
-            </a:r>
-            <a:r>
-              <a:rPr lang="en-US" dirty="0" err="1"/>
-              <a:t>gegevensoverdracht</a:t>
-            </a:r>
-            <a:endParaRPr lang="LID4096" dirty="0"/>
-          </a:p>
-        </p:txBody>
-      </p:sp>
-      <p:pic>
-        <p:nvPicPr>
-          <p:cNvPr id="5" name="Afbeelding 21">
-            <a:extLst>
-              <a:ext uri="{FF2B5EF4-FFF2-40B4-BE49-F238E27FC236}">
-                <a16:creationId xmlns:a16="http://schemas.microsoft.com/office/drawing/2014/main" id="{29AF6FE4-6ADE-C358-5C15-F52655545DE6}"/>
-              </a:ext>
-            </a:extLst>
-          </p:cNvPr>
-          <p:cNvPicPr/>
-          <p:nvPr/>
-        </p:nvPicPr>
-        <p:blipFill>
-          <a:blip r:embed="rId2">
-            <a:extLst>
-              <a:ext uri="{28A0092B-C50C-407E-A947-70E740481C1C}">
-                <a14:useLocalDpi xmlns:a14="http://schemas.microsoft.com/office/drawing/2010/main" val="0"/>
-              </a:ext>
-            </a:extLst>
-          </a:blip>
-          <a:stretch>
-            <a:fillRect/>
-          </a:stretch>
-        </p:blipFill>
-        <p:spPr>
-          <a:xfrm>
-            <a:off x="4118411" y="1822200"/>
-            <a:ext cx="3955177" cy="4506945"/>
-          </a:xfrm>
-          <a:prstGeom prst="rect">
-            <a:avLst/>
-          </a:prstGeom>
-        </p:spPr>
-      </p:pic>
-    </p:spTree>
-    <p:extLst>
-      <p:ext uri="{BB962C8B-B14F-4D97-AF65-F5344CB8AC3E}">
-        <p14:creationId xmlns:p14="http://schemas.microsoft.com/office/powerpoint/2010/main" val="353765019"/>
-      </p:ext>
-    </p:extLst>
-  </p:cSld>
-  <p:clrMapOvr>
-    <a:masterClrMapping/>
-  </p:clrMapOvr>
-  <p:timing>
-    <p:tnLst>
-      <p:par>
-        <p:cTn id="1" dur="indefinite" restart="never" nodeType="tmRoot">
-          <p:childTnLst>
-            <p:seq concurrent="1" nextAc="seek">
-              <p:cTn id="2" dur="indefinite" nodeType="mainSeq">
-                <p:childTnLst>
-                  <p:par>
-                    <p:cTn id="3" fill="hold">
-                      <p:stCondLst>
-                        <p:cond delay="indefinite"/>
-                        <p:cond evt="onBegin" delay="0">
-                          <p:tn val="2"/>
-                        </p:cond>
-                      </p:stCondLst>
-                      <p:childTnLst>
-                        <p:par>
-                          <p:cTn id="4" fill="hold">
-                            <p:stCondLst>
-                              <p:cond delay="0"/>
-                            </p:stCondLst>
-                            <p:childTnLst>
-                              <p:par>
-                                <p:cTn id="5" presetID="10" presetClass="entr" presetSubtype="0" fill="hold" nodeType="withEffect">
-                                  <p:stCondLst>
-                                    <p:cond delay="0"/>
-                                  </p:stCondLst>
-                                  <p:childTnLst>
-                                    <p:set>
-                                      <p:cBhvr>
-                                        <p:cTn id="6" dur="1" fill="hold">
-                                          <p:stCondLst>
-                                            <p:cond delay="0"/>
-                                          </p:stCondLst>
-                                        </p:cTn>
-                                        <p:tgtEl>
-                                          <p:spTgt spid="5"/>
-                                        </p:tgtEl>
-                                        <p:attrNameLst>
-                                          <p:attrName>style.visibility</p:attrName>
-                                        </p:attrNameLst>
-                                      </p:cBhvr>
-                                      <p:to>
-                                        <p:strVal val="visible"/>
-                                      </p:to>
-                                    </p:set>
-                                    <p:animEffect transition="in" filter="fade">
-                                      <p:cBhvr>
-                                        <p:cTn id="7" dur="500"/>
-                                        <p:tgtEl>
-                                          <p:spTgt spid="5"/>
-                                        </p:tgtEl>
-                                      </p:cBhvr>
-                                    </p:animEffect>
-                                  </p:childTnLst>
-                                </p:cTn>
-                              </p:par>
-                            </p:childTnLst>
-                          </p:cTn>
-                        </p:par>
-                      </p:childTnLst>
-                    </p:cTn>
-                  </p:par>
-                </p:childTnLst>
-              </p:cTn>
-              <p:prevCondLst>
-                <p:cond evt="onPrev" delay="0">
-                  <p:tgtEl>
-                    <p:sldTgt/>
-                  </p:tgtEl>
-                </p:cond>
-              </p:prevCondLst>
-              <p:nextCondLst>
-                <p:cond evt="onNext" delay="0">
-                  <p:tgtEl>
-                    <p:sldTgt/>
-                  </p:tgtEl>
-                </p:cond>
-              </p:nextCondLst>
-            </p:seq>
-          </p:childTnLst>
-        </p:cTn>
-      </p:par>
-    </p:tnLst>
-  </p:timing>
-</p:sld>
-</file>
-
-<file path=ppt/slides/slide41.xml><?xml version="1.0" encoding="utf-8"?>
-<p:sld xmlns:a="http://schemas.openxmlformats.org/drawingml/2006/main" xmlns:r="http://schemas.openxmlformats.org/officeDocument/2006/relationships" xmlns:p="http://schemas.openxmlformats.org/presentationml/2006/main">
-  <p:cSld>
-    <p:spTree>
-      <p:nvGrpSpPr>
         <p:cNvPr id="1" name="">
           <a:extLst>
             <a:ext uri="{FF2B5EF4-FFF2-40B4-BE49-F238E27FC236}">
@@ -23208,7 +26784,7 @@
           <p:nvPr/>
         </p:nvPicPr>
         <p:blipFill rotWithShape="1">
-          <a:blip r:embed="rId2">
+          <a:blip r:embed="rId3">
             <a:extLst>
               <a:ext uri="{28A0092B-C50C-407E-A947-70E740481C1C}">
                 <a14:useLocalDpi xmlns:a14="http://schemas.microsoft.com/office/drawing/2010/main" val="0"/>
@@ -23337,7 +26913,7 @@
 </p:sld>
 </file>
 
-<file path=ppt/slides/slide42.xml><?xml version="1.0" encoding="utf-8"?>
+<file path=ppt/slides/slide41.xml><?xml version="1.0" encoding="utf-8"?>
 <p:sld xmlns:a="http://schemas.openxmlformats.org/drawingml/2006/main" xmlns:r="http://schemas.openxmlformats.org/officeDocument/2006/relationships" xmlns:p="http://schemas.openxmlformats.org/presentationml/2006/main">
   <p:cSld>
     <p:spTree>
@@ -23858,7 +27434,7 @@
 </p:sld>
 </file>
 
-<file path=ppt/slides/slide43.xml><?xml version="1.0" encoding="utf-8"?>
+<file path=ppt/slides/slide42.xml><?xml version="1.0" encoding="utf-8"?>
 <p:sld xmlns:a="http://schemas.openxmlformats.org/drawingml/2006/main" xmlns:r="http://schemas.openxmlformats.org/officeDocument/2006/relationships" xmlns:p="http://schemas.openxmlformats.org/presentationml/2006/main">
   <p:cSld>
     <p:spTree>
@@ -23945,6 +27521,77 @@
 </p:sld>
 </file>
 
+<file path=ppt/slides/slide43.xml><?xml version="1.0" encoding="utf-8"?>
+<p:sld xmlns:a="http://schemas.openxmlformats.org/drawingml/2006/main" xmlns:r="http://schemas.openxmlformats.org/officeDocument/2006/relationships" xmlns:p="http://schemas.openxmlformats.org/presentationml/2006/main">
+  <p:cSld>
+    <p:spTree>
+      <p:nvGrpSpPr>
+        <p:cNvPr id="1" name=""/>
+        <p:cNvGrpSpPr/>
+        <p:nvPr/>
+      </p:nvGrpSpPr>
+      <p:grpSpPr>
+        <a:xfrm>
+          <a:off x="0" y="0"/>
+          <a:ext cx="0" cy="0"/>
+          <a:chOff x="0" y="0"/>
+          <a:chExt cx="0" cy="0"/>
+        </a:xfrm>
+      </p:grpSpPr>
+      <p:sp>
+        <p:nvSpPr>
+          <p:cNvPr id="2" name="Title 1">
+            <a:extLst>
+              <a:ext uri="{FF2B5EF4-FFF2-40B4-BE49-F238E27FC236}">
+                <a16:creationId xmlns:a16="http://schemas.microsoft.com/office/drawing/2014/main" id="{B2B0BE8F-2CE3-4BED-42D5-6C039A68FC98}"/>
+              </a:ext>
+            </a:extLst>
+          </p:cNvPr>
+          <p:cNvSpPr>
+            <a:spLocks noGrp="1"/>
+          </p:cNvSpPr>
+          <p:nvPr>
+            <p:ph type="title"/>
+          </p:nvPr>
+        </p:nvSpPr>
+        <p:spPr>
+          <a:xfrm>
+            <a:off x="838200" y="2661285"/>
+            <a:ext cx="10515600" cy="1325563"/>
+          </a:xfrm>
+        </p:spPr>
+        <p:txBody>
+          <a:bodyPr>
+            <a:normAutofit/>
+          </a:bodyPr>
+          <a:lstStyle/>
+          <a:p>
+            <a:pPr algn="ctr"/>
+            <a:r>
+              <a:rPr lang="en-US" sz="6600" dirty="0" err="1"/>
+              <a:t>Serieel</a:t>
+            </a:r>
+            <a:r>
+              <a:rPr lang="en-US" sz="6600" dirty="0"/>
+              <a:t> of Parallel?</a:t>
+            </a:r>
+            <a:endParaRPr lang="LID4096" sz="6600" dirty="0"/>
+          </a:p>
+        </p:txBody>
+      </p:sp>
+    </p:spTree>
+    <p:extLst>
+      <p:ext uri="{BB962C8B-B14F-4D97-AF65-F5344CB8AC3E}">
+        <p14:creationId xmlns:p14="http://schemas.microsoft.com/office/powerpoint/2010/main" val="1218481862"/>
+      </p:ext>
+    </p:extLst>
+  </p:cSld>
+  <p:clrMapOvr>
+    <a:masterClrMapping/>
+  </p:clrMapOvr>
+</p:sld>
+</file>
+
 <file path=ppt/slides/slide44.xml><?xml version="1.0" encoding="utf-8"?>
 <p:sld xmlns:a="http://schemas.openxmlformats.org/drawingml/2006/main" xmlns:r="http://schemas.openxmlformats.org/officeDocument/2006/relationships" xmlns:p="http://schemas.openxmlformats.org/presentationml/2006/main">
   <p:cSld>
@@ -23967,7 +27614,7 @@
           <p:cNvPr id="2" name="Title 1">
             <a:extLst>
               <a:ext uri="{FF2B5EF4-FFF2-40B4-BE49-F238E27FC236}">
-                <a16:creationId xmlns:a16="http://schemas.microsoft.com/office/drawing/2014/main" id="{B2B0BE8F-2CE3-4BED-42D5-6C039A68FC98}"/>
+                <a16:creationId xmlns:a16="http://schemas.microsoft.com/office/drawing/2014/main" id="{7A8CFBCC-BBF4-DE54-CC0A-F405B27CA4AC}"/>
               </a:ext>
             </a:extLst>
           </p:cNvPr>
@@ -23980,7 +27627,7 @@
         </p:nvSpPr>
         <p:spPr>
           <a:xfrm>
-            <a:off x="838200" y="2661285"/>
+            <a:off x="838200" y="2766218"/>
             <a:ext cx="10515600" cy="1325563"/>
           </a:xfrm>
         </p:spPr>
@@ -23992,21 +27639,17 @@
           <a:p>
             <a:pPr algn="ctr"/>
             <a:r>
-              <a:rPr lang="en-US" sz="6600" dirty="0" err="1"/>
-              <a:t>Serieel</a:t>
-            </a:r>
-            <a:r>
-              <a:rPr lang="en-US" sz="6600" dirty="0"/>
-              <a:t> of Parallel?</a:t>
-            </a:r>
-            <a:endParaRPr lang="LID4096" sz="6600" dirty="0"/>
+              <a:rPr lang="en-US" sz="6000" dirty="0" err="1"/>
+              <a:t>Transmissiesnelheden</a:t>
+            </a:r>
+            <a:endParaRPr lang="LID4096" sz="6000" dirty="0"/>
           </a:p>
         </p:txBody>
       </p:sp>
     </p:spTree>
     <p:extLst>
       <p:ext uri="{BB962C8B-B14F-4D97-AF65-F5344CB8AC3E}">
-        <p14:creationId xmlns:p14="http://schemas.microsoft.com/office/powerpoint/2010/main" val="1218481862"/>
+        <p14:creationId xmlns:p14="http://schemas.microsoft.com/office/powerpoint/2010/main" val="1976270134"/>
       </p:ext>
     </p:extLst>
   </p:cSld>
@@ -24038,73 +27681,6 @@
           <p:cNvPr id="2" name="Title 1">
             <a:extLst>
               <a:ext uri="{FF2B5EF4-FFF2-40B4-BE49-F238E27FC236}">
-                <a16:creationId xmlns:a16="http://schemas.microsoft.com/office/drawing/2014/main" id="{7A8CFBCC-BBF4-DE54-CC0A-F405B27CA4AC}"/>
-              </a:ext>
-            </a:extLst>
-          </p:cNvPr>
-          <p:cNvSpPr>
-            <a:spLocks noGrp="1"/>
-          </p:cNvSpPr>
-          <p:nvPr>
-            <p:ph type="title"/>
-          </p:nvPr>
-        </p:nvSpPr>
-        <p:spPr>
-          <a:xfrm>
-            <a:off x="838200" y="2766218"/>
-            <a:ext cx="10515600" cy="1325563"/>
-          </a:xfrm>
-        </p:spPr>
-        <p:txBody>
-          <a:bodyPr>
-            <a:normAutofit/>
-          </a:bodyPr>
-          <a:lstStyle/>
-          <a:p>
-            <a:pPr algn="ctr"/>
-            <a:r>
-              <a:rPr lang="en-US" sz="6000" dirty="0" err="1"/>
-              <a:t>Transmissiesnelheden</a:t>
-            </a:r>
-            <a:endParaRPr lang="LID4096" sz="6000" dirty="0"/>
-          </a:p>
-        </p:txBody>
-      </p:sp>
-    </p:spTree>
-    <p:extLst>
-      <p:ext uri="{BB962C8B-B14F-4D97-AF65-F5344CB8AC3E}">
-        <p14:creationId xmlns:p14="http://schemas.microsoft.com/office/powerpoint/2010/main" val="1976270134"/>
-      </p:ext>
-    </p:extLst>
-  </p:cSld>
-  <p:clrMapOvr>
-    <a:masterClrMapping/>
-  </p:clrMapOvr>
-</p:sld>
-</file>
-
-<file path=ppt/slides/slide46.xml><?xml version="1.0" encoding="utf-8"?>
-<p:sld xmlns:a="http://schemas.openxmlformats.org/drawingml/2006/main" xmlns:r="http://schemas.openxmlformats.org/officeDocument/2006/relationships" xmlns:p="http://schemas.openxmlformats.org/presentationml/2006/main">
-  <p:cSld>
-    <p:spTree>
-      <p:nvGrpSpPr>
-        <p:cNvPr id="1" name=""/>
-        <p:cNvGrpSpPr/>
-        <p:nvPr/>
-      </p:nvGrpSpPr>
-      <p:grpSpPr>
-        <a:xfrm>
-          <a:off x="0" y="0"/>
-          <a:ext cx="0" cy="0"/>
-          <a:chOff x="0" y="0"/>
-          <a:chExt cx="0" cy="0"/>
-        </a:xfrm>
-      </p:grpSpPr>
-      <p:sp>
-        <p:nvSpPr>
-          <p:cNvPr id="2" name="Title 1">
-            <a:extLst>
-              <a:ext uri="{FF2B5EF4-FFF2-40B4-BE49-F238E27FC236}">
                 <a16:creationId xmlns:a16="http://schemas.microsoft.com/office/drawing/2014/main" id="{4165DBDC-52CF-44D4-4ABD-DC666F228657}"/>
               </a:ext>
             </a:extLst>
@@ -24210,7 +27786,7 @@
 </p:sld>
 </file>
 
-<file path=ppt/slides/slide47.xml><?xml version="1.0" encoding="utf-8"?>
+<file path=ppt/slides/slide46.xml><?xml version="1.0" encoding="utf-8"?>
 <p:sld xmlns:a="http://schemas.openxmlformats.org/drawingml/2006/main" xmlns:r="http://schemas.openxmlformats.org/officeDocument/2006/relationships" xmlns:p="http://schemas.openxmlformats.org/presentationml/2006/main">
   <p:cSld>
     <p:spTree>
@@ -24303,12 +27879,12 @@
           <p:nvPr/>
         </p:nvPicPr>
         <p:blipFill>
-          <a:blip r:embed="rId2">
+          <a:blip r:embed="rId3">
             <a:biLevel thresh="75000"/>
             <a:extLst>
               <a:ext uri="{BEBA8EAE-BF5A-486C-A8C5-ECC9F3942E4B}">
                 <a14:imgProps xmlns:a14="http://schemas.microsoft.com/office/drawing/2010/main">
-                  <a14:imgLayer r:embed="rId3">
+                  <a14:imgLayer r:embed="rId4">
                     <a14:imgEffect>
                       <a14:saturation sat="0"/>
                     </a14:imgEffect>
@@ -24671,7 +28247,7 @@
 </p:sld>
 </file>
 
-<file path=ppt/slides/slide48.xml><?xml version="1.0" encoding="utf-8"?>
+<file path=ppt/slides/slide47.xml><?xml version="1.0" encoding="utf-8"?>
 <p:sld xmlns:a="http://schemas.openxmlformats.org/drawingml/2006/main" xmlns:r="http://schemas.openxmlformats.org/officeDocument/2006/relationships" xmlns:p="http://schemas.openxmlformats.org/presentationml/2006/main">
   <p:cSld>
     <p:spTree>
@@ -24980,7 +28556,7 @@
 </p:sld>
 </file>
 
-<file path=ppt/slides/slide49.xml><?xml version="1.0" encoding="utf-8"?>
+<file path=ppt/slides/slide48.xml><?xml version="1.0" encoding="utf-8"?>
 <p:sld xmlns:a="http://schemas.openxmlformats.org/drawingml/2006/main" xmlns:r="http://schemas.openxmlformats.org/officeDocument/2006/relationships" xmlns:p="http://schemas.openxmlformats.org/presentationml/2006/main">
   <p:cSld>
     <p:spTree>
@@ -25067,7 +28643,7 @@
           <p:nvPr/>
         </p:nvPicPr>
         <p:blipFill>
-          <a:blip r:embed="rId2">
+          <a:blip r:embed="rId3">
             <a:biLevel thresh="75000"/>
             <a:extLst>
               <a:ext uri="{28A0092B-C50C-407E-A947-70E740481C1C}">
@@ -25177,7 +28753,7 @@
           <p:nvPr/>
         </p:nvPicPr>
         <p:blipFill>
-          <a:blip r:embed="rId2">
+          <a:blip r:embed="rId3">
             <a:biLevel thresh="75000"/>
             <a:extLst>
               <a:ext uri="{28A0092B-C50C-407E-A947-70E740481C1C}">
@@ -28130,7 +31706,7 @@
           <p:nvPr/>
         </p:nvPicPr>
         <p:blipFill>
-          <a:blip r:embed="rId2">
+          <a:blip r:embed="rId3">
             <a:extLst>
               <a:ext uri="{28A0092B-C50C-407E-A947-70E740481C1C}">
                 <a14:useLocalDpi xmlns:a14="http://schemas.microsoft.com/office/drawing/2010/main" val="0"/>
@@ -28177,7 +31753,7 @@
           <p:nvPr/>
         </p:nvPicPr>
         <p:blipFill rotWithShape="1">
-          <a:blip r:embed="rId3">
+          <a:blip r:embed="rId4">
             <a:extLst>
               <a:ext uri="{28A0092B-C50C-407E-A947-70E740481C1C}">
                 <a14:useLocalDpi xmlns:a14="http://schemas.microsoft.com/office/drawing/2010/main" val="0"/>
